--- a/day2/lecture2_maximum_likelihood_eng.pptx
+++ b/day2/lecture2_maximum_likelihood_eng.pptx
@@ -5,28 +5,30 @@
     <p:sldMasterId id="2147483660" r:id="rId1"/>
   </p:sldMasterIdLst>
   <p:notesMasterIdLst>
-    <p:notesMasterId r:id="rId21"/>
+    <p:notesMasterId r:id="rId23"/>
   </p:notesMasterIdLst>
   <p:sldIdLst>
     <p:sldId id="256" r:id="rId2"/>
     <p:sldId id="258" r:id="rId3"/>
     <p:sldId id="259" r:id="rId4"/>
-    <p:sldId id="260" r:id="rId5"/>
-    <p:sldId id="261" r:id="rId6"/>
-    <p:sldId id="262" r:id="rId7"/>
-    <p:sldId id="263" r:id="rId8"/>
-    <p:sldId id="264" r:id="rId9"/>
-    <p:sldId id="265" r:id="rId10"/>
-    <p:sldId id="266" r:id="rId11"/>
-    <p:sldId id="267" r:id="rId12"/>
-    <p:sldId id="268" r:id="rId13"/>
-    <p:sldId id="269" r:id="rId14"/>
-    <p:sldId id="270" r:id="rId15"/>
-    <p:sldId id="271" r:id="rId16"/>
-    <p:sldId id="272" r:id="rId17"/>
-    <p:sldId id="273" r:id="rId18"/>
-    <p:sldId id="274" r:id="rId19"/>
-    <p:sldId id="283" r:id="rId20"/>
+    <p:sldId id="284" r:id="rId5"/>
+    <p:sldId id="285" r:id="rId6"/>
+    <p:sldId id="286" r:id="rId7"/>
+    <p:sldId id="260" r:id="rId8"/>
+    <p:sldId id="261" r:id="rId9"/>
+    <p:sldId id="262" r:id="rId10"/>
+    <p:sldId id="263" r:id="rId11"/>
+    <p:sldId id="264" r:id="rId12"/>
+    <p:sldId id="265" r:id="rId13"/>
+    <p:sldId id="267" r:id="rId14"/>
+    <p:sldId id="268" r:id="rId15"/>
+    <p:sldId id="269" r:id="rId16"/>
+    <p:sldId id="270" r:id="rId17"/>
+    <p:sldId id="271" r:id="rId18"/>
+    <p:sldId id="272" r:id="rId19"/>
+    <p:sldId id="273" r:id="rId20"/>
+    <p:sldId id="274" r:id="rId21"/>
+    <p:sldId id="283" r:id="rId22"/>
   </p:sldIdLst>
   <p:sldSz cx="9144000" cy="6858000" type="screen4x3"/>
   <p:notesSz cx="6858000" cy="9144000"/>
@@ -230,7 +232,7 @@
           <a:p>
             <a:fld id="{9EC8F33C-A7AA-43A7-BCA9-F081EA0B4664}" type="datetimeFigureOut">
               <a:rPr lang="en-US" smtClean="0"/>
-              <a:t>1/4/2022</a:t>
+              <a:t>1/6/2022</a:t>
             </a:fld>
             <a:endParaRPr lang="en-US"/>
           </a:p>
@@ -579,7 +581,7 @@
           </a:ln>
           <a:extLst>
             <a:ext uri="{909E8E84-426E-40dd-AFC4-6F175D3DCCD1}">
-              <a14:hiddenFill xmlns="" xmlns:a14="http://schemas.microsoft.com/office/drawing/2010/main">
+              <a14:hiddenFill xmlns:a14="http://schemas.microsoft.com/office/drawing/2010/main" xmlns="">
                 <a:solidFill>
                   <a:srgbClr val="FFFFFF"/>
                 </a:solidFill>
@@ -622,7 +624,7 @@
           </a:ln>
           <a:extLst>
             <a:ext uri="{909E8E84-426E-40dd-AFC4-6F175D3DCCD1}">
-              <a14:hiddenFill xmlns="" xmlns:a14="http://schemas.microsoft.com/office/drawing/2010/main">
+              <a14:hiddenFill xmlns:a14="http://schemas.microsoft.com/office/drawing/2010/main" xmlns="">
                 <a:noFill/>
               </a14:hiddenFill>
             </a:ext>
@@ -721,7 +723,7 @@
           <a:p>
             <a:fld id="{9A356AEA-056F-417E-9B38-4BA8743FE6C4}" type="datetime1">
               <a:rPr lang="en-US" smtClean="0"/>
-              <a:t>1/4/2022</a:t>
+              <a:t>1/6/2022</a:t>
             </a:fld>
             <a:endParaRPr lang="en-US"/>
           </a:p>
@@ -908,7 +910,7 @@
           <a:p>
             <a:fld id="{09867F7C-1948-4907-9EBC-DD38682B5188}" type="datetime1">
               <a:rPr lang="en-US" smtClean="0"/>
-              <a:t>1/4/2022</a:t>
+              <a:t>1/6/2022</a:t>
             </a:fld>
             <a:endParaRPr lang="en-US"/>
           </a:p>
@@ -1104,7 +1106,7 @@
           <a:p>
             <a:fld id="{A5996870-3492-4879-A20C-50CF7F25E309}" type="datetime1">
               <a:rPr lang="en-US" smtClean="0"/>
-              <a:t>1/4/2022</a:t>
+              <a:t>1/6/2022</a:t>
             </a:fld>
             <a:endParaRPr lang="en-US"/>
           </a:p>
@@ -1356,7 +1358,7 @@
           <a:p>
             <a:fld id="{3339509F-2835-4D20-8448-C5CCD453FC4A}" type="datetime1">
               <a:rPr lang="en-US" smtClean="0"/>
-              <a:t>1/4/2022</a:t>
+              <a:t>1/6/2022</a:t>
             </a:fld>
             <a:endParaRPr lang="en-US"/>
           </a:p>
@@ -1580,7 +1582,7 @@
           <a:p>
             <a:fld id="{7A6EDDDE-DBE4-4114-B865-EC3A2920782E}" type="datetime1">
               <a:rPr lang="en-US" smtClean="0"/>
-              <a:t>1/4/2022</a:t>
+              <a:t>1/6/2022</a:t>
             </a:fld>
             <a:endParaRPr lang="en-US"/>
           </a:p>
@@ -1888,7 +1890,7 @@
           <a:p>
             <a:fld id="{8DA96907-43AE-4B1E-B5FF-6853ADDA5697}" type="datetime1">
               <a:rPr lang="en-US" smtClean="0"/>
-              <a:t>1/4/2022</a:t>
+              <a:t>1/6/2022</a:t>
             </a:fld>
             <a:endParaRPr lang="en-US"/>
           </a:p>
@@ -2056,7 +2058,7 @@
           <a:p>
             <a:fld id="{2E65DF97-DE0F-4515-8F8D-0E1C627BC4E9}" type="datetime1">
               <a:rPr lang="en-US" smtClean="0"/>
-              <a:t>1/4/2022</a:t>
+              <a:t>1/6/2022</a:t>
             </a:fld>
             <a:endParaRPr lang="en-US"/>
           </a:p>
@@ -2368,7 +2370,7 @@
           <a:p>
             <a:fld id="{23B9FD00-80D5-4EA7-B536-8F4F2C3959C9}" type="datetime1">
               <a:rPr lang="en-US" smtClean="0"/>
-              <a:t>1/4/2022</a:t>
+              <a:t>1/6/2022</a:t>
             </a:fld>
             <a:endParaRPr lang="en-US"/>
           </a:p>
@@ -2680,7 +2682,7 @@
           <a:p>
             <a:fld id="{DAC77084-4DB4-4A23-9870-BF49183ACB4C}" type="datetime1">
               <a:rPr lang="en-US" smtClean="0"/>
-              <a:t>1/4/2022</a:t>
+              <a:t>1/6/2022</a:t>
             </a:fld>
             <a:endParaRPr lang="en-US"/>
           </a:p>
@@ -2866,7 +2868,7 @@
           <a:p>
             <a:fld id="{6E487ECE-0D8C-4AFB-BD35-997F06E0971C}" type="datetime1">
               <a:rPr lang="en-US" smtClean="0"/>
-              <a:t>1/4/2022</a:t>
+              <a:t>1/6/2022</a:t>
             </a:fld>
             <a:endParaRPr lang="en-US"/>
           </a:p>
@@ -3075,7 +3077,7 @@
           <a:p>
             <a:fld id="{D4F6DC8D-78A1-49CC-B033-F77D87B04958}" type="datetime1">
               <a:rPr lang="en-US" smtClean="0"/>
-              <a:t>1/4/2022</a:t>
+              <a:t>1/6/2022</a:t>
             </a:fld>
             <a:endParaRPr lang="en-US"/>
           </a:p>
@@ -3378,7 +3380,7 @@
           <a:p>
             <a:fld id="{3BCF4A7C-A413-48DA-9211-5240CAEE1DD4}" type="datetime1">
               <a:rPr lang="en-US" smtClean="0"/>
-              <a:t>1/4/2022</a:t>
+              <a:t>1/6/2022</a:t>
             </a:fld>
             <a:endParaRPr lang="en-US"/>
           </a:p>
@@ -3820,7 +3822,7 @@
           <a:p>
             <a:fld id="{AAE887C4-8D00-4515-BD6B-6D6B646F02F7}" type="datetime1">
               <a:rPr lang="en-US" smtClean="0"/>
-              <a:t>1/4/2022</a:t>
+              <a:t>1/6/2022</a:t>
             </a:fld>
             <a:endParaRPr lang="en-US"/>
           </a:p>
@@ -3955,7 +3957,7 @@
           <a:p>
             <a:fld id="{10C13C5A-776A-4D2B-A91E-2ACB7D90E7CC}" type="datetime1">
               <a:rPr lang="en-US" smtClean="0"/>
-              <a:t>1/4/2022</a:t>
+              <a:t>1/6/2022</a:t>
             </a:fld>
             <a:endParaRPr lang="en-US"/>
           </a:p>
@@ -4068,7 +4070,7 @@
           <a:p>
             <a:fld id="{00A5D59F-6FC3-492C-BAE3-F50C9D1FBA31}" type="datetime1">
               <a:rPr lang="en-US" smtClean="0"/>
-              <a:t>1/4/2022</a:t>
+              <a:t>1/6/2022</a:t>
             </a:fld>
             <a:endParaRPr lang="en-US"/>
           </a:p>
@@ -4361,7 +4363,7 @@
           <a:p>
             <a:fld id="{CD78B45F-E474-4F2F-801A-58FC9FE22655}" type="datetime1">
               <a:rPr lang="en-US" smtClean="0"/>
-              <a:t>1/4/2022</a:t>
+              <a:t>1/6/2022</a:t>
             </a:fld>
             <a:endParaRPr lang="en-US"/>
           </a:p>
@@ -4635,7 +4637,7 @@
           <a:p>
             <a:fld id="{FDF35450-A835-4587-8F84-782057674F92}" type="datetime1">
               <a:rPr lang="en-US" smtClean="0"/>
-              <a:t>1/4/2022</a:t>
+              <a:t>1/6/2022</a:t>
             </a:fld>
             <a:endParaRPr lang="en-US"/>
           </a:p>
@@ -4757,17 +4759,17 @@
           </a:ln>
           <a:extLst>
             <a:ext uri="{FAA26D3D-D897-4be2-8F04-BA451C77F1D7}">
-              <ma14:placeholderFlag xmlns="" xmlns:ma14="http://schemas.microsoft.com/office/mac/drawingml/2011/main" val="1"/>
+              <ma14:placeholderFlag xmlns:ma14="http://schemas.microsoft.com/office/mac/drawingml/2011/main" xmlns="" val="1"/>
             </a:ext>
             <a:ext uri="{909E8E84-426E-40dd-AFC4-6F175D3DCCD1}">
-              <a14:hiddenFill xmlns="" xmlns:a14="http://schemas.microsoft.com/office/drawing/2010/main">
+              <a14:hiddenFill xmlns:a14="http://schemas.microsoft.com/office/drawing/2010/main" xmlns="">
                 <a:solidFill>
                   <a:srgbClr val="FFFFFF"/>
                 </a:solidFill>
               </a14:hiddenFill>
             </a:ext>
             <a:ext uri="{91240B29-F687-4f45-9708-019B960494DF}">
-              <a14:hiddenLine xmlns="" xmlns:a14="http://schemas.microsoft.com/office/drawing/2010/main" w="9525">
+              <a14:hiddenLine xmlns:a14="http://schemas.microsoft.com/office/drawing/2010/main" xmlns="" w="9525">
                 <a:solidFill>
                   <a:srgbClr val="000000"/>
                 </a:solidFill>
@@ -4819,17 +4821,17 @@
           </a:ln>
           <a:extLst>
             <a:ext uri="{FAA26D3D-D897-4be2-8F04-BA451C77F1D7}">
-              <ma14:placeholderFlag xmlns="" xmlns:ma14="http://schemas.microsoft.com/office/mac/drawingml/2011/main" val="1"/>
+              <ma14:placeholderFlag xmlns:ma14="http://schemas.microsoft.com/office/mac/drawingml/2011/main" xmlns="" val="1"/>
             </a:ext>
             <a:ext uri="{909E8E84-426E-40dd-AFC4-6F175D3DCCD1}">
-              <a14:hiddenFill xmlns="" xmlns:a14="http://schemas.microsoft.com/office/drawing/2010/main">
+              <a14:hiddenFill xmlns:a14="http://schemas.microsoft.com/office/drawing/2010/main" xmlns="">
                 <a:solidFill>
                   <a:srgbClr val="FFFFFF"/>
                 </a:solidFill>
               </a14:hiddenFill>
             </a:ext>
             <a:ext uri="{91240B29-F687-4f45-9708-019B960494DF}">
-              <a14:hiddenLine xmlns="" xmlns:a14="http://schemas.microsoft.com/office/drawing/2010/main" w="9525">
+              <a14:hiddenLine xmlns:a14="http://schemas.microsoft.com/office/drawing/2010/main" xmlns="" w="9525">
                 <a:solidFill>
                   <a:srgbClr val="000000"/>
                 </a:solidFill>
@@ -4929,7 +4931,7 @@
           <a:p>
             <a:fld id="{F6803E09-2A09-4EEA-8E99-292225B5EDFC}" type="datetime1">
               <a:rPr lang="en-US" smtClean="0"/>
-              <a:t>1/4/2022</a:t>
+              <a:t>1/6/2022</a:t>
             </a:fld>
             <a:endParaRPr lang="en-US"/>
           </a:p>
@@ -5097,7 +5099,7 @@
           </a:ln>
           <a:extLst>
             <a:ext uri="{909E8E84-426E-40dd-AFC4-6F175D3DCCD1}">
-              <a14:hiddenFill xmlns="" xmlns:a14="http://schemas.microsoft.com/office/drawing/2010/main">
+              <a14:hiddenFill xmlns:a14="http://schemas.microsoft.com/office/drawing/2010/main" xmlns="">
                 <a:solidFill>
                   <a:srgbClr val="FFFFFF"/>
                 </a:solidFill>
@@ -5140,7 +5142,7 @@
           </a:ln>
           <a:extLst>
             <a:ext uri="{909E8E84-426E-40dd-AFC4-6F175D3DCCD1}">
-              <a14:hiddenFill xmlns="" xmlns:a14="http://schemas.microsoft.com/office/drawing/2010/main">
+              <a14:hiddenFill xmlns:a14="http://schemas.microsoft.com/office/drawing/2010/main" xmlns="">
                 <a:noFill/>
               </a14:hiddenFill>
             </a:ext>
@@ -5680,17 +5682,17 @@
           </a:ln>
           <a:extLst>
             <a:ext uri="{FAA26D3D-D897-4be2-8F04-BA451C77F1D7}">
-              <ma14:placeholderFlag xmlns="" xmlns:ma14="http://schemas.microsoft.com/office/mac/drawingml/2011/main" val="1"/>
+              <ma14:placeholderFlag xmlns:ma14="http://schemas.microsoft.com/office/mac/drawingml/2011/main" xmlns="" val="1"/>
             </a:ext>
             <a:ext uri="{909E8E84-426E-40dd-AFC4-6F175D3DCCD1}">
-              <a14:hiddenFill xmlns="" xmlns:a14="http://schemas.microsoft.com/office/drawing/2010/main">
+              <a14:hiddenFill xmlns:a14="http://schemas.microsoft.com/office/drawing/2010/main" xmlns="">
                 <a:solidFill>
                   <a:srgbClr val="FFFFFF"/>
                 </a:solidFill>
               </a14:hiddenFill>
             </a:ext>
             <a:ext uri="{91240B29-F687-4f45-9708-019B960494DF}">
-              <a14:hiddenLine xmlns="" xmlns:a14="http://schemas.microsoft.com/office/drawing/2010/main" w="9525">
+              <a14:hiddenLine xmlns:a14="http://schemas.microsoft.com/office/drawing/2010/main" xmlns="" w="9525">
                 <a:solidFill>
                   <a:srgbClr val="000000"/>
                 </a:solidFill>
@@ -6002,7 +6004,7 @@
           <p:cNvPr id="2" name="Title 1">
             <a:extLst>
               <a:ext uri="{FF2B5EF4-FFF2-40B4-BE49-F238E27FC236}">
-                <a16:creationId xmlns:a16="http://schemas.microsoft.com/office/drawing/2014/main" id="{316697D2-66C8-404D-8665-0DF135418161}"/>
+                <a16:creationId xmlns:a16="http://schemas.microsoft.com/office/drawing/2014/main" id="{53F4E9E2-215B-4FDA-AC26-4DFEB8C3C891}"/>
               </a:ext>
             </a:extLst>
           </p:cNvPr>
@@ -6019,8 +6021,12 @@
           <a:lstStyle/>
           <a:p>
             <a:r>
+              <a:rPr lang="en-US" b="1" dirty="0"/>
+              <a:t>Exercise</a:t>
+            </a:r>
+            <a:r>
               <a:rPr lang="en-US" dirty="0"/>
-              <a:t>Optimizers in R</a:t>
+              <a:t>: Poisson likelihood</a:t>
             </a:r>
           </a:p>
         </p:txBody>
@@ -6030,7 +6036,7 @@
           <p:cNvPr id="3" name="Content Placeholder 2">
             <a:extLst>
               <a:ext uri="{FF2B5EF4-FFF2-40B4-BE49-F238E27FC236}">
-                <a16:creationId xmlns:a16="http://schemas.microsoft.com/office/drawing/2014/main" id="{D5056ACD-427A-4189-B3CB-53C097C85E0F}"/>
+                <a16:creationId xmlns:a16="http://schemas.microsoft.com/office/drawing/2014/main" id="{0AFEB333-F892-463D-8B20-F8254F61421E}"/>
               </a:ext>
             </a:extLst>
           </p:cNvPr>
@@ -6041,69 +6047,150 @@
             <p:ph idx="1"/>
           </p:nvPr>
         </p:nvSpPr>
-        <p:spPr/>
+        <p:spPr>
+          <a:xfrm>
+            <a:off x="457200" y="1202485"/>
+            <a:ext cx="8229600" cy="4713287"/>
+          </a:xfrm>
+        </p:spPr>
         <p:txBody>
           <a:bodyPr/>
           <a:lstStyle/>
           <a:p>
             <a:r>
-              <a:rPr lang="en-US" dirty="0"/>
-              <a:t>R offers </a:t>
-            </a:r>
-            <a:r>
-              <a:rPr lang="en-US" b="1" dirty="0"/>
-              <a:t>many</a:t>
-            </a:r>
-            <a:r>
-              <a:rPr lang="en-US" dirty="0"/>
-              <a:t> numerical optimizers with different advantages/disadvantages</a:t>
-            </a:r>
-          </a:p>
-          <a:p>
-            <a:r>
-              <a:rPr lang="en-US" dirty="0"/>
-              <a:t>We will use </a:t>
-            </a:r>
-            <a:r>
-              <a:rPr lang="en-US" dirty="0" err="1">
+              <a:rPr lang="en-US" sz="2800" dirty="0" smtClean="0"/>
+              <a:t>See the </a:t>
+            </a:r>
+            <a:r>
+              <a:rPr lang="en-US" sz="2800" dirty="0" smtClean="0">
+                <a:hlinkClick r:id="rId2"/>
+              </a:rPr>
+              <a:t>Poisson </a:t>
+            </a:r>
+            <a:r>
+              <a:rPr lang="en-US" sz="2800" dirty="0">
+                <a:hlinkClick r:id="rId2"/>
+              </a:rPr>
+              <a:t>probability mass function </a:t>
+            </a:r>
+            <a:r>
+              <a:rPr lang="en-US" sz="2800" dirty="0"/>
+              <a:t>(</a:t>
+            </a:r>
+            <a:r>
+              <a:rPr lang="en-US" sz="2800" dirty="0" err="1"/>
+              <a:t>pmf</a:t>
+            </a:r>
+            <a:r>
+              <a:rPr lang="en-US" sz="2800" dirty="0"/>
+              <a:t>)</a:t>
+            </a:r>
+          </a:p>
+          <a:p>
+            <a:r>
+              <a:rPr lang="en-US" sz="2800" dirty="0"/>
+              <a:t>Identify which terms are data and parameters</a:t>
+            </a:r>
+          </a:p>
+          <a:p>
+            <a:r>
+              <a:rPr lang="en-US" sz="2800" dirty="0"/>
+              <a:t>Take log by hand and write out R function to calculate </a:t>
+            </a:r>
+            <a:r>
+              <a:rPr lang="en-US" sz="2800" dirty="0" smtClean="0"/>
+              <a:t>-log-likelihood </a:t>
+            </a:r>
+            <a:r>
+              <a:rPr lang="en-US" sz="2800" dirty="0"/>
+              <a:t>for single data </a:t>
+            </a:r>
+            <a:r>
+              <a:rPr lang="en-US" sz="2800" dirty="0" smtClean="0"/>
+              <a:t>point</a:t>
+            </a:r>
+          </a:p>
+          <a:p>
+            <a:r>
+              <a:rPr lang="en-US" sz="2800" dirty="0"/>
+              <a:t>[Hint: </a:t>
+            </a:r>
+            <a:r>
+              <a:rPr lang="en-US" sz="2800" dirty="0" smtClean="0"/>
+              <a:t>k!=</a:t>
+            </a:r>
+            <a:r>
+              <a:rPr lang="en-US" sz="2800" dirty="0" smtClean="0">
                 <a:latin typeface="Courier New" panose="02070309020205020404" pitchFamily="49" charset="0"/>
                 <a:cs typeface="Courier New" panose="02070309020205020404" pitchFamily="49" charset="0"/>
               </a:rPr>
-              <a:t>nlminb</a:t>
-            </a:r>
-            <a:r>
-              <a:rPr lang="en-US" dirty="0"/>
-              <a:t> but can also use </a:t>
-            </a:r>
-            <a:r>
-              <a:rPr lang="en-US" dirty="0" err="1">
+              <a:t>factorial(k)</a:t>
+            </a:r>
+            <a:r>
+              <a:rPr lang="en-US" sz="2800" dirty="0" smtClean="0"/>
+              <a:t>]</a:t>
+            </a:r>
+          </a:p>
+          <a:p>
+            <a:r>
+              <a:rPr lang="en-US" sz="2800" dirty="0" smtClean="0"/>
+              <a:t>Evaluate </a:t>
+            </a:r>
+            <a:r>
+              <a:rPr lang="en-US" sz="2800" dirty="0"/>
+              <a:t>for k=4 and lambda=5.5</a:t>
+            </a:r>
+          </a:p>
+          <a:p>
+            <a:r>
+              <a:rPr lang="en-US" sz="2800" dirty="0"/>
+              <a:t>Check answer with </a:t>
+            </a:r>
+            <a:r>
+              <a:rPr lang="en-US" sz="2000" dirty="0" smtClean="0">
                 <a:latin typeface="Courier New" panose="02070309020205020404" pitchFamily="49" charset="0"/>
                 <a:cs typeface="Courier New" panose="02070309020205020404" pitchFamily="49" charset="0"/>
               </a:rPr>
-              <a:t>optim</a:t>
-            </a:r>
-            <a:endParaRPr lang="en-US" dirty="0">
-              <a:latin typeface="Courier New" panose="02070309020205020404" pitchFamily="49" charset="0"/>
-              <a:cs typeface="Courier New" panose="02070309020205020404" pitchFamily="49" charset="0"/>
-            </a:endParaRPr>
-          </a:p>
-          <a:p>
-            <a:r>
-              <a:rPr lang="en-US" dirty="0"/>
-              <a:t>Allows use of box constraints (more later)</a:t>
-            </a:r>
-          </a:p>
-          <a:p>
-            <a:r>
-              <a:rPr lang="en-US" dirty="0"/>
-              <a:t>We pass it a NLL function, it gives us the parameters that minimize it</a:t>
-            </a:r>
-          </a:p>
-          <a:p>
-            <a:r>
-              <a:rPr lang="en-US" dirty="0"/>
-              <a:t>Reminder: accurate gradients really improve optimizer performance</a:t>
-            </a:r>
+              <a:t>-</a:t>
+            </a:r>
+            <a:r>
+              <a:rPr lang="en-US" sz="2000" dirty="0" err="1" smtClean="0">
+                <a:latin typeface="Courier New" panose="02070309020205020404" pitchFamily="49" charset="0"/>
+                <a:cs typeface="Courier New" panose="02070309020205020404" pitchFamily="49" charset="0"/>
+              </a:rPr>
+              <a:t>dpois</a:t>
+            </a:r>
+            <a:r>
+              <a:rPr lang="en-US" sz="2000" dirty="0" smtClean="0">
+                <a:latin typeface="Courier New" panose="02070309020205020404" pitchFamily="49" charset="0"/>
+                <a:cs typeface="Courier New" panose="02070309020205020404" pitchFamily="49" charset="0"/>
+              </a:rPr>
+              <a:t>(k, </a:t>
+            </a:r>
+            <a:r>
+              <a:rPr lang="en-US" sz="2000" dirty="0">
+                <a:latin typeface="Courier New" panose="02070309020205020404" pitchFamily="49" charset="0"/>
+                <a:cs typeface="Courier New" panose="02070309020205020404" pitchFamily="49" charset="0"/>
+              </a:rPr>
+              <a:t>lambda, TRUE)</a:t>
+            </a:r>
+          </a:p>
+          <a:p>
+            <a:r>
+              <a:rPr lang="en-US" sz="2800" dirty="0"/>
+              <a:t>Plot NLL for lambda between 0 and </a:t>
+            </a:r>
+            <a:r>
+              <a:rPr lang="en-US" sz="2800" dirty="0" smtClean="0"/>
+              <a:t>15</a:t>
+            </a:r>
+          </a:p>
+          <a:p>
+            <a:r>
+              <a:rPr lang="en-US" sz="2800" dirty="0" smtClean="0"/>
+              <a:t>What is the minimum of this function?</a:t>
+            </a:r>
+            <a:endParaRPr lang="en-US" sz="2800" dirty="0"/>
           </a:p>
         </p:txBody>
       </p:sp>
@@ -6112,7 +6199,7 @@
           <p:cNvPr id="4" name="Slide Number Placeholder 3">
             <a:extLst>
               <a:ext uri="{FF2B5EF4-FFF2-40B4-BE49-F238E27FC236}">
-                <a16:creationId xmlns:a16="http://schemas.microsoft.com/office/drawing/2014/main" id="{957B730D-CC40-431E-8C8E-D2D52D730BC9}"/>
+                <a16:creationId xmlns:a16="http://schemas.microsoft.com/office/drawing/2014/main" id="{81952C18-3419-432E-9A33-FC9543399DCE}"/>
               </a:ext>
             </a:extLst>
           </p:cNvPr>
@@ -6139,7 +6226,7 @@
     </p:spTree>
     <p:extLst>
       <p:ext uri="{BB962C8B-B14F-4D97-AF65-F5344CB8AC3E}">
-        <p14:creationId xmlns:p14="http://schemas.microsoft.com/office/powerpoint/2010/main" val="1967631098"/>
+        <p14:creationId xmlns:p14="http://schemas.microsoft.com/office/powerpoint/2010/main" val="3496906482"/>
       </p:ext>
     </p:extLst>
   </p:cSld>
@@ -6171,7 +6258,7 @@
           <p:cNvPr id="2" name="Title 1">
             <a:extLst>
               <a:ext uri="{FF2B5EF4-FFF2-40B4-BE49-F238E27FC236}">
-                <a16:creationId xmlns:a16="http://schemas.microsoft.com/office/drawing/2014/main" id="{33F9F711-9330-4A21-9D4E-A9A7A434079B}"/>
+                <a16:creationId xmlns:a16="http://schemas.microsoft.com/office/drawing/2014/main" id="{85912599-B709-4D2B-BFDD-22D698B61C4A}"/>
               </a:ext>
             </a:extLst>
           </p:cNvPr>
@@ -6189,7 +6276,7 @@
           <a:p>
             <a:r>
               <a:rPr lang="en-US" dirty="0"/>
-              <a:t>Example: Linear model</a:t>
+              <a:t>Fitting MLE models: basics</a:t>
             </a:r>
           </a:p>
         </p:txBody>
@@ -6199,7 +6286,7 @@
           <p:cNvPr id="3" name="Content Placeholder 2">
             <a:extLst>
               <a:ext uri="{FF2B5EF4-FFF2-40B4-BE49-F238E27FC236}">
-                <a16:creationId xmlns:a16="http://schemas.microsoft.com/office/drawing/2014/main" id="{05D8B7A3-5950-43FE-89D1-76E7DC535252}"/>
+                <a16:creationId xmlns:a16="http://schemas.microsoft.com/office/drawing/2014/main" id="{FECCC0C2-4089-4F18-94F7-ED739588728C}"/>
               </a:ext>
             </a:extLst>
           </p:cNvPr>
@@ -6210,68 +6297,84 @@
             <p:ph idx="1"/>
           </p:nvPr>
         </p:nvSpPr>
-        <p:spPr/>
-        <p:txBody>
-          <a:bodyPr/>
+        <p:spPr>
+          <a:xfrm>
+            <a:off x="457200" y="1160929"/>
+            <a:ext cx="8229600" cy="4530725"/>
+          </a:xfrm>
+        </p:spPr>
+        <p:txBody>
+          <a:bodyPr>
+            <a:normAutofit/>
+          </a:bodyPr>
           <a:lstStyle/>
           <a:p>
             <a:r>
               <a:rPr lang="en-US" dirty="0"/>
-              <a:t>We will use a simple linear model to demonstrate optimization</a:t>
-            </a:r>
-          </a:p>
-          <a:p>
+              <a:t>Goal: find </a:t>
+            </a:r>
+            <a:r>
+              <a:rPr lang="en-US" dirty="0" smtClean="0"/>
+              <a:t>the MLE which is the </a:t>
+            </a:r>
             <a:r>
               <a:rPr lang="en-US" dirty="0"/>
-              <a:t>We will fit the model three ways:</a:t>
-            </a:r>
-          </a:p>
-          <a:p>
-            <a:pPr marL="914400" lvl="1" indent="-457200">
-              <a:buFont typeface="+mj-lt"/>
-              <a:buAutoNum type="arabicPeriod"/>
-            </a:pPr>
+              <a:t>parameters that minimize the NLL</a:t>
+            </a:r>
+          </a:p>
+          <a:p>
             <a:r>
               <a:rPr lang="en-US" dirty="0"/>
-              <a:t>Using the </a:t>
-            </a:r>
-            <a:r>
-              <a:rPr lang="en-US" dirty="0" err="1">
-                <a:latin typeface="Courier New" panose="02070309020205020404" pitchFamily="49" charset="0"/>
-                <a:cs typeface="Courier New" panose="02070309020205020404" pitchFamily="49" charset="0"/>
-              </a:rPr>
-              <a:t>lm</a:t>
+              <a:t>Usually need to use numerical optimization</a:t>
+            </a:r>
+          </a:p>
+          <a:p>
+            <a:r>
+              <a:rPr lang="en-US" dirty="0" smtClean="0"/>
+              <a:t>Need </a:t>
             </a:r>
             <a:r>
               <a:rPr lang="en-US" dirty="0"/>
-              <a:t> function in R</a:t>
-            </a:r>
-          </a:p>
-          <a:p>
-            <a:pPr marL="914400" lvl="1" indent="-457200">
-              <a:buFont typeface="+mj-lt"/>
-              <a:buAutoNum type="arabicPeriod"/>
-            </a:pPr>
+              <a:t>to specify starting value that is reasonable</a:t>
+            </a:r>
+          </a:p>
+          <a:p>
             <a:r>
               <a:rPr lang="en-US" dirty="0"/>
-              <a:t>Using R optimizer with R NLL</a:t>
-            </a:r>
-          </a:p>
-          <a:p>
-            <a:pPr marL="914400" lvl="1" indent="-457200">
-              <a:buFont typeface="+mj-lt"/>
-              <a:buAutoNum type="arabicPeriod"/>
-            </a:pPr>
-            <a:r>
-              <a:rPr lang="en-US" dirty="0"/>
-              <a:t>Using R optimizer with TMB NLL</a:t>
-            </a:r>
-          </a:p>
-          <a:p>
-            <a:r>
-              <a:rPr lang="en-US" dirty="0"/>
-              <a:t>The goal is to introduce some key concepts and get practice with TMB</a:t>
-            </a:r>
+              <a:t>Need to be careful to constrain parameters appropriately (e.g., σ&gt;0; 0&lt;p&lt;1) with </a:t>
+            </a:r>
+            <a:r>
+              <a:rPr lang="en-US" dirty="0" smtClean="0"/>
+              <a:t>transformations</a:t>
+            </a:r>
+          </a:p>
+          <a:p>
+            <a:pPr lvl="1"/>
+            <a:r>
+              <a:rPr lang="en-US" dirty="0" err="1" smtClean="0"/>
+              <a:t>logsigma</a:t>
+            </a:r>
+            <a:r>
+              <a:rPr lang="en-US" dirty="0" smtClean="0"/>
+              <a:t> parameter, then use </a:t>
+            </a:r>
+            <a:r>
+              <a:rPr lang="en-US" dirty="0" err="1" smtClean="0"/>
+              <a:t>exp</a:t>
+            </a:r>
+            <a:r>
+              <a:rPr lang="en-US" dirty="0" smtClean="0"/>
+              <a:t>(</a:t>
+            </a:r>
+            <a:r>
+              <a:rPr lang="en-US" dirty="0" err="1" smtClean="0"/>
+              <a:t>logsigma</a:t>
+            </a:r>
+            <a:r>
+              <a:rPr lang="en-US" dirty="0" smtClean="0"/>
+              <a:t>)</a:t>
+            </a:r>
+            <a:endParaRPr lang="en-US" dirty="0"/>
           </a:p>
         </p:txBody>
       </p:sp>
@@ -6280,7 +6383,7 @@
           <p:cNvPr id="4" name="Slide Number Placeholder 3">
             <a:extLst>
               <a:ext uri="{FF2B5EF4-FFF2-40B4-BE49-F238E27FC236}">
-                <a16:creationId xmlns:a16="http://schemas.microsoft.com/office/drawing/2014/main" id="{4382B8CC-B313-48C0-9881-B68A1D4A4917}"/>
+                <a16:creationId xmlns:a16="http://schemas.microsoft.com/office/drawing/2014/main" id="{6DCC37D5-C19C-405F-B23C-8EB90CB6ABED}"/>
               </a:ext>
             </a:extLst>
           </p:cNvPr>
@@ -6307,7 +6410,7 @@
     </p:spTree>
     <p:extLst>
       <p:ext uri="{BB962C8B-B14F-4D97-AF65-F5344CB8AC3E}">
-        <p14:creationId xmlns:p14="http://schemas.microsoft.com/office/powerpoint/2010/main" val="1726141433"/>
+        <p14:creationId xmlns:p14="http://schemas.microsoft.com/office/powerpoint/2010/main" val="3472202667"/>
       </p:ext>
     </p:extLst>
   </p:cSld>
@@ -6339,6 +6442,346 @@
           <p:cNvPr id="2" name="Title 1">
             <a:extLst>
               <a:ext uri="{FF2B5EF4-FFF2-40B4-BE49-F238E27FC236}">
+                <a16:creationId xmlns:a16="http://schemas.microsoft.com/office/drawing/2014/main" id="{85912599-B709-4D2B-BFDD-22D698B61C4A}"/>
+              </a:ext>
+            </a:extLst>
+          </p:cNvPr>
+          <p:cNvSpPr>
+            <a:spLocks noGrp="1"/>
+          </p:cNvSpPr>
+          <p:nvPr>
+            <p:ph type="title"/>
+          </p:nvPr>
+        </p:nvSpPr>
+        <p:spPr/>
+        <p:txBody>
+          <a:bodyPr/>
+          <a:lstStyle/>
+          <a:p>
+            <a:r>
+              <a:rPr lang="en-US" dirty="0"/>
+              <a:t>Fitting MLE models: details</a:t>
+            </a:r>
+          </a:p>
+        </p:txBody>
+      </p:sp>
+      <p:sp>
+        <p:nvSpPr>
+          <p:cNvPr id="3" name="Content Placeholder 2">
+            <a:extLst>
+              <a:ext uri="{FF2B5EF4-FFF2-40B4-BE49-F238E27FC236}">
+                <a16:creationId xmlns:a16="http://schemas.microsoft.com/office/drawing/2014/main" id="{FECCC0C2-4089-4F18-94F7-ED739588728C}"/>
+              </a:ext>
+            </a:extLst>
+          </p:cNvPr>
+          <p:cNvSpPr>
+            <a:spLocks noGrp="1"/>
+          </p:cNvSpPr>
+          <p:nvPr>
+            <p:ph idx="1"/>
+          </p:nvPr>
+        </p:nvSpPr>
+        <p:spPr/>
+        <p:txBody>
+          <a:bodyPr>
+            <a:normAutofit fontScale="92500"/>
+          </a:bodyPr>
+          <a:lstStyle/>
+          <a:p>
+            <a:r>
+              <a:rPr lang="en-US" dirty="0"/>
+              <a:t>Algorithm approaches minimum but may never achieve it</a:t>
+            </a:r>
+          </a:p>
+          <a:p>
+            <a:r>
+              <a:rPr lang="en-US" dirty="0"/>
+              <a:t>Thus, “</a:t>
+            </a:r>
+            <a:r>
+              <a:rPr lang="en-US" b="1" dirty="0"/>
+              <a:t>convergence</a:t>
+            </a:r>
+            <a:r>
+              <a:rPr lang="en-US" dirty="0"/>
+              <a:t>” = sufficiently close to global minimum</a:t>
+            </a:r>
+          </a:p>
+          <a:p>
+            <a:r>
+              <a:rPr lang="en-US" dirty="0"/>
+              <a:t>Typically when maximum gradient is &lt;0.0001</a:t>
+            </a:r>
+          </a:p>
+          <a:p>
+            <a:r>
+              <a:rPr lang="en-US" dirty="0"/>
+              <a:t>Warning: Can get “stuck” in local minima (bad!)</a:t>
+            </a:r>
+          </a:p>
+          <a:p>
+            <a:r>
+              <a:rPr lang="en-US" dirty="0"/>
+              <a:t>Test: multiple initializations arrive at same MLE</a:t>
+            </a:r>
+          </a:p>
+          <a:p>
+            <a:r>
+              <a:rPr lang="en-US" u="sng" dirty="0"/>
+              <a:t>You are responsible for assuring convergence!</a:t>
+            </a:r>
+          </a:p>
+          <a:p>
+            <a:endParaRPr lang="en-US" dirty="0"/>
+          </a:p>
+          <a:p>
+            <a:endParaRPr lang="en-US" dirty="0"/>
+          </a:p>
+          <a:p>
+            <a:endParaRPr lang="en-US" dirty="0"/>
+          </a:p>
+          <a:p>
+            <a:endParaRPr lang="en-US" dirty="0"/>
+          </a:p>
+        </p:txBody>
+      </p:sp>
+      <p:sp>
+        <p:nvSpPr>
+          <p:cNvPr id="4" name="Slide Number Placeholder 3">
+            <a:extLst>
+              <a:ext uri="{FF2B5EF4-FFF2-40B4-BE49-F238E27FC236}">
+                <a16:creationId xmlns:a16="http://schemas.microsoft.com/office/drawing/2014/main" id="{9755EF4A-EE1C-400F-8DCB-065EB4CBCE1C}"/>
+              </a:ext>
+            </a:extLst>
+          </p:cNvPr>
+          <p:cNvSpPr>
+            <a:spLocks noGrp="1"/>
+          </p:cNvSpPr>
+          <p:nvPr>
+            <p:ph type="sldNum" sz="quarter" idx="12"/>
+          </p:nvPr>
+        </p:nvSpPr>
+        <p:spPr/>
+        <p:txBody>
+          <a:bodyPr/>
+          <a:lstStyle/>
+          <a:p>
+            <a:fld id="{A90099C9-4CB8-9A40-B745-9AB270505907}" type="slidenum">
+              <a:rPr lang="en-US" smtClean="0"/>
+              <a:t>12</a:t>
+            </a:fld>
+            <a:endParaRPr lang="en-US"/>
+          </a:p>
+        </p:txBody>
+      </p:sp>
+    </p:spTree>
+    <p:extLst>
+      <p:ext uri="{BB962C8B-B14F-4D97-AF65-F5344CB8AC3E}">
+        <p14:creationId xmlns:p14="http://schemas.microsoft.com/office/powerpoint/2010/main" val="919505044"/>
+      </p:ext>
+    </p:extLst>
+  </p:cSld>
+  <p:clrMapOvr>
+    <a:masterClrMapping/>
+  </p:clrMapOvr>
+</p:sld>
+</file>
+
+<file path=ppt/slides/slide13.xml><?xml version="1.0" encoding="utf-8"?>
+<p:sld xmlns:a="http://schemas.openxmlformats.org/drawingml/2006/main" xmlns:r="http://schemas.openxmlformats.org/officeDocument/2006/relationships" xmlns:p="http://schemas.openxmlformats.org/presentationml/2006/main">
+  <p:cSld>
+    <p:spTree>
+      <p:nvGrpSpPr>
+        <p:cNvPr id="1" name=""/>
+        <p:cNvGrpSpPr/>
+        <p:nvPr/>
+      </p:nvGrpSpPr>
+      <p:grpSpPr>
+        <a:xfrm>
+          <a:off x="0" y="0"/>
+          <a:ext cx="0" cy="0"/>
+          <a:chOff x="0" y="0"/>
+          <a:chExt cx="0" cy="0"/>
+        </a:xfrm>
+      </p:grpSpPr>
+      <p:sp>
+        <p:nvSpPr>
+          <p:cNvPr id="2" name="Title 1">
+            <a:extLst>
+              <a:ext uri="{FF2B5EF4-FFF2-40B4-BE49-F238E27FC236}">
+                <a16:creationId xmlns:a16="http://schemas.microsoft.com/office/drawing/2014/main" id="{33F9F711-9330-4A21-9D4E-A9A7A434079B}"/>
+              </a:ext>
+            </a:extLst>
+          </p:cNvPr>
+          <p:cNvSpPr>
+            <a:spLocks noGrp="1"/>
+          </p:cNvSpPr>
+          <p:nvPr>
+            <p:ph type="title"/>
+          </p:nvPr>
+        </p:nvSpPr>
+        <p:spPr/>
+        <p:txBody>
+          <a:bodyPr/>
+          <a:lstStyle/>
+          <a:p>
+            <a:r>
+              <a:rPr lang="en-US" dirty="0"/>
+              <a:t>Example: Linear model</a:t>
+            </a:r>
+          </a:p>
+        </p:txBody>
+      </p:sp>
+      <p:sp>
+        <p:nvSpPr>
+          <p:cNvPr id="3" name="Content Placeholder 2">
+            <a:extLst>
+              <a:ext uri="{FF2B5EF4-FFF2-40B4-BE49-F238E27FC236}">
+                <a16:creationId xmlns:a16="http://schemas.microsoft.com/office/drawing/2014/main" id="{05D8B7A3-5950-43FE-89D1-76E7DC535252}"/>
+              </a:ext>
+            </a:extLst>
+          </p:cNvPr>
+          <p:cNvSpPr>
+            <a:spLocks noGrp="1"/>
+          </p:cNvSpPr>
+          <p:nvPr>
+            <p:ph idx="1"/>
+          </p:nvPr>
+        </p:nvSpPr>
+        <p:spPr/>
+        <p:txBody>
+          <a:bodyPr/>
+          <a:lstStyle/>
+          <a:p>
+            <a:r>
+              <a:rPr lang="en-US" dirty="0"/>
+              <a:t>We will use a simple linear model to demonstrate </a:t>
+            </a:r>
+            <a:r>
+              <a:rPr lang="en-US" dirty="0" smtClean="0"/>
+              <a:t>maximum likelihood fitting</a:t>
+            </a:r>
+            <a:endParaRPr lang="en-US" dirty="0"/>
+          </a:p>
+          <a:p>
+            <a:r>
+              <a:rPr lang="en-US" dirty="0"/>
+              <a:t>We will fit the model three ways:</a:t>
+            </a:r>
+          </a:p>
+          <a:p>
+            <a:pPr marL="914400" lvl="1" indent="-457200">
+              <a:buFont typeface="+mj-lt"/>
+              <a:buAutoNum type="arabicPeriod"/>
+            </a:pPr>
+            <a:r>
+              <a:rPr lang="en-US" dirty="0"/>
+              <a:t>Using the </a:t>
+            </a:r>
+            <a:r>
+              <a:rPr lang="en-US" dirty="0" err="1">
+                <a:latin typeface="Courier New" panose="02070309020205020404" pitchFamily="49" charset="0"/>
+                <a:cs typeface="Courier New" panose="02070309020205020404" pitchFamily="49" charset="0"/>
+              </a:rPr>
+              <a:t>lm</a:t>
+            </a:r>
+            <a:r>
+              <a:rPr lang="en-US" dirty="0"/>
+              <a:t> function in R</a:t>
+            </a:r>
+          </a:p>
+          <a:p>
+            <a:pPr marL="914400" lvl="1" indent="-457200">
+              <a:buFont typeface="+mj-lt"/>
+              <a:buAutoNum type="arabicPeriod"/>
+            </a:pPr>
+            <a:r>
+              <a:rPr lang="en-US" dirty="0"/>
+              <a:t>Using R optimizer with R NLL</a:t>
+            </a:r>
+          </a:p>
+          <a:p>
+            <a:pPr marL="914400" lvl="1" indent="-457200">
+              <a:buFont typeface="+mj-lt"/>
+              <a:buAutoNum type="arabicPeriod"/>
+            </a:pPr>
+            <a:r>
+              <a:rPr lang="en-US" dirty="0"/>
+              <a:t>Using R optimizer with TMB NLL</a:t>
+            </a:r>
+          </a:p>
+          <a:p>
+            <a:r>
+              <a:rPr lang="en-US" dirty="0"/>
+              <a:t>The goal is to introduce some key concepts and get practice with TMB</a:t>
+            </a:r>
+          </a:p>
+        </p:txBody>
+      </p:sp>
+      <p:sp>
+        <p:nvSpPr>
+          <p:cNvPr id="4" name="Slide Number Placeholder 3">
+            <a:extLst>
+              <a:ext uri="{FF2B5EF4-FFF2-40B4-BE49-F238E27FC236}">
+                <a16:creationId xmlns:a16="http://schemas.microsoft.com/office/drawing/2014/main" id="{4382B8CC-B313-48C0-9881-B68A1D4A4917}"/>
+              </a:ext>
+            </a:extLst>
+          </p:cNvPr>
+          <p:cNvSpPr>
+            <a:spLocks noGrp="1"/>
+          </p:cNvSpPr>
+          <p:nvPr>
+            <p:ph type="sldNum" sz="quarter" idx="12"/>
+          </p:nvPr>
+        </p:nvSpPr>
+        <p:spPr/>
+        <p:txBody>
+          <a:bodyPr/>
+          <a:lstStyle/>
+          <a:p>
+            <a:fld id="{A90099C9-4CB8-9A40-B745-9AB270505907}" type="slidenum">
+              <a:rPr lang="en-US" smtClean="0"/>
+              <a:t>13</a:t>
+            </a:fld>
+            <a:endParaRPr lang="en-US"/>
+          </a:p>
+        </p:txBody>
+      </p:sp>
+    </p:spTree>
+    <p:extLst>
+      <p:ext uri="{BB962C8B-B14F-4D97-AF65-F5344CB8AC3E}">
+        <p14:creationId xmlns:p14="http://schemas.microsoft.com/office/powerpoint/2010/main" val="1726141433"/>
+      </p:ext>
+    </p:extLst>
+  </p:cSld>
+  <p:clrMapOvr>
+    <a:masterClrMapping/>
+  </p:clrMapOvr>
+</p:sld>
+</file>
+
+<file path=ppt/slides/slide14.xml><?xml version="1.0" encoding="utf-8"?>
+<p:sld xmlns:a="http://schemas.openxmlformats.org/drawingml/2006/main" xmlns:r="http://schemas.openxmlformats.org/officeDocument/2006/relationships" xmlns:p="http://schemas.openxmlformats.org/presentationml/2006/main">
+  <p:cSld>
+    <p:spTree>
+      <p:nvGrpSpPr>
+        <p:cNvPr id="1" name=""/>
+        <p:cNvGrpSpPr/>
+        <p:nvPr/>
+      </p:nvGrpSpPr>
+      <p:grpSpPr>
+        <a:xfrm>
+          <a:off x="0" y="0"/>
+          <a:ext cx="0" cy="0"/>
+          <a:chOff x="0" y="0"/>
+          <a:chExt cx="0" cy="0"/>
+        </a:xfrm>
+      </p:grpSpPr>
+      <p:sp>
+        <p:nvSpPr>
+          <p:cNvPr id="2" name="Title 1">
+            <a:extLst>
+              <a:ext uri="{FF2B5EF4-FFF2-40B4-BE49-F238E27FC236}">
                 <a16:creationId xmlns:a16="http://schemas.microsoft.com/office/drawing/2014/main" id="{88FDC2B2-CBDB-416D-9629-21899E1D4A4B}"/>
               </a:ext>
             </a:extLst>
@@ -6357,13 +6800,18 @@
           <a:p>
             <a:r>
               <a:rPr lang="en-US" dirty="0"/>
-              <a:t>Linear model 1</a:t>
-            </a:r>
-          </a:p>
-        </p:txBody>
-      </p:sp>
-      <mc:AlternateContent xmlns:mc="http://schemas.openxmlformats.org/markup-compatibility/2006" xmlns:a14="http://schemas.microsoft.com/office/drawing/2010/main">
-        <mc:Choice Requires="a14">
+              <a:t>Linear model </a:t>
+            </a:r>
+            <a:r>
+              <a:rPr lang="en-US" dirty="0" smtClean="0"/>
+              <a:t>1: with lm command</a:t>
+            </a:r>
+            <a:endParaRPr lang="en-US" dirty="0"/>
+          </a:p>
+        </p:txBody>
+      </p:sp>
+      <mc:AlternateContent xmlns:mc="http://schemas.openxmlformats.org/markup-compatibility/2006">
+        <mc:Choice xmlns:a14="http://schemas.microsoft.com/office/drawing/2010/main" Requires="a14">
           <p:sp>
             <p:nvSpPr>
               <p:cNvPr id="3" name="Content Placeholder 2">
@@ -6389,7 +6837,7 @@
                   <a:buNone/>
                 </a:pPr>
                 <a:r>
-                  <a:rPr lang="es-ES" sz="1800" dirty="0">
+                  <a:rPr lang="es-ES" sz="1800" dirty="0" smtClean="0">
                     <a:latin typeface="Courier New" panose="02070309020205020404" pitchFamily="49" charset="0"/>
                   </a:rPr>
                   <a:t>x </a:t>
@@ -6551,15 +6999,15 @@
                     </m:r>
                   </m:oMath>
                 </a14:m>
-                <a:endParaRPr lang="en-US" dirty="0"/>
+                <a:endParaRPr lang="en-US" b="0" dirty="0" smtClean="0"/>
               </a:p>
               <a:p>
-                <a:endParaRPr lang="en-US" dirty="0"/>
+                <a:endParaRPr lang="en-US" dirty="0" smtClean="0"/>
               </a:p>
             </p:txBody>
           </p:sp>
         </mc:Choice>
-        <mc:Fallback xmlns="">
+        <mc:Fallback>
           <p:sp>
             <p:nvSpPr>
               <p:cNvPr id="3" name="Content Placeholder 2">
@@ -6580,7 +7028,7 @@
               <a:blipFill>
                 <a:blip r:embed="rId2"/>
                 <a:stretch>
-                  <a:fillRect l="-1391" t="-1120"/>
+                  <a:fillRect l="-593" t="-808"/>
                 </a:stretch>
               </a:blipFill>
             </p:spPr>
@@ -6620,7 +7068,7 @@
         </p:blipFill>
         <p:spPr>
           <a:xfrm>
-            <a:off x="3946946" y="3632074"/>
+            <a:off x="4268998" y="3632074"/>
             <a:ext cx="4568404" cy="2498851"/>
           </a:xfrm>
           <a:prstGeom prst="rect">
@@ -6642,7 +7090,7 @@
         </p:nvSpPr>
         <p:spPr>
           <a:xfrm>
-            <a:off x="864108" y="4363589"/>
+            <a:off x="1545425" y="3449512"/>
             <a:ext cx="3552825" cy="584775"/>
           </a:xfrm>
           <a:prstGeom prst="rect">
@@ -6710,9 +7158,276 @@
           <a:p>
             <a:fld id="{A90099C9-4CB8-9A40-B745-9AB270505907}" type="slidenum">
               <a:rPr lang="en-US" smtClean="0"/>
-              <a:t>12</a:t>
+              <a:t>14</a:t>
             </a:fld>
             <a:endParaRPr lang="en-US"/>
+          </a:p>
+        </p:txBody>
+      </p:sp>
+      <p:sp>
+        <p:nvSpPr>
+          <p:cNvPr id="7" name="Content Placeholder 2">
+            <a:extLst>
+              <a:ext uri="{FF2B5EF4-FFF2-40B4-BE49-F238E27FC236}">
+                <a16:creationId xmlns:a16="http://schemas.microsoft.com/office/drawing/2014/main" id="{84A16CAC-6551-4D2B-A8FB-5356487EAC37}"/>
+              </a:ext>
+            </a:extLst>
+          </p:cNvPr>
+          <p:cNvSpPr txBox="1">
+            <a:spLocks/>
+          </p:cNvSpPr>
+          <p:nvPr/>
+        </p:nvSpPr>
+        <p:spPr bwMode="auto">
+          <a:xfrm>
+            <a:off x="306599" y="4141693"/>
+            <a:ext cx="3682696" cy="1741905"/>
+          </a:xfrm>
+          <a:prstGeom prst="rect">
+            <a:avLst/>
+          </a:prstGeom>
+          <a:noFill/>
+          <a:ln>
+            <a:noFill/>
+          </a:ln>
+          <a:extLst>
+            <a:ext uri="{FAA26D3D-D897-4be2-8F04-BA451C77F1D7}">
+              <ma14:placeholderFlag xmlns:ma14="http://schemas.microsoft.com/office/mac/drawingml/2011/main" xmlns="" val="1"/>
+            </a:ext>
+            <a:ext uri="{909E8E84-426E-40dd-AFC4-6F175D3DCCD1}">
+              <a14:hiddenFill xmlns:a14="http://schemas.microsoft.com/office/drawing/2010/main" xmlns="">
+                <a:solidFill>
+                  <a:srgbClr val="FFFFFF"/>
+                </a:solidFill>
+              </a14:hiddenFill>
+            </a:ext>
+            <a:ext uri="{91240B29-F687-4f45-9708-019B960494DF}">
+              <a14:hiddenLine xmlns:a14="http://schemas.microsoft.com/office/drawing/2010/main" xmlns="" w="9525">
+                <a:solidFill>
+                  <a:srgbClr val="000000"/>
+                </a:solidFill>
+                <a:miter lim="800000"/>
+                <a:headEnd/>
+                <a:tailEnd/>
+              </a14:hiddenLine>
+            </a:ext>
+          </a:extLst>
+        </p:spPr>
+        <p:txBody>
+          <a:bodyPr vert="horz" wrap="square" lIns="91440" tIns="45720" rIns="91440" bIns="45720" numCol="1" anchor="t" anchorCtr="0" compatLnSpc="1">
+            <a:prstTxWarp prst="textNoShape">
+              <a:avLst/>
+            </a:prstTxWarp>
+          </a:bodyPr>
+          <a:lstStyle>
+            <a:lvl1pPr marL="342900" indent="-342900" algn="l" rtl="0" eaLnBrk="1" fontAlgn="base" hangingPunct="1">
+              <a:spcBef>
+                <a:spcPct val="20000"/>
+              </a:spcBef>
+              <a:spcAft>
+                <a:spcPct val="0"/>
+              </a:spcAft>
+              <a:buClr>
+                <a:schemeClr val="accent1"/>
+              </a:buClr>
+              <a:buSzPct val="65000"/>
+              <a:buFont typeface="Wingdings" charset="0"/>
+              <a:buChar char="n"/>
+              <a:defRPr sz="3000">
+                <a:solidFill>
+                  <a:schemeClr val="tx1"/>
+                </a:solidFill>
+                <a:latin typeface="+mn-lt"/>
+                <a:ea typeface="ＭＳ Ｐゴシック" charset="0"/>
+                <a:cs typeface="ＭＳ Ｐゴシック" charset="0"/>
+              </a:defRPr>
+            </a:lvl1pPr>
+            <a:lvl2pPr marL="669925" indent="-325438" algn="l" rtl="0" eaLnBrk="1" fontAlgn="base" hangingPunct="1">
+              <a:spcBef>
+                <a:spcPct val="20000"/>
+              </a:spcBef>
+              <a:spcAft>
+                <a:spcPct val="0"/>
+              </a:spcAft>
+              <a:buClr>
+                <a:schemeClr val="accent2"/>
+              </a:buClr>
+              <a:buSzPct val="60000"/>
+              <a:buFont typeface="Wingdings" charset="0"/>
+              <a:buChar char="q"/>
+              <a:defRPr sz="2600">
+                <a:solidFill>
+                  <a:schemeClr val="tx1"/>
+                </a:solidFill>
+                <a:latin typeface="+mn-lt"/>
+                <a:ea typeface="ＭＳ Ｐゴシック" charset="0"/>
+              </a:defRPr>
+            </a:lvl2pPr>
+            <a:lvl3pPr marL="1022350" indent="-350838" algn="l" rtl="0" eaLnBrk="1" fontAlgn="base" hangingPunct="1">
+              <a:spcBef>
+                <a:spcPct val="20000"/>
+              </a:spcBef>
+              <a:spcAft>
+                <a:spcPct val="0"/>
+              </a:spcAft>
+              <a:buClr>
+                <a:schemeClr val="accent1"/>
+              </a:buClr>
+              <a:buSzPct val="65000"/>
+              <a:buFont typeface="Wingdings" charset="0"/>
+              <a:buChar char="n"/>
+              <a:defRPr sz="2200">
+                <a:solidFill>
+                  <a:schemeClr val="tx1"/>
+                </a:solidFill>
+                <a:latin typeface="+mn-lt"/>
+                <a:ea typeface="ＭＳ Ｐゴシック" charset="0"/>
+              </a:defRPr>
+            </a:lvl3pPr>
+            <a:lvl4pPr marL="1339850" indent="-315913" algn="l" rtl="0" eaLnBrk="1" fontAlgn="base" hangingPunct="1">
+              <a:spcBef>
+                <a:spcPct val="20000"/>
+              </a:spcBef>
+              <a:spcAft>
+                <a:spcPct val="0"/>
+              </a:spcAft>
+              <a:buClr>
+                <a:schemeClr val="accent2"/>
+              </a:buClr>
+              <a:buSzPct val="70000"/>
+              <a:buFont typeface="Wingdings" charset="0"/>
+              <a:buChar char="q"/>
+              <a:defRPr sz="2000">
+                <a:solidFill>
+                  <a:schemeClr val="tx1"/>
+                </a:solidFill>
+                <a:latin typeface="+mn-lt"/>
+                <a:ea typeface="ＭＳ Ｐゴシック" charset="0"/>
+              </a:defRPr>
+            </a:lvl4pPr>
+            <a:lvl5pPr marL="1681163" indent="-339725" algn="l" rtl="0" eaLnBrk="1" fontAlgn="base" hangingPunct="1">
+              <a:spcBef>
+                <a:spcPct val="20000"/>
+              </a:spcBef>
+              <a:spcAft>
+                <a:spcPct val="0"/>
+              </a:spcAft>
+              <a:buClr>
+                <a:schemeClr val="accent1"/>
+              </a:buClr>
+              <a:buSzPct val="75000"/>
+              <a:buFont typeface="Wingdings" charset="0"/>
+              <a:buChar char="§"/>
+              <a:defRPr sz="2000">
+                <a:solidFill>
+                  <a:schemeClr val="tx1"/>
+                </a:solidFill>
+                <a:latin typeface="+mn-lt"/>
+                <a:ea typeface="ＭＳ Ｐゴシック" charset="0"/>
+              </a:defRPr>
+            </a:lvl5pPr>
+            <a:lvl6pPr marL="2138363" indent="-339725" algn="l" rtl="0" eaLnBrk="1" fontAlgn="base" hangingPunct="1">
+              <a:spcBef>
+                <a:spcPct val="20000"/>
+              </a:spcBef>
+              <a:spcAft>
+                <a:spcPct val="0"/>
+              </a:spcAft>
+              <a:buClr>
+                <a:schemeClr val="accent1"/>
+              </a:buClr>
+              <a:buSzPct val="75000"/>
+              <a:buFont typeface="Wingdings" pitchFamily="2" charset="2"/>
+              <a:buChar char="§"/>
+              <a:defRPr sz="2000">
+                <a:solidFill>
+                  <a:schemeClr val="tx1"/>
+                </a:solidFill>
+                <a:latin typeface="+mn-lt"/>
+              </a:defRPr>
+            </a:lvl6pPr>
+            <a:lvl7pPr marL="2595563" indent="-339725" algn="l" rtl="0" eaLnBrk="1" fontAlgn="base" hangingPunct="1">
+              <a:spcBef>
+                <a:spcPct val="20000"/>
+              </a:spcBef>
+              <a:spcAft>
+                <a:spcPct val="0"/>
+              </a:spcAft>
+              <a:buClr>
+                <a:schemeClr val="accent1"/>
+              </a:buClr>
+              <a:buSzPct val="75000"/>
+              <a:buFont typeface="Wingdings" pitchFamily="2" charset="2"/>
+              <a:buChar char="§"/>
+              <a:defRPr sz="2000">
+                <a:solidFill>
+                  <a:schemeClr val="tx1"/>
+                </a:solidFill>
+                <a:latin typeface="+mn-lt"/>
+              </a:defRPr>
+            </a:lvl7pPr>
+            <a:lvl8pPr marL="3052763" indent="-339725" algn="l" rtl="0" eaLnBrk="1" fontAlgn="base" hangingPunct="1">
+              <a:spcBef>
+                <a:spcPct val="20000"/>
+              </a:spcBef>
+              <a:spcAft>
+                <a:spcPct val="0"/>
+              </a:spcAft>
+              <a:buClr>
+                <a:schemeClr val="accent1"/>
+              </a:buClr>
+              <a:buSzPct val="75000"/>
+              <a:buFont typeface="Wingdings" pitchFamily="2" charset="2"/>
+              <a:buChar char="§"/>
+              <a:defRPr sz="2000">
+                <a:solidFill>
+                  <a:schemeClr val="tx1"/>
+                </a:solidFill>
+                <a:latin typeface="+mn-lt"/>
+              </a:defRPr>
+            </a:lvl8pPr>
+            <a:lvl9pPr marL="3509963" indent="-339725" algn="l" rtl="0" eaLnBrk="1" fontAlgn="base" hangingPunct="1">
+              <a:spcBef>
+                <a:spcPct val="20000"/>
+              </a:spcBef>
+              <a:spcAft>
+                <a:spcPct val="0"/>
+              </a:spcAft>
+              <a:buClr>
+                <a:schemeClr val="accent1"/>
+              </a:buClr>
+              <a:buSzPct val="75000"/>
+              <a:buFont typeface="Wingdings" pitchFamily="2" charset="2"/>
+              <a:buChar char="§"/>
+              <a:defRPr sz="2000">
+                <a:solidFill>
+                  <a:schemeClr val="tx1"/>
+                </a:solidFill>
+                <a:latin typeface="+mn-lt"/>
+              </a:defRPr>
+            </a:lvl9pPr>
+          </a:lstStyle>
+          <a:p>
+            <a:pPr defTabSz="914400"/>
+            <a:r>
+              <a:rPr lang="en-US" kern="0" dirty="0" smtClean="0"/>
+              <a:t>Note: This </a:t>
+            </a:r>
+            <a:r>
+              <a:rPr lang="en-US" kern="0" dirty="0" smtClean="0"/>
+              <a:t>way </a:t>
+            </a:r>
+            <a:r>
+              <a:rPr lang="en-US" kern="0" dirty="0" smtClean="0"/>
+              <a:t>uses an </a:t>
+            </a:r>
+            <a:r>
+              <a:rPr lang="en-US" kern="0" dirty="0" smtClean="0">
+                <a:hlinkClick r:id="rId4"/>
+              </a:rPr>
+              <a:t>analytical solution</a:t>
+            </a:r>
+            <a:endParaRPr lang="en-US" kern="0" dirty="0"/>
           </a:p>
         </p:txBody>
       </p:sp>
@@ -6729,7 +7444,7 @@
 </p:sld>
 </file>
 
-<file path=ppt/slides/slide13.xml><?xml version="1.0" encoding="utf-8"?>
+<file path=ppt/slides/slide15.xml><?xml version="1.0" encoding="utf-8"?>
 <p:sld xmlns:a="http://schemas.openxmlformats.org/drawingml/2006/main" xmlns:r="http://schemas.openxmlformats.org/officeDocument/2006/relationships" xmlns:p="http://schemas.openxmlformats.org/presentationml/2006/main">
   <p:cSld>
     <p:spTree>
@@ -6769,8 +7484,13 @@
           <a:p>
             <a:r>
               <a:rPr lang="en-US" dirty="0"/>
-              <a:t>Linear model 2: by hand</a:t>
-            </a:r>
+              <a:t>Linear model 2: by </a:t>
+            </a:r>
+            <a:r>
+              <a:rPr lang="en-US" dirty="0" smtClean="0"/>
+              <a:t>hand in R</a:t>
+            </a:r>
+            <a:endParaRPr lang="en-US" dirty="0"/>
           </a:p>
         </p:txBody>
       </p:sp>
@@ -7155,7 +7875,7 @@
           <a:p>
             <a:fld id="{A90099C9-4CB8-9A40-B745-9AB270505907}" type="slidenum">
               <a:rPr lang="en-US" smtClean="0"/>
-              <a:t>13</a:t>
+              <a:t>15</a:t>
             </a:fld>
             <a:endParaRPr lang="en-US"/>
           </a:p>
@@ -7174,7 +7894,7 @@
 </p:sld>
 </file>
 
-<file path=ppt/slides/slide14.xml><?xml version="1.0" encoding="utf-8"?>
+<file path=ppt/slides/slide16.xml><?xml version="1.0" encoding="utf-8"?>
 <p:sld xmlns:a="http://schemas.openxmlformats.org/drawingml/2006/main" xmlns:r="http://schemas.openxmlformats.org/officeDocument/2006/relationships" xmlns:p="http://schemas.openxmlformats.org/presentationml/2006/main">
   <p:cSld>
     <p:spTree>
@@ -7563,7 +8283,7 @@
           <a:p>
             <a:fld id="{A90099C9-4CB8-9A40-B745-9AB270505907}" type="slidenum">
               <a:rPr lang="en-US" smtClean="0"/>
-              <a:t>14</a:t>
+              <a:t>16</a:t>
             </a:fld>
             <a:endParaRPr lang="en-US"/>
           </a:p>
@@ -7623,7 +8343,7 @@
 </p:sld>
 </file>
 
-<file path=ppt/slides/slide15.xml><?xml version="1.0" encoding="utf-8"?>
+<file path=ppt/slides/slide17.xml><?xml version="1.0" encoding="utf-8"?>
 <p:sld xmlns:a="http://schemas.openxmlformats.org/drawingml/2006/main" xmlns:r="http://schemas.openxmlformats.org/officeDocument/2006/relationships" xmlns:p="http://schemas.openxmlformats.org/presentationml/2006/main">
   <p:cSld>
     <p:spTree>
@@ -8013,7 +8733,7 @@
           <a:p>
             <a:fld id="{A90099C9-4CB8-9A40-B745-9AB270505907}" type="slidenum">
               <a:rPr lang="en-US" smtClean="0"/>
-              <a:t>15</a:t>
+              <a:t>17</a:t>
             </a:fld>
             <a:endParaRPr lang="en-US"/>
           </a:p>
@@ -8132,851 +8852,6 @@
 </p:sld>
 </file>
 
-<file path=ppt/slides/slide16.xml><?xml version="1.0" encoding="utf-8"?>
-<p:sld xmlns:a="http://schemas.openxmlformats.org/drawingml/2006/main" xmlns:r="http://schemas.openxmlformats.org/officeDocument/2006/relationships" xmlns:p="http://schemas.openxmlformats.org/presentationml/2006/main">
-  <p:cSld>
-    <p:spTree>
-      <p:nvGrpSpPr>
-        <p:cNvPr id="1" name=""/>
-        <p:cNvGrpSpPr/>
-        <p:nvPr/>
-      </p:nvGrpSpPr>
-      <p:grpSpPr>
-        <a:xfrm>
-          <a:off x="0" y="0"/>
-          <a:ext cx="0" cy="0"/>
-          <a:chOff x="0" y="0"/>
-          <a:chExt cx="0" cy="0"/>
-        </a:xfrm>
-      </p:grpSpPr>
-      <p:sp>
-        <p:nvSpPr>
-          <p:cNvPr id="2" name="Title 1">
-            <a:extLst>
-              <a:ext uri="{FF2B5EF4-FFF2-40B4-BE49-F238E27FC236}">
-                <a16:creationId xmlns:a16="http://schemas.microsoft.com/office/drawing/2014/main" id="{342B1861-27C1-466E-B352-A96D415FC8CF}"/>
-              </a:ext>
-            </a:extLst>
-          </p:cNvPr>
-          <p:cNvSpPr>
-            <a:spLocks noGrp="1"/>
-          </p:cNvSpPr>
-          <p:nvPr>
-            <p:ph type="title"/>
-          </p:nvPr>
-        </p:nvSpPr>
-        <p:spPr/>
-        <p:txBody>
-          <a:bodyPr/>
-          <a:lstStyle/>
-          <a:p>
-            <a:r>
-              <a:rPr lang="en-US" dirty="0"/>
-              <a:t>Linear model comparisons</a:t>
-            </a:r>
-          </a:p>
-        </p:txBody>
-      </p:sp>
-      <p:sp>
-        <p:nvSpPr>
-          <p:cNvPr id="3" name="Content Placeholder 2">
-            <a:extLst>
-              <a:ext uri="{FF2B5EF4-FFF2-40B4-BE49-F238E27FC236}">
-                <a16:creationId xmlns:a16="http://schemas.microsoft.com/office/drawing/2014/main" id="{1696ED24-ECB7-41E7-BBDA-B08EE4F73F15}"/>
-              </a:ext>
-            </a:extLst>
-          </p:cNvPr>
-          <p:cNvSpPr>
-            <a:spLocks noGrp="1"/>
-          </p:cNvSpPr>
-          <p:nvPr>
-            <p:ph idx="1"/>
-          </p:nvPr>
-        </p:nvSpPr>
-        <p:spPr>
-          <a:xfrm>
-            <a:off x="4984242" y="1199167"/>
-            <a:ext cx="3924300" cy="4737100"/>
-          </a:xfrm>
-          <a:ln>
-            <a:solidFill>
-              <a:schemeClr val="tx1"/>
-            </a:solidFill>
-          </a:ln>
-        </p:spPr>
-        <p:txBody>
-          <a:bodyPr>
-            <a:normAutofit fontScale="62500" lnSpcReduction="20000"/>
-          </a:bodyPr>
-          <a:lstStyle/>
-          <a:p>
-            <a:pPr marL="0" indent="0">
-              <a:buNone/>
-            </a:pPr>
-            <a:r>
-              <a:rPr lang="fr-FR" dirty="0">
-                <a:latin typeface="Courier New" panose="02070309020205020404" pitchFamily="49" charset="0"/>
-                <a:cs typeface="Courier New" panose="02070309020205020404" pitchFamily="49" charset="0"/>
-              </a:rPr>
-              <a:t>&gt;</a:t>
-            </a:r>
-            <a:r>
-              <a:rPr lang="fr-FR" dirty="0" err="1">
-                <a:latin typeface="Courier New" panose="02070309020205020404" pitchFamily="49" charset="0"/>
-                <a:cs typeface="Courier New" panose="02070309020205020404" pitchFamily="49" charset="0"/>
-              </a:rPr>
-              <a:t>fit.tmb</a:t>
-            </a:r>
-            <a:r>
-              <a:rPr lang="fr-FR" dirty="0">
-                <a:latin typeface="Courier New" panose="02070309020205020404" pitchFamily="49" charset="0"/>
-                <a:cs typeface="Courier New" panose="02070309020205020404" pitchFamily="49" charset="0"/>
-              </a:rPr>
-              <a:t> &lt;- </a:t>
-            </a:r>
-            <a:r>
-              <a:rPr lang="fr-FR" dirty="0" err="1">
-                <a:latin typeface="Courier New" panose="02070309020205020404" pitchFamily="49" charset="0"/>
-                <a:cs typeface="Courier New" panose="02070309020205020404" pitchFamily="49" charset="0"/>
-              </a:rPr>
-              <a:t>nlminb</a:t>
-            </a:r>
-            <a:r>
-              <a:rPr lang="fr-FR" dirty="0">
-                <a:latin typeface="Courier New" panose="02070309020205020404" pitchFamily="49" charset="0"/>
-                <a:cs typeface="Courier New" panose="02070309020205020404" pitchFamily="49" charset="0"/>
-              </a:rPr>
-              <a:t>(start=pars,    </a:t>
-            </a:r>
-          </a:p>
-          <a:p>
-            <a:pPr marL="0" indent="0">
-              <a:buNone/>
-            </a:pPr>
-            <a:r>
-              <a:rPr lang="fr-FR" dirty="0">
-                <a:latin typeface="Courier New" panose="02070309020205020404" pitchFamily="49" charset="0"/>
-                <a:cs typeface="Courier New" panose="02070309020205020404" pitchFamily="49" charset="0"/>
-              </a:rPr>
-              <a:t>    objective=</a:t>
-            </a:r>
-            <a:r>
-              <a:rPr lang="fr-FR" dirty="0" err="1">
-                <a:latin typeface="Courier New" panose="02070309020205020404" pitchFamily="49" charset="0"/>
-                <a:cs typeface="Courier New" panose="02070309020205020404" pitchFamily="49" charset="0"/>
-              </a:rPr>
-              <a:t>obj$fn</a:t>
-            </a:r>
-            <a:r>
-              <a:rPr lang="fr-FR" dirty="0">
-                <a:latin typeface="Courier New" panose="02070309020205020404" pitchFamily="49" charset="0"/>
-                <a:cs typeface="Courier New" panose="02070309020205020404" pitchFamily="49" charset="0"/>
-              </a:rPr>
-              <a:t>, gradient=</a:t>
-            </a:r>
-            <a:r>
-              <a:rPr lang="fr-FR" dirty="0" err="1">
-                <a:latin typeface="Courier New" panose="02070309020205020404" pitchFamily="49" charset="0"/>
-                <a:cs typeface="Courier New" panose="02070309020205020404" pitchFamily="49" charset="0"/>
-              </a:rPr>
-              <a:t>obj$gr</a:t>
-            </a:r>
-            <a:r>
-              <a:rPr lang="fr-FR" dirty="0">
-                <a:latin typeface="Courier New" panose="02070309020205020404" pitchFamily="49" charset="0"/>
-                <a:cs typeface="Courier New" panose="02070309020205020404" pitchFamily="49" charset="0"/>
-              </a:rPr>
-              <a:t>) </a:t>
-            </a:r>
-          </a:p>
-          <a:p>
-            <a:pPr marL="0" indent="0">
-              <a:buNone/>
-            </a:pPr>
-            <a:endParaRPr lang="fr-FR" dirty="0">
-              <a:latin typeface="Courier New" panose="02070309020205020404" pitchFamily="49" charset="0"/>
-              <a:cs typeface="Courier New" panose="02070309020205020404" pitchFamily="49" charset="0"/>
-            </a:endParaRPr>
-          </a:p>
-          <a:p>
-            <a:pPr marL="0" indent="0">
-              <a:buNone/>
-            </a:pPr>
-            <a:r>
-              <a:rPr lang="fr-FR" dirty="0" err="1">
-                <a:latin typeface="Courier New" panose="02070309020205020404" pitchFamily="49" charset="0"/>
-                <a:cs typeface="Courier New" panose="02070309020205020404" pitchFamily="49" charset="0"/>
-              </a:rPr>
-              <a:t>outer</a:t>
-            </a:r>
-            <a:r>
-              <a:rPr lang="fr-FR" dirty="0">
-                <a:latin typeface="Courier New" panose="02070309020205020404" pitchFamily="49" charset="0"/>
-                <a:cs typeface="Courier New" panose="02070309020205020404" pitchFamily="49" charset="0"/>
-              </a:rPr>
-              <a:t> </a:t>
-            </a:r>
-            <a:r>
-              <a:rPr lang="fr-FR" dirty="0" err="1">
-                <a:latin typeface="Courier New" panose="02070309020205020404" pitchFamily="49" charset="0"/>
-                <a:cs typeface="Courier New" panose="02070309020205020404" pitchFamily="49" charset="0"/>
-              </a:rPr>
-              <a:t>mgc</a:t>
-            </a:r>
-            <a:r>
-              <a:rPr lang="fr-FR" dirty="0">
-                <a:latin typeface="Courier New" panose="02070309020205020404" pitchFamily="49" charset="0"/>
-                <a:cs typeface="Courier New" panose="02070309020205020404" pitchFamily="49" charset="0"/>
-              </a:rPr>
-              <a:t>:  99.40139 </a:t>
-            </a:r>
-          </a:p>
-          <a:p>
-            <a:pPr marL="0" indent="0">
-              <a:buNone/>
-            </a:pPr>
-            <a:r>
-              <a:rPr lang="fr-FR" dirty="0" err="1">
-                <a:latin typeface="Courier New" panose="02070309020205020404" pitchFamily="49" charset="0"/>
-                <a:cs typeface="Courier New" panose="02070309020205020404" pitchFamily="49" charset="0"/>
-              </a:rPr>
-              <a:t>outer</a:t>
-            </a:r>
-            <a:r>
-              <a:rPr lang="fr-FR" dirty="0">
-                <a:latin typeface="Courier New" panose="02070309020205020404" pitchFamily="49" charset="0"/>
-                <a:cs typeface="Courier New" panose="02070309020205020404" pitchFamily="49" charset="0"/>
-              </a:rPr>
-              <a:t> </a:t>
-            </a:r>
-            <a:r>
-              <a:rPr lang="fr-FR" dirty="0" err="1">
-                <a:latin typeface="Courier New" panose="02070309020205020404" pitchFamily="49" charset="0"/>
-                <a:cs typeface="Courier New" panose="02070309020205020404" pitchFamily="49" charset="0"/>
-              </a:rPr>
-              <a:t>mgc</a:t>
-            </a:r>
-            <a:r>
-              <a:rPr lang="fr-FR" dirty="0">
-                <a:latin typeface="Courier New" panose="02070309020205020404" pitchFamily="49" charset="0"/>
-                <a:cs typeface="Courier New" panose="02070309020205020404" pitchFamily="49" charset="0"/>
-              </a:rPr>
-              <a:t>:  5.990303 </a:t>
-            </a:r>
-          </a:p>
-          <a:p>
-            <a:pPr marL="0" indent="0">
-              <a:buNone/>
-            </a:pPr>
-            <a:r>
-              <a:rPr lang="fr-FR" dirty="0" err="1">
-                <a:latin typeface="Courier New" panose="02070309020205020404" pitchFamily="49" charset="0"/>
-                <a:cs typeface="Courier New" panose="02070309020205020404" pitchFamily="49" charset="0"/>
-              </a:rPr>
-              <a:t>outer</a:t>
-            </a:r>
-            <a:r>
-              <a:rPr lang="fr-FR" dirty="0">
-                <a:latin typeface="Courier New" panose="02070309020205020404" pitchFamily="49" charset="0"/>
-                <a:cs typeface="Courier New" panose="02070309020205020404" pitchFamily="49" charset="0"/>
-              </a:rPr>
-              <a:t> </a:t>
-            </a:r>
-            <a:r>
-              <a:rPr lang="fr-FR" dirty="0" err="1">
-                <a:latin typeface="Courier New" panose="02070309020205020404" pitchFamily="49" charset="0"/>
-                <a:cs typeface="Courier New" panose="02070309020205020404" pitchFamily="49" charset="0"/>
-              </a:rPr>
-              <a:t>mgc</a:t>
-            </a:r>
-            <a:r>
-              <a:rPr lang="fr-FR" dirty="0">
-                <a:latin typeface="Courier New" panose="02070309020205020404" pitchFamily="49" charset="0"/>
-                <a:cs typeface="Courier New" panose="02070309020205020404" pitchFamily="49" charset="0"/>
-              </a:rPr>
-              <a:t>:  132.3652 </a:t>
-            </a:r>
-          </a:p>
-          <a:p>
-            <a:pPr marL="0" indent="0">
-              <a:buNone/>
-            </a:pPr>
-            <a:r>
-              <a:rPr lang="fr-FR" dirty="0" err="1">
-                <a:latin typeface="Courier New" panose="02070309020205020404" pitchFamily="49" charset="0"/>
-                <a:cs typeface="Courier New" panose="02070309020205020404" pitchFamily="49" charset="0"/>
-              </a:rPr>
-              <a:t>outer</a:t>
-            </a:r>
-            <a:r>
-              <a:rPr lang="fr-FR" dirty="0">
-                <a:latin typeface="Courier New" panose="02070309020205020404" pitchFamily="49" charset="0"/>
-                <a:cs typeface="Courier New" panose="02070309020205020404" pitchFamily="49" charset="0"/>
-              </a:rPr>
-              <a:t> </a:t>
-            </a:r>
-            <a:r>
-              <a:rPr lang="fr-FR" dirty="0" err="1">
-                <a:latin typeface="Courier New" panose="02070309020205020404" pitchFamily="49" charset="0"/>
-                <a:cs typeface="Courier New" panose="02070309020205020404" pitchFamily="49" charset="0"/>
-              </a:rPr>
-              <a:t>mgc</a:t>
-            </a:r>
-            <a:r>
-              <a:rPr lang="fr-FR" dirty="0">
-                <a:latin typeface="Courier New" panose="02070309020205020404" pitchFamily="49" charset="0"/>
-                <a:cs typeface="Courier New" panose="02070309020205020404" pitchFamily="49" charset="0"/>
-              </a:rPr>
-              <a:t>:  108.0497 </a:t>
-            </a:r>
-          </a:p>
-          <a:p>
-            <a:pPr marL="0" indent="0">
-              <a:buNone/>
-            </a:pPr>
-            <a:r>
-              <a:rPr lang="fr-FR" dirty="0" err="1">
-                <a:latin typeface="Courier New" panose="02070309020205020404" pitchFamily="49" charset="0"/>
-                <a:cs typeface="Courier New" panose="02070309020205020404" pitchFamily="49" charset="0"/>
-              </a:rPr>
-              <a:t>outer</a:t>
-            </a:r>
-            <a:r>
-              <a:rPr lang="fr-FR" dirty="0">
-                <a:latin typeface="Courier New" panose="02070309020205020404" pitchFamily="49" charset="0"/>
-                <a:cs typeface="Courier New" panose="02070309020205020404" pitchFamily="49" charset="0"/>
-              </a:rPr>
-              <a:t> </a:t>
-            </a:r>
-            <a:r>
-              <a:rPr lang="fr-FR" dirty="0" err="1">
-                <a:latin typeface="Courier New" panose="02070309020205020404" pitchFamily="49" charset="0"/>
-                <a:cs typeface="Courier New" panose="02070309020205020404" pitchFamily="49" charset="0"/>
-              </a:rPr>
-              <a:t>mgc</a:t>
-            </a:r>
-            <a:r>
-              <a:rPr lang="fr-FR" dirty="0">
-                <a:latin typeface="Courier New" panose="02070309020205020404" pitchFamily="49" charset="0"/>
-                <a:cs typeface="Courier New" panose="02070309020205020404" pitchFamily="49" charset="0"/>
-              </a:rPr>
-              <a:t>:  4.673943 </a:t>
-            </a:r>
-          </a:p>
-          <a:p>
-            <a:pPr marL="0" indent="0">
-              <a:buNone/>
-            </a:pPr>
-            <a:r>
-              <a:rPr lang="fr-FR" dirty="0">
-                <a:latin typeface="Courier New" panose="02070309020205020404" pitchFamily="49" charset="0"/>
-                <a:cs typeface="Courier New" panose="02070309020205020404" pitchFamily="49" charset="0"/>
-              </a:rPr>
-              <a:t>…</a:t>
-            </a:r>
-          </a:p>
-          <a:p>
-            <a:pPr marL="0" indent="0">
-              <a:buNone/>
-            </a:pPr>
-            <a:r>
-              <a:rPr lang="fr-FR" dirty="0" err="1">
-                <a:latin typeface="Courier New" panose="02070309020205020404" pitchFamily="49" charset="0"/>
-                <a:cs typeface="Courier New" panose="02070309020205020404" pitchFamily="49" charset="0"/>
-              </a:rPr>
-              <a:t>outer</a:t>
-            </a:r>
-            <a:r>
-              <a:rPr lang="fr-FR" dirty="0">
-                <a:latin typeface="Courier New" panose="02070309020205020404" pitchFamily="49" charset="0"/>
-                <a:cs typeface="Courier New" panose="02070309020205020404" pitchFamily="49" charset="0"/>
-              </a:rPr>
-              <a:t> </a:t>
-            </a:r>
-            <a:r>
-              <a:rPr lang="fr-FR" dirty="0" err="1">
-                <a:latin typeface="Courier New" panose="02070309020205020404" pitchFamily="49" charset="0"/>
-                <a:cs typeface="Courier New" panose="02070309020205020404" pitchFamily="49" charset="0"/>
-              </a:rPr>
-              <a:t>mgc</a:t>
-            </a:r>
-            <a:r>
-              <a:rPr lang="fr-FR" dirty="0">
-                <a:latin typeface="Courier New" panose="02070309020205020404" pitchFamily="49" charset="0"/>
-                <a:cs typeface="Courier New" panose="02070309020205020404" pitchFamily="49" charset="0"/>
-              </a:rPr>
-              <a:t>:  0.1184033 </a:t>
-            </a:r>
-          </a:p>
-          <a:p>
-            <a:pPr marL="0" indent="0">
-              <a:buNone/>
-            </a:pPr>
-            <a:r>
-              <a:rPr lang="fr-FR" dirty="0" err="1">
-                <a:latin typeface="Courier New" panose="02070309020205020404" pitchFamily="49" charset="0"/>
-                <a:cs typeface="Courier New" panose="02070309020205020404" pitchFamily="49" charset="0"/>
-              </a:rPr>
-              <a:t>outer</a:t>
-            </a:r>
-            <a:r>
-              <a:rPr lang="fr-FR" dirty="0">
-                <a:latin typeface="Courier New" panose="02070309020205020404" pitchFamily="49" charset="0"/>
-                <a:cs typeface="Courier New" panose="02070309020205020404" pitchFamily="49" charset="0"/>
-              </a:rPr>
-              <a:t> </a:t>
-            </a:r>
-            <a:r>
-              <a:rPr lang="fr-FR" dirty="0" err="1">
-                <a:latin typeface="Courier New" panose="02070309020205020404" pitchFamily="49" charset="0"/>
-                <a:cs typeface="Courier New" panose="02070309020205020404" pitchFamily="49" charset="0"/>
-              </a:rPr>
-              <a:t>mgc</a:t>
-            </a:r>
-            <a:r>
-              <a:rPr lang="fr-FR" dirty="0">
-                <a:latin typeface="Courier New" panose="02070309020205020404" pitchFamily="49" charset="0"/>
-                <a:cs typeface="Courier New" panose="02070309020205020404" pitchFamily="49" charset="0"/>
-              </a:rPr>
-              <a:t>:  0.005721744 </a:t>
-            </a:r>
-          </a:p>
-          <a:p>
-            <a:pPr marL="0" indent="0">
-              <a:buNone/>
-            </a:pPr>
-            <a:r>
-              <a:rPr lang="fr-FR" dirty="0" err="1">
-                <a:latin typeface="Courier New" panose="02070309020205020404" pitchFamily="49" charset="0"/>
-                <a:cs typeface="Courier New" panose="02070309020205020404" pitchFamily="49" charset="0"/>
-              </a:rPr>
-              <a:t>outer</a:t>
-            </a:r>
-            <a:r>
-              <a:rPr lang="fr-FR" dirty="0">
-                <a:latin typeface="Courier New" panose="02070309020205020404" pitchFamily="49" charset="0"/>
-                <a:cs typeface="Courier New" panose="02070309020205020404" pitchFamily="49" charset="0"/>
-              </a:rPr>
-              <a:t> </a:t>
-            </a:r>
-            <a:r>
-              <a:rPr lang="fr-FR" dirty="0" err="1">
-                <a:latin typeface="Courier New" panose="02070309020205020404" pitchFamily="49" charset="0"/>
-                <a:cs typeface="Courier New" panose="02070309020205020404" pitchFamily="49" charset="0"/>
-              </a:rPr>
-              <a:t>mgc</a:t>
-            </a:r>
-            <a:r>
-              <a:rPr lang="fr-FR" dirty="0">
-                <a:latin typeface="Courier New" panose="02070309020205020404" pitchFamily="49" charset="0"/>
-                <a:cs typeface="Courier New" panose="02070309020205020404" pitchFamily="49" charset="0"/>
-              </a:rPr>
-              <a:t>:  0.0002056732 </a:t>
-            </a:r>
-          </a:p>
-          <a:p>
-            <a:pPr marL="0" indent="0">
-              <a:buNone/>
-            </a:pPr>
-            <a:r>
-              <a:rPr lang="fr-FR" dirty="0" err="1">
-                <a:latin typeface="Courier New" panose="02070309020205020404" pitchFamily="49" charset="0"/>
-                <a:cs typeface="Courier New" panose="02070309020205020404" pitchFamily="49" charset="0"/>
-              </a:rPr>
-              <a:t>outer</a:t>
-            </a:r>
-            <a:r>
-              <a:rPr lang="fr-FR" dirty="0">
-                <a:latin typeface="Courier New" panose="02070309020205020404" pitchFamily="49" charset="0"/>
-                <a:cs typeface="Courier New" panose="02070309020205020404" pitchFamily="49" charset="0"/>
-              </a:rPr>
-              <a:t> </a:t>
-            </a:r>
-            <a:r>
-              <a:rPr lang="fr-FR" dirty="0" err="1">
-                <a:latin typeface="Courier New" panose="02070309020205020404" pitchFamily="49" charset="0"/>
-                <a:cs typeface="Courier New" panose="02070309020205020404" pitchFamily="49" charset="0"/>
-              </a:rPr>
-              <a:t>mgc</a:t>
-            </a:r>
-            <a:r>
-              <a:rPr lang="fr-FR" dirty="0">
-                <a:latin typeface="Courier New" panose="02070309020205020404" pitchFamily="49" charset="0"/>
-                <a:cs typeface="Courier New" panose="02070309020205020404" pitchFamily="49" charset="0"/>
-              </a:rPr>
-              <a:t>:  1.404738e-05 </a:t>
-            </a:r>
-            <a:endParaRPr lang="fr-FR" dirty="0"/>
-          </a:p>
-          <a:p>
-            <a:pPr marL="0" indent="0">
-              <a:buNone/>
-            </a:pPr>
-            <a:endParaRPr lang="en-US" dirty="0"/>
-          </a:p>
-        </p:txBody>
-      </p:sp>
-      <p:sp>
-        <p:nvSpPr>
-          <p:cNvPr id="4" name="TextBox 3">
-            <a:extLst>
-              <a:ext uri="{FF2B5EF4-FFF2-40B4-BE49-F238E27FC236}">
-                <a16:creationId xmlns:a16="http://schemas.microsoft.com/office/drawing/2014/main" id="{BE46B4E4-C92C-4485-A8A5-67181ED046FC}"/>
-              </a:ext>
-            </a:extLst>
-          </p:cNvPr>
-          <p:cNvSpPr txBox="1"/>
-          <p:nvPr/>
-        </p:nvSpPr>
-        <p:spPr>
-          <a:xfrm>
-            <a:off x="409575" y="1305560"/>
-            <a:ext cx="4257675" cy="4524315"/>
-          </a:xfrm>
-          <a:prstGeom prst="rect">
-            <a:avLst/>
-          </a:prstGeom>
-          <a:noFill/>
-        </p:spPr>
-        <p:txBody>
-          <a:bodyPr wrap="square" rtlCol="0">
-            <a:spAutoFit/>
-          </a:bodyPr>
-          <a:lstStyle/>
-          <a:p>
-            <a:pPr marL="342900" indent="-342900">
-              <a:buFont typeface="Arial" panose="020B0604020202020204" pitchFamily="34" charset="0"/>
-              <a:buChar char="•"/>
-            </a:pPr>
-            <a:r>
-              <a:rPr lang="en-US" sz="2400" dirty="0"/>
-              <a:t>TMB prints the maximum gradient component (</a:t>
-            </a:r>
-            <a:r>
-              <a:rPr lang="en-US" sz="2400" dirty="0" err="1"/>
-              <a:t>mgc</a:t>
-            </a:r>
-            <a:r>
-              <a:rPr lang="en-US" sz="2400" dirty="0"/>
-              <a:t>) at each iteration (step) </a:t>
-            </a:r>
-          </a:p>
-          <a:p>
-            <a:pPr marL="342900" indent="-342900">
-              <a:buFont typeface="Arial" panose="020B0604020202020204" pitchFamily="34" charset="0"/>
-              <a:buChar char="•"/>
-            </a:pPr>
-            <a:r>
-              <a:rPr lang="en-US" sz="2400" dirty="0"/>
-              <a:t>Getting smaller and smaller</a:t>
-            </a:r>
-          </a:p>
-          <a:p>
-            <a:pPr marL="342900" indent="-342900">
-              <a:buFont typeface="Arial" panose="020B0604020202020204" pitchFamily="34" charset="0"/>
-              <a:buChar char="•"/>
-            </a:pPr>
-            <a:endParaRPr lang="en-US" sz="2400" dirty="0"/>
-          </a:p>
-          <a:p>
-            <a:pPr marL="342900" indent="-342900">
-              <a:buFont typeface="Arial" panose="020B0604020202020204" pitchFamily="34" charset="0"/>
-              <a:buChar char="•"/>
-            </a:pPr>
-            <a:r>
-              <a:rPr lang="en-US" sz="2400" dirty="0"/>
-              <a:t>What happens if we evaluate the gradient function at the MLE?</a:t>
-            </a:r>
-          </a:p>
-          <a:p>
-            <a:pPr marL="342900" indent="-342900">
-              <a:buFont typeface="Arial" panose="020B0604020202020204" pitchFamily="34" charset="0"/>
-              <a:buChar char="•"/>
-            </a:pPr>
-            <a:endParaRPr lang="en-US" sz="2400" dirty="0"/>
-          </a:p>
-          <a:p>
-            <a:pPr marL="342900" indent="-342900">
-              <a:buFont typeface="Arial" panose="020B0604020202020204" pitchFamily="34" charset="0"/>
-              <a:buChar char="•"/>
-            </a:pPr>
-            <a:r>
-              <a:rPr lang="en-US" sz="2400" dirty="0"/>
-              <a:t>Note: </a:t>
-            </a:r>
-            <a:r>
-              <a:rPr lang="en-US" sz="2400" u="sng" dirty="0"/>
-              <a:t>R has no idea it is using TMB</a:t>
-            </a:r>
-            <a:r>
-              <a:rPr lang="en-US" sz="2400" dirty="0"/>
-              <a:t>!</a:t>
-            </a:r>
-          </a:p>
-          <a:p>
-            <a:endParaRPr lang="en-US" sz="2400" dirty="0"/>
-          </a:p>
-        </p:txBody>
-      </p:sp>
-      <p:sp>
-        <p:nvSpPr>
-          <p:cNvPr id="5" name="Slide Number Placeholder 4">
-            <a:extLst>
-              <a:ext uri="{FF2B5EF4-FFF2-40B4-BE49-F238E27FC236}">
-                <a16:creationId xmlns:a16="http://schemas.microsoft.com/office/drawing/2014/main" id="{C55D7D00-DD19-4CF5-8452-8C0D5029EB9F}"/>
-              </a:ext>
-            </a:extLst>
-          </p:cNvPr>
-          <p:cNvSpPr>
-            <a:spLocks noGrp="1"/>
-          </p:cNvSpPr>
-          <p:nvPr>
-            <p:ph type="sldNum" sz="quarter" idx="12"/>
-          </p:nvPr>
-        </p:nvSpPr>
-        <p:spPr/>
-        <p:txBody>
-          <a:bodyPr/>
-          <a:lstStyle/>
-          <a:p>
-            <a:fld id="{A90099C9-4CB8-9A40-B745-9AB270505907}" type="slidenum">
-              <a:rPr lang="en-US" smtClean="0"/>
-              <a:t>16</a:t>
-            </a:fld>
-            <a:endParaRPr lang="en-US"/>
-          </a:p>
-        </p:txBody>
-      </p:sp>
-    </p:spTree>
-    <p:extLst>
-      <p:ext uri="{BB962C8B-B14F-4D97-AF65-F5344CB8AC3E}">
-        <p14:creationId xmlns:p14="http://schemas.microsoft.com/office/powerpoint/2010/main" val="4102673430"/>
-      </p:ext>
-    </p:extLst>
-  </p:cSld>
-  <p:clrMapOvr>
-    <a:masterClrMapping/>
-  </p:clrMapOvr>
-</p:sld>
-</file>
-
-<file path=ppt/slides/slide17.xml><?xml version="1.0" encoding="utf-8"?>
-<p:sld xmlns:a="http://schemas.openxmlformats.org/drawingml/2006/main" xmlns:r="http://schemas.openxmlformats.org/officeDocument/2006/relationships" xmlns:p="http://schemas.openxmlformats.org/presentationml/2006/main">
-  <p:cSld>
-    <p:spTree>
-      <p:nvGrpSpPr>
-        <p:cNvPr id="1" name=""/>
-        <p:cNvGrpSpPr/>
-        <p:nvPr/>
-      </p:nvGrpSpPr>
-      <p:grpSpPr>
-        <a:xfrm>
-          <a:off x="0" y="0"/>
-          <a:ext cx="0" cy="0"/>
-          <a:chOff x="0" y="0"/>
-          <a:chExt cx="0" cy="0"/>
-        </a:xfrm>
-      </p:grpSpPr>
-      <p:sp>
-        <p:nvSpPr>
-          <p:cNvPr id="2" name="Title 1">
-            <a:extLst>
-              <a:ext uri="{FF2B5EF4-FFF2-40B4-BE49-F238E27FC236}">
-                <a16:creationId xmlns:a16="http://schemas.microsoft.com/office/drawing/2014/main" id="{89A13C5A-3E4F-4B8F-97A5-15A77EB48721}"/>
-              </a:ext>
-            </a:extLst>
-          </p:cNvPr>
-          <p:cNvSpPr>
-            <a:spLocks noGrp="1"/>
-          </p:cNvSpPr>
-          <p:nvPr>
-            <p:ph type="title"/>
-          </p:nvPr>
-        </p:nvSpPr>
-        <p:spPr/>
-        <p:txBody>
-          <a:bodyPr/>
-          <a:lstStyle/>
-          <a:p>
-            <a:r>
-              <a:rPr lang="en-US" dirty="0"/>
-              <a:t>What about the variance term?</a:t>
-            </a:r>
-          </a:p>
-        </p:txBody>
-      </p:sp>
-      <p:sp>
-        <p:nvSpPr>
-          <p:cNvPr id="3" name="Content Placeholder 2">
-            <a:extLst>
-              <a:ext uri="{FF2B5EF4-FFF2-40B4-BE49-F238E27FC236}">
-                <a16:creationId xmlns:a16="http://schemas.microsoft.com/office/drawing/2014/main" id="{B75669AA-3D09-47C5-AC5C-3456AD8B0916}"/>
-              </a:ext>
-            </a:extLst>
-          </p:cNvPr>
-          <p:cNvSpPr>
-            <a:spLocks noGrp="1"/>
-          </p:cNvSpPr>
-          <p:nvPr>
-            <p:ph idx="1"/>
-          </p:nvPr>
-        </p:nvSpPr>
-        <p:spPr>
-          <a:xfrm>
-            <a:off x="457200" y="1212112"/>
-            <a:ext cx="8229600" cy="4918813"/>
-          </a:xfrm>
-        </p:spPr>
-        <p:txBody>
-          <a:bodyPr>
-            <a:normAutofit fontScale="92500" lnSpcReduction="10000"/>
-          </a:bodyPr>
-          <a:lstStyle/>
-          <a:p>
-            <a:r>
-              <a:rPr lang="en-US" dirty="0"/>
-              <a:t>R shows the variance estimate in the summary() </a:t>
-            </a:r>
-          </a:p>
-          <a:p>
-            <a:pPr marL="0" indent="0">
-              <a:buNone/>
-            </a:pPr>
-            <a:r>
-              <a:rPr lang="en-US" sz="2600" dirty="0">
-                <a:latin typeface="Courier New" panose="02070309020205020404" pitchFamily="49" charset="0"/>
-                <a:cs typeface="Courier New" panose="02070309020205020404" pitchFamily="49" charset="0"/>
-              </a:rPr>
-              <a:t>Residual standard error: 0.07255</a:t>
-            </a:r>
-          </a:p>
-          <a:p>
-            <a:r>
-              <a:rPr lang="en-US" dirty="0"/>
-              <a:t>Does this match our MLE?</a:t>
-            </a:r>
-          </a:p>
-          <a:p>
-            <a:pPr marL="0" indent="0">
-              <a:buNone/>
-            </a:pPr>
-            <a:r>
-              <a:rPr lang="fr-FR" sz="2600" dirty="0">
-                <a:latin typeface="Courier New" panose="02070309020205020404" pitchFamily="49" charset="0"/>
-                <a:cs typeface="Courier New" panose="02070309020205020404" pitchFamily="49" charset="0"/>
-              </a:rPr>
-              <a:t>&gt; </a:t>
-            </a:r>
-            <a:r>
-              <a:rPr lang="fr-FR" sz="2600" dirty="0" err="1">
-                <a:latin typeface="Courier New" panose="02070309020205020404" pitchFamily="49" charset="0"/>
-                <a:cs typeface="Courier New" panose="02070309020205020404" pitchFamily="49" charset="0"/>
-              </a:rPr>
-              <a:t>exp</a:t>
-            </a:r>
-            <a:r>
-              <a:rPr lang="fr-FR" sz="2600" dirty="0">
-                <a:latin typeface="Courier New" panose="02070309020205020404" pitchFamily="49" charset="0"/>
-                <a:cs typeface="Courier New" panose="02070309020205020404" pitchFamily="49" charset="0"/>
-              </a:rPr>
-              <a:t>(</a:t>
-            </a:r>
-            <a:r>
-              <a:rPr lang="fr-FR" sz="2600" dirty="0" err="1">
-                <a:latin typeface="Courier New" panose="02070309020205020404" pitchFamily="49" charset="0"/>
-                <a:cs typeface="Courier New" panose="02070309020205020404" pitchFamily="49" charset="0"/>
-              </a:rPr>
-              <a:t>fit.tmb$par</a:t>
-            </a:r>
-            <a:r>
-              <a:rPr lang="fr-FR" sz="2600" dirty="0">
-                <a:latin typeface="Courier New" panose="02070309020205020404" pitchFamily="49" charset="0"/>
-                <a:cs typeface="Courier New" panose="02070309020205020404" pitchFamily="49" charset="0"/>
-              </a:rPr>
-              <a:t>[3])  [1] 0.06488976</a:t>
-            </a:r>
-            <a:endParaRPr lang="en-US" sz="2600" dirty="0">
-              <a:latin typeface="Courier New" panose="02070309020205020404" pitchFamily="49" charset="0"/>
-              <a:cs typeface="Courier New" panose="02070309020205020404" pitchFamily="49" charset="0"/>
-            </a:endParaRPr>
-          </a:p>
-          <a:p>
-            <a:r>
-              <a:rPr lang="en-US" b="1" dirty="0"/>
-              <a:t>No</a:t>
-            </a:r>
-            <a:r>
-              <a:rPr lang="en-US" dirty="0"/>
-              <a:t>! </a:t>
-            </a:r>
-            <a:r>
-              <a:rPr lang="en-US" dirty="0" err="1">
-                <a:latin typeface="Courier New" panose="02070309020205020404" pitchFamily="49" charset="0"/>
-                <a:cs typeface="Courier New" panose="02070309020205020404" pitchFamily="49" charset="0"/>
-              </a:rPr>
-              <a:t>lm</a:t>
-            </a:r>
-            <a:r>
-              <a:rPr lang="en-US" dirty="0"/>
-              <a:t> does not use maximum likelihood to estimate the variance!!</a:t>
-            </a:r>
-          </a:p>
-          <a:p>
-            <a:r>
-              <a:rPr lang="en-US" dirty="0"/>
-              <a:t>It uses Restricted Maximum Likelihood (REML) which is better in this case (we will do this with TMB later)</a:t>
-            </a:r>
-          </a:p>
-          <a:p>
-            <a:r>
-              <a:rPr lang="en-US" dirty="0"/>
-              <a:t>Remember: MLEs can be biased (and are for variances)</a:t>
-            </a:r>
-          </a:p>
-        </p:txBody>
-      </p:sp>
-      <p:sp>
-        <p:nvSpPr>
-          <p:cNvPr id="4" name="Slide Number Placeholder 3">
-            <a:extLst>
-              <a:ext uri="{FF2B5EF4-FFF2-40B4-BE49-F238E27FC236}">
-                <a16:creationId xmlns:a16="http://schemas.microsoft.com/office/drawing/2014/main" id="{954DA3B1-45D2-4592-8577-48EEE565D42C}"/>
-              </a:ext>
-            </a:extLst>
-          </p:cNvPr>
-          <p:cNvSpPr>
-            <a:spLocks noGrp="1"/>
-          </p:cNvSpPr>
-          <p:nvPr>
-            <p:ph type="sldNum" sz="quarter" idx="12"/>
-          </p:nvPr>
-        </p:nvSpPr>
-        <p:spPr/>
-        <p:txBody>
-          <a:bodyPr/>
-          <a:lstStyle/>
-          <a:p>
-            <a:fld id="{A90099C9-4CB8-9A40-B745-9AB270505907}" type="slidenum">
-              <a:rPr lang="en-US" smtClean="0"/>
-              <a:t>17</a:t>
-            </a:fld>
-            <a:endParaRPr lang="en-US"/>
-          </a:p>
-        </p:txBody>
-      </p:sp>
-    </p:spTree>
-    <p:extLst>
-      <p:ext uri="{BB962C8B-B14F-4D97-AF65-F5344CB8AC3E}">
-        <p14:creationId xmlns:p14="http://schemas.microsoft.com/office/powerpoint/2010/main" val="4050485165"/>
-      </p:ext>
-    </p:extLst>
-  </p:cSld>
-  <p:clrMapOvr>
-    <a:masterClrMapping/>
-  </p:clrMapOvr>
-</p:sld>
-</file>
-
 <file path=ppt/slides/slide18.xml><?xml version="1.0" encoding="utf-8"?>
 <p:sld xmlns:a="http://schemas.openxmlformats.org/drawingml/2006/main" xmlns:r="http://schemas.openxmlformats.org/officeDocument/2006/relationships" xmlns:p="http://schemas.openxmlformats.org/presentationml/2006/main">
   <p:cSld>
@@ -8999,7 +8874,7 @@
           <p:cNvPr id="2" name="Title 1">
             <a:extLst>
               <a:ext uri="{FF2B5EF4-FFF2-40B4-BE49-F238E27FC236}">
-                <a16:creationId xmlns:a16="http://schemas.microsoft.com/office/drawing/2014/main" id="{8C2C8A96-85A4-4FC4-B33C-A44B37007557}"/>
+                <a16:creationId xmlns:a16="http://schemas.microsoft.com/office/drawing/2014/main" id="{342B1861-27C1-466E-B352-A96D415FC8CF}"/>
               </a:ext>
             </a:extLst>
           </p:cNvPr>
@@ -9017,7 +8892,7 @@
           <a:p>
             <a:r>
               <a:rPr lang="en-US" dirty="0"/>
-              <a:t>Review of key concepts</a:t>
+              <a:t>Linear model comparisons</a:t>
             </a:r>
           </a:p>
         </p:txBody>
@@ -9027,7 +8902,7 @@
           <p:cNvPr id="3" name="Content Placeholder 2">
             <a:extLst>
               <a:ext uri="{FF2B5EF4-FFF2-40B4-BE49-F238E27FC236}">
-                <a16:creationId xmlns:a16="http://schemas.microsoft.com/office/drawing/2014/main" id="{8AE79BED-0639-40D3-8E92-030D2742C4EC}"/>
+                <a16:creationId xmlns:a16="http://schemas.microsoft.com/office/drawing/2014/main" id="{1696ED24-ECB7-41E7-BBDA-B08EE4F73F15}"/>
               </a:ext>
             </a:extLst>
           </p:cNvPr>
@@ -9040,66 +8915,549 @@
         </p:nvSpPr>
         <p:spPr>
           <a:xfrm>
-            <a:off x="457200" y="1417638"/>
-            <a:ext cx="8229600" cy="4530725"/>
+            <a:off x="4667250" y="1199167"/>
+            <a:ext cx="4241292" cy="4737100"/>
           </a:xfrm>
+          <a:ln>
+            <a:solidFill>
+              <a:schemeClr val="tx1"/>
+            </a:solidFill>
+          </a:ln>
         </p:spPr>
         <p:txBody>
-          <a:bodyPr/>
+          <a:bodyPr>
+            <a:normAutofit fontScale="70000" lnSpcReduction="20000"/>
+          </a:bodyPr>
           <a:lstStyle/>
           <a:p>
-            <a:r>
-              <a:rPr lang="en-US" dirty="0"/>
-              <a:t>To “fit” statistical models we minimize the </a:t>
-            </a:r>
-            <a:br>
-              <a:rPr lang="en-US" dirty="0"/>
-            </a:br>
-            <a:r>
-              <a:rPr lang="en-US" dirty="0"/>
-              <a:t>–log-likelihood to find the MLE</a:t>
-            </a:r>
-          </a:p>
-          <a:p>
-            <a:r>
-              <a:rPr lang="en-US" dirty="0"/>
-              <a:t>We often minimize the NLL numerically</a:t>
-            </a:r>
-          </a:p>
-          <a:p>
-            <a:r>
-              <a:rPr lang="en-US" dirty="0"/>
-              <a:t>Optimization is better with gradients, and TMB calculates those easily</a:t>
-            </a:r>
-          </a:p>
-          <a:p>
-            <a:r>
-              <a:rPr lang="en-US" dirty="0"/>
-              <a:t>We use </a:t>
-            </a:r>
-            <a:r>
-              <a:rPr lang="en-US" dirty="0" err="1"/>
-              <a:t>exp</a:t>
-            </a:r>
-            <a:r>
-              <a:rPr lang="en-US" dirty="0"/>
-              <a:t>() to keep parameters positive</a:t>
-            </a:r>
-          </a:p>
-          <a:p>
-            <a:r>
-              <a:rPr lang="en-US" dirty="0"/>
-              <a:t>The MLE variance is biased</a:t>
-            </a:r>
-          </a:p>
-        </p:txBody>
-      </p:sp>
-      <p:sp>
-        <p:nvSpPr>
-          <p:cNvPr id="4" name="Slide Number Placeholder 3">
+            <a:pPr marL="0" indent="0">
+              <a:buNone/>
+            </a:pPr>
+            <a:r>
+              <a:rPr lang="fr-FR" dirty="0" err="1" smtClean="0">
+                <a:latin typeface="Courier New" panose="02070309020205020404" pitchFamily="49" charset="0"/>
+                <a:cs typeface="Courier New" panose="02070309020205020404" pitchFamily="49" charset="0"/>
+              </a:rPr>
+              <a:t>fit.tmb</a:t>
+            </a:r>
+            <a:r>
+              <a:rPr lang="fr-FR" dirty="0" smtClean="0">
+                <a:latin typeface="Courier New" panose="02070309020205020404" pitchFamily="49" charset="0"/>
+                <a:cs typeface="Courier New" panose="02070309020205020404" pitchFamily="49" charset="0"/>
+              </a:rPr>
+              <a:t> </a:t>
+            </a:r>
+            <a:r>
+              <a:rPr lang="fr-FR" dirty="0">
+                <a:latin typeface="Courier New" panose="02070309020205020404" pitchFamily="49" charset="0"/>
+                <a:cs typeface="Courier New" panose="02070309020205020404" pitchFamily="49" charset="0"/>
+              </a:rPr>
+              <a:t>&lt;- </a:t>
+            </a:r>
+            <a:r>
+              <a:rPr lang="fr-FR" dirty="0" err="1">
+                <a:latin typeface="Courier New" panose="02070309020205020404" pitchFamily="49" charset="0"/>
+                <a:cs typeface="Courier New" panose="02070309020205020404" pitchFamily="49" charset="0"/>
+              </a:rPr>
+              <a:t>nlminb</a:t>
+            </a:r>
+            <a:r>
+              <a:rPr lang="fr-FR" dirty="0">
+                <a:latin typeface="Courier New" panose="02070309020205020404" pitchFamily="49" charset="0"/>
+                <a:cs typeface="Courier New" panose="02070309020205020404" pitchFamily="49" charset="0"/>
+              </a:rPr>
+              <a:t>(start=pars,    </a:t>
+            </a:r>
+          </a:p>
+          <a:p>
+            <a:pPr marL="0" indent="0">
+              <a:buNone/>
+            </a:pPr>
+            <a:r>
+              <a:rPr lang="fr-FR" dirty="0">
+                <a:latin typeface="Courier New" panose="02070309020205020404" pitchFamily="49" charset="0"/>
+                <a:cs typeface="Courier New" panose="02070309020205020404" pitchFamily="49" charset="0"/>
+              </a:rPr>
+              <a:t>    </a:t>
+            </a:r>
+            <a:r>
+              <a:rPr lang="fr-FR" dirty="0" smtClean="0">
+                <a:latin typeface="Courier New" panose="02070309020205020404" pitchFamily="49" charset="0"/>
+                <a:cs typeface="Courier New" panose="02070309020205020404" pitchFamily="49" charset="0"/>
+              </a:rPr>
+              <a:t>   objective=</a:t>
+            </a:r>
+            <a:r>
+              <a:rPr lang="fr-FR" dirty="0" err="1" smtClean="0">
+                <a:latin typeface="Courier New" panose="02070309020205020404" pitchFamily="49" charset="0"/>
+                <a:cs typeface="Courier New" panose="02070309020205020404" pitchFamily="49" charset="0"/>
+              </a:rPr>
+              <a:t>obj$fn</a:t>
+            </a:r>
+            <a:r>
+              <a:rPr lang="fr-FR" dirty="0">
+                <a:latin typeface="Courier New" panose="02070309020205020404" pitchFamily="49" charset="0"/>
+                <a:cs typeface="Courier New" panose="02070309020205020404" pitchFamily="49" charset="0"/>
+              </a:rPr>
+              <a:t>, </a:t>
+            </a:r>
+            <a:r>
+              <a:rPr lang="fr-FR" dirty="0" smtClean="0">
+                <a:latin typeface="Courier New" panose="02070309020205020404" pitchFamily="49" charset="0"/>
+                <a:cs typeface="Courier New" panose="02070309020205020404" pitchFamily="49" charset="0"/>
+              </a:rPr>
+              <a:t>   	 gradient=</a:t>
+            </a:r>
+            <a:r>
+              <a:rPr lang="fr-FR" dirty="0" err="1" smtClean="0">
+                <a:latin typeface="Courier New" panose="02070309020205020404" pitchFamily="49" charset="0"/>
+                <a:cs typeface="Courier New" panose="02070309020205020404" pitchFamily="49" charset="0"/>
+              </a:rPr>
+              <a:t>obj$gr</a:t>
+            </a:r>
+            <a:r>
+              <a:rPr lang="fr-FR" dirty="0">
+                <a:latin typeface="Courier New" panose="02070309020205020404" pitchFamily="49" charset="0"/>
+                <a:cs typeface="Courier New" panose="02070309020205020404" pitchFamily="49" charset="0"/>
+              </a:rPr>
+              <a:t>) </a:t>
+            </a:r>
+          </a:p>
+          <a:p>
+            <a:pPr marL="0" indent="0">
+              <a:buNone/>
+            </a:pPr>
+            <a:endParaRPr lang="fr-FR" dirty="0">
+              <a:latin typeface="Courier New" panose="02070309020205020404" pitchFamily="49" charset="0"/>
+              <a:cs typeface="Courier New" panose="02070309020205020404" pitchFamily="49" charset="0"/>
+            </a:endParaRPr>
+          </a:p>
+          <a:p>
+            <a:pPr marL="0" indent="0">
+              <a:buNone/>
+            </a:pPr>
+            <a:r>
+              <a:rPr lang="fr-FR" dirty="0" err="1">
+                <a:latin typeface="Courier New" panose="02070309020205020404" pitchFamily="49" charset="0"/>
+                <a:cs typeface="Courier New" panose="02070309020205020404" pitchFamily="49" charset="0"/>
+              </a:rPr>
+              <a:t>outer</a:t>
+            </a:r>
+            <a:r>
+              <a:rPr lang="fr-FR" dirty="0">
+                <a:latin typeface="Courier New" panose="02070309020205020404" pitchFamily="49" charset="0"/>
+                <a:cs typeface="Courier New" panose="02070309020205020404" pitchFamily="49" charset="0"/>
+              </a:rPr>
+              <a:t> </a:t>
+            </a:r>
+            <a:r>
+              <a:rPr lang="fr-FR" dirty="0" err="1">
+                <a:latin typeface="Courier New" panose="02070309020205020404" pitchFamily="49" charset="0"/>
+                <a:cs typeface="Courier New" panose="02070309020205020404" pitchFamily="49" charset="0"/>
+              </a:rPr>
+              <a:t>mgc</a:t>
+            </a:r>
+            <a:r>
+              <a:rPr lang="fr-FR" dirty="0">
+                <a:latin typeface="Courier New" panose="02070309020205020404" pitchFamily="49" charset="0"/>
+                <a:cs typeface="Courier New" panose="02070309020205020404" pitchFamily="49" charset="0"/>
+              </a:rPr>
+              <a:t>:  99.40139 </a:t>
+            </a:r>
+          </a:p>
+          <a:p>
+            <a:pPr marL="0" indent="0">
+              <a:buNone/>
+            </a:pPr>
+            <a:r>
+              <a:rPr lang="fr-FR" dirty="0" err="1">
+                <a:latin typeface="Courier New" panose="02070309020205020404" pitchFamily="49" charset="0"/>
+                <a:cs typeface="Courier New" panose="02070309020205020404" pitchFamily="49" charset="0"/>
+              </a:rPr>
+              <a:t>outer</a:t>
+            </a:r>
+            <a:r>
+              <a:rPr lang="fr-FR" dirty="0">
+                <a:latin typeface="Courier New" panose="02070309020205020404" pitchFamily="49" charset="0"/>
+                <a:cs typeface="Courier New" panose="02070309020205020404" pitchFamily="49" charset="0"/>
+              </a:rPr>
+              <a:t> </a:t>
+            </a:r>
+            <a:r>
+              <a:rPr lang="fr-FR" dirty="0" err="1">
+                <a:latin typeface="Courier New" panose="02070309020205020404" pitchFamily="49" charset="0"/>
+                <a:cs typeface="Courier New" panose="02070309020205020404" pitchFamily="49" charset="0"/>
+              </a:rPr>
+              <a:t>mgc</a:t>
+            </a:r>
+            <a:r>
+              <a:rPr lang="fr-FR" dirty="0">
+                <a:latin typeface="Courier New" panose="02070309020205020404" pitchFamily="49" charset="0"/>
+                <a:cs typeface="Courier New" panose="02070309020205020404" pitchFamily="49" charset="0"/>
+              </a:rPr>
+              <a:t>:  5.990303 </a:t>
+            </a:r>
+          </a:p>
+          <a:p>
+            <a:pPr marL="0" indent="0">
+              <a:buNone/>
+            </a:pPr>
+            <a:r>
+              <a:rPr lang="fr-FR" dirty="0" err="1">
+                <a:latin typeface="Courier New" panose="02070309020205020404" pitchFamily="49" charset="0"/>
+                <a:cs typeface="Courier New" panose="02070309020205020404" pitchFamily="49" charset="0"/>
+              </a:rPr>
+              <a:t>outer</a:t>
+            </a:r>
+            <a:r>
+              <a:rPr lang="fr-FR" dirty="0">
+                <a:latin typeface="Courier New" panose="02070309020205020404" pitchFamily="49" charset="0"/>
+                <a:cs typeface="Courier New" panose="02070309020205020404" pitchFamily="49" charset="0"/>
+              </a:rPr>
+              <a:t> </a:t>
+            </a:r>
+            <a:r>
+              <a:rPr lang="fr-FR" dirty="0" err="1">
+                <a:latin typeface="Courier New" panose="02070309020205020404" pitchFamily="49" charset="0"/>
+                <a:cs typeface="Courier New" panose="02070309020205020404" pitchFamily="49" charset="0"/>
+              </a:rPr>
+              <a:t>mgc</a:t>
+            </a:r>
+            <a:r>
+              <a:rPr lang="fr-FR" dirty="0">
+                <a:latin typeface="Courier New" panose="02070309020205020404" pitchFamily="49" charset="0"/>
+                <a:cs typeface="Courier New" panose="02070309020205020404" pitchFamily="49" charset="0"/>
+              </a:rPr>
+              <a:t>:  132.3652 </a:t>
+            </a:r>
+          </a:p>
+          <a:p>
+            <a:pPr marL="0" indent="0">
+              <a:buNone/>
+            </a:pPr>
+            <a:r>
+              <a:rPr lang="fr-FR" dirty="0" err="1">
+                <a:latin typeface="Courier New" panose="02070309020205020404" pitchFamily="49" charset="0"/>
+                <a:cs typeface="Courier New" panose="02070309020205020404" pitchFamily="49" charset="0"/>
+              </a:rPr>
+              <a:t>outer</a:t>
+            </a:r>
+            <a:r>
+              <a:rPr lang="fr-FR" dirty="0">
+                <a:latin typeface="Courier New" panose="02070309020205020404" pitchFamily="49" charset="0"/>
+                <a:cs typeface="Courier New" panose="02070309020205020404" pitchFamily="49" charset="0"/>
+              </a:rPr>
+              <a:t> </a:t>
+            </a:r>
+            <a:r>
+              <a:rPr lang="fr-FR" dirty="0" err="1">
+                <a:latin typeface="Courier New" panose="02070309020205020404" pitchFamily="49" charset="0"/>
+                <a:cs typeface="Courier New" panose="02070309020205020404" pitchFamily="49" charset="0"/>
+              </a:rPr>
+              <a:t>mgc</a:t>
+            </a:r>
+            <a:r>
+              <a:rPr lang="fr-FR" dirty="0">
+                <a:latin typeface="Courier New" panose="02070309020205020404" pitchFamily="49" charset="0"/>
+                <a:cs typeface="Courier New" panose="02070309020205020404" pitchFamily="49" charset="0"/>
+              </a:rPr>
+              <a:t>:  108.0497 </a:t>
+            </a:r>
+          </a:p>
+          <a:p>
+            <a:pPr marL="0" indent="0">
+              <a:buNone/>
+            </a:pPr>
+            <a:r>
+              <a:rPr lang="fr-FR" dirty="0" err="1">
+                <a:latin typeface="Courier New" panose="02070309020205020404" pitchFamily="49" charset="0"/>
+                <a:cs typeface="Courier New" panose="02070309020205020404" pitchFamily="49" charset="0"/>
+              </a:rPr>
+              <a:t>outer</a:t>
+            </a:r>
+            <a:r>
+              <a:rPr lang="fr-FR" dirty="0">
+                <a:latin typeface="Courier New" panose="02070309020205020404" pitchFamily="49" charset="0"/>
+                <a:cs typeface="Courier New" panose="02070309020205020404" pitchFamily="49" charset="0"/>
+              </a:rPr>
+              <a:t> </a:t>
+            </a:r>
+            <a:r>
+              <a:rPr lang="fr-FR" dirty="0" err="1">
+                <a:latin typeface="Courier New" panose="02070309020205020404" pitchFamily="49" charset="0"/>
+                <a:cs typeface="Courier New" panose="02070309020205020404" pitchFamily="49" charset="0"/>
+              </a:rPr>
+              <a:t>mgc</a:t>
+            </a:r>
+            <a:r>
+              <a:rPr lang="fr-FR" dirty="0">
+                <a:latin typeface="Courier New" panose="02070309020205020404" pitchFamily="49" charset="0"/>
+                <a:cs typeface="Courier New" panose="02070309020205020404" pitchFamily="49" charset="0"/>
+              </a:rPr>
+              <a:t>:  4.673943 </a:t>
+            </a:r>
+          </a:p>
+          <a:p>
+            <a:pPr marL="0" indent="0">
+              <a:buNone/>
+            </a:pPr>
+            <a:r>
+              <a:rPr lang="fr-FR" dirty="0">
+                <a:latin typeface="Courier New" panose="02070309020205020404" pitchFamily="49" charset="0"/>
+                <a:cs typeface="Courier New" panose="02070309020205020404" pitchFamily="49" charset="0"/>
+              </a:rPr>
+              <a:t>…</a:t>
+            </a:r>
+          </a:p>
+          <a:p>
+            <a:pPr marL="0" indent="0">
+              <a:buNone/>
+            </a:pPr>
+            <a:r>
+              <a:rPr lang="fr-FR" dirty="0" err="1">
+                <a:latin typeface="Courier New" panose="02070309020205020404" pitchFamily="49" charset="0"/>
+                <a:cs typeface="Courier New" panose="02070309020205020404" pitchFamily="49" charset="0"/>
+              </a:rPr>
+              <a:t>outer</a:t>
+            </a:r>
+            <a:r>
+              <a:rPr lang="fr-FR" dirty="0">
+                <a:latin typeface="Courier New" panose="02070309020205020404" pitchFamily="49" charset="0"/>
+                <a:cs typeface="Courier New" panose="02070309020205020404" pitchFamily="49" charset="0"/>
+              </a:rPr>
+              <a:t> </a:t>
+            </a:r>
+            <a:r>
+              <a:rPr lang="fr-FR" dirty="0" err="1">
+                <a:latin typeface="Courier New" panose="02070309020205020404" pitchFamily="49" charset="0"/>
+                <a:cs typeface="Courier New" panose="02070309020205020404" pitchFamily="49" charset="0"/>
+              </a:rPr>
+              <a:t>mgc</a:t>
+            </a:r>
+            <a:r>
+              <a:rPr lang="fr-FR" dirty="0">
+                <a:latin typeface="Courier New" panose="02070309020205020404" pitchFamily="49" charset="0"/>
+                <a:cs typeface="Courier New" panose="02070309020205020404" pitchFamily="49" charset="0"/>
+              </a:rPr>
+              <a:t>:  0.1184033 </a:t>
+            </a:r>
+          </a:p>
+          <a:p>
+            <a:pPr marL="0" indent="0">
+              <a:buNone/>
+            </a:pPr>
+            <a:r>
+              <a:rPr lang="fr-FR" dirty="0" err="1">
+                <a:latin typeface="Courier New" panose="02070309020205020404" pitchFamily="49" charset="0"/>
+                <a:cs typeface="Courier New" panose="02070309020205020404" pitchFamily="49" charset="0"/>
+              </a:rPr>
+              <a:t>outer</a:t>
+            </a:r>
+            <a:r>
+              <a:rPr lang="fr-FR" dirty="0">
+                <a:latin typeface="Courier New" panose="02070309020205020404" pitchFamily="49" charset="0"/>
+                <a:cs typeface="Courier New" panose="02070309020205020404" pitchFamily="49" charset="0"/>
+              </a:rPr>
+              <a:t> </a:t>
+            </a:r>
+            <a:r>
+              <a:rPr lang="fr-FR" dirty="0" err="1">
+                <a:latin typeface="Courier New" panose="02070309020205020404" pitchFamily="49" charset="0"/>
+                <a:cs typeface="Courier New" panose="02070309020205020404" pitchFamily="49" charset="0"/>
+              </a:rPr>
+              <a:t>mgc</a:t>
+            </a:r>
+            <a:r>
+              <a:rPr lang="fr-FR" dirty="0">
+                <a:latin typeface="Courier New" panose="02070309020205020404" pitchFamily="49" charset="0"/>
+                <a:cs typeface="Courier New" panose="02070309020205020404" pitchFamily="49" charset="0"/>
+              </a:rPr>
+              <a:t>:  0.005721744 </a:t>
+            </a:r>
+          </a:p>
+          <a:p>
+            <a:pPr marL="0" indent="0">
+              <a:buNone/>
+            </a:pPr>
+            <a:r>
+              <a:rPr lang="fr-FR" dirty="0" err="1">
+                <a:latin typeface="Courier New" panose="02070309020205020404" pitchFamily="49" charset="0"/>
+                <a:cs typeface="Courier New" panose="02070309020205020404" pitchFamily="49" charset="0"/>
+              </a:rPr>
+              <a:t>outer</a:t>
+            </a:r>
+            <a:r>
+              <a:rPr lang="fr-FR" dirty="0">
+                <a:latin typeface="Courier New" panose="02070309020205020404" pitchFamily="49" charset="0"/>
+                <a:cs typeface="Courier New" panose="02070309020205020404" pitchFamily="49" charset="0"/>
+              </a:rPr>
+              <a:t> </a:t>
+            </a:r>
+            <a:r>
+              <a:rPr lang="fr-FR" dirty="0" err="1">
+                <a:latin typeface="Courier New" panose="02070309020205020404" pitchFamily="49" charset="0"/>
+                <a:cs typeface="Courier New" panose="02070309020205020404" pitchFamily="49" charset="0"/>
+              </a:rPr>
+              <a:t>mgc</a:t>
+            </a:r>
+            <a:r>
+              <a:rPr lang="fr-FR" dirty="0">
+                <a:latin typeface="Courier New" panose="02070309020205020404" pitchFamily="49" charset="0"/>
+                <a:cs typeface="Courier New" panose="02070309020205020404" pitchFamily="49" charset="0"/>
+              </a:rPr>
+              <a:t>:  0.0002056732 </a:t>
+            </a:r>
+          </a:p>
+          <a:p>
+            <a:pPr marL="0" indent="0">
+              <a:buNone/>
+            </a:pPr>
+            <a:r>
+              <a:rPr lang="fr-FR" dirty="0" err="1">
+                <a:latin typeface="Courier New" panose="02070309020205020404" pitchFamily="49" charset="0"/>
+                <a:cs typeface="Courier New" panose="02070309020205020404" pitchFamily="49" charset="0"/>
+              </a:rPr>
+              <a:t>outer</a:t>
+            </a:r>
+            <a:r>
+              <a:rPr lang="fr-FR" dirty="0">
+                <a:latin typeface="Courier New" panose="02070309020205020404" pitchFamily="49" charset="0"/>
+                <a:cs typeface="Courier New" panose="02070309020205020404" pitchFamily="49" charset="0"/>
+              </a:rPr>
+              <a:t> </a:t>
+            </a:r>
+            <a:r>
+              <a:rPr lang="fr-FR" dirty="0" err="1">
+                <a:latin typeface="Courier New" panose="02070309020205020404" pitchFamily="49" charset="0"/>
+                <a:cs typeface="Courier New" panose="02070309020205020404" pitchFamily="49" charset="0"/>
+              </a:rPr>
+              <a:t>mgc</a:t>
+            </a:r>
+            <a:r>
+              <a:rPr lang="fr-FR" dirty="0">
+                <a:latin typeface="Courier New" panose="02070309020205020404" pitchFamily="49" charset="0"/>
+                <a:cs typeface="Courier New" panose="02070309020205020404" pitchFamily="49" charset="0"/>
+              </a:rPr>
+              <a:t>:  1.404738e-05 </a:t>
+            </a:r>
+            <a:endParaRPr lang="fr-FR" dirty="0"/>
+          </a:p>
+          <a:p>
+            <a:pPr marL="0" indent="0">
+              <a:buNone/>
+            </a:pPr>
+            <a:endParaRPr lang="en-US" dirty="0"/>
+          </a:p>
+        </p:txBody>
+      </p:sp>
+      <p:sp>
+        <p:nvSpPr>
+          <p:cNvPr id="4" name="TextBox 3">
             <a:extLst>
               <a:ext uri="{FF2B5EF4-FFF2-40B4-BE49-F238E27FC236}">
-                <a16:creationId xmlns:a16="http://schemas.microsoft.com/office/drawing/2014/main" id="{E6A8618B-B9B1-4A31-9BEE-0CC8E029A095}"/>
+                <a16:creationId xmlns:a16="http://schemas.microsoft.com/office/drawing/2014/main" id="{BE46B4E4-C92C-4485-A8A5-67181ED046FC}"/>
+              </a:ext>
+            </a:extLst>
+          </p:cNvPr>
+          <p:cNvSpPr txBox="1"/>
+          <p:nvPr/>
+        </p:nvSpPr>
+        <p:spPr>
+          <a:xfrm>
+            <a:off x="409575" y="1305560"/>
+            <a:ext cx="4257675" cy="4524315"/>
+          </a:xfrm>
+          <a:prstGeom prst="rect">
+            <a:avLst/>
+          </a:prstGeom>
+          <a:noFill/>
+        </p:spPr>
+        <p:txBody>
+          <a:bodyPr wrap="square" rtlCol="0">
+            <a:spAutoFit/>
+          </a:bodyPr>
+          <a:lstStyle/>
+          <a:p>
+            <a:pPr marL="342900" indent="-342900">
+              <a:buFont typeface="Arial" panose="020B0604020202020204" pitchFamily="34" charset="0"/>
+              <a:buChar char="•"/>
+            </a:pPr>
+            <a:r>
+              <a:rPr lang="en-US" sz="2400" dirty="0"/>
+              <a:t>TMB prints the maximum gradient component (</a:t>
+            </a:r>
+            <a:r>
+              <a:rPr lang="en-US" sz="2400" dirty="0" err="1"/>
+              <a:t>mgc</a:t>
+            </a:r>
+            <a:r>
+              <a:rPr lang="en-US" sz="2400" dirty="0"/>
+              <a:t>) at each iteration (step) </a:t>
+            </a:r>
+          </a:p>
+          <a:p>
+            <a:pPr marL="342900" indent="-342900">
+              <a:buFont typeface="Arial" panose="020B0604020202020204" pitchFamily="34" charset="0"/>
+              <a:buChar char="•"/>
+            </a:pPr>
+            <a:r>
+              <a:rPr lang="en-US" sz="2400" dirty="0"/>
+              <a:t>Getting smaller and smaller</a:t>
+            </a:r>
+          </a:p>
+          <a:p>
+            <a:pPr marL="342900" indent="-342900">
+              <a:buFont typeface="Arial" panose="020B0604020202020204" pitchFamily="34" charset="0"/>
+              <a:buChar char="•"/>
+            </a:pPr>
+            <a:endParaRPr lang="en-US" sz="2400" dirty="0"/>
+          </a:p>
+          <a:p>
+            <a:pPr marL="342900" indent="-342900">
+              <a:buFont typeface="Arial" panose="020B0604020202020204" pitchFamily="34" charset="0"/>
+              <a:buChar char="•"/>
+            </a:pPr>
+            <a:r>
+              <a:rPr lang="en-US" sz="2400" dirty="0"/>
+              <a:t>What happens if we evaluate the gradient function at the MLE?</a:t>
+            </a:r>
+          </a:p>
+          <a:p>
+            <a:pPr marL="342900" indent="-342900">
+              <a:buFont typeface="Arial" panose="020B0604020202020204" pitchFamily="34" charset="0"/>
+              <a:buChar char="•"/>
+            </a:pPr>
+            <a:endParaRPr lang="en-US" sz="2400" dirty="0"/>
+          </a:p>
+          <a:p>
+            <a:pPr marL="342900" indent="-342900">
+              <a:buFont typeface="Arial" panose="020B0604020202020204" pitchFamily="34" charset="0"/>
+              <a:buChar char="•"/>
+            </a:pPr>
+            <a:r>
+              <a:rPr lang="en-US" sz="2400" dirty="0"/>
+              <a:t>Note: </a:t>
+            </a:r>
+            <a:r>
+              <a:rPr lang="en-US" sz="2400" u="sng" dirty="0"/>
+              <a:t>R has no idea it is using TMB</a:t>
+            </a:r>
+            <a:r>
+              <a:rPr lang="en-US" sz="2400" dirty="0"/>
+              <a:t>!</a:t>
+            </a:r>
+          </a:p>
+          <a:p>
+            <a:endParaRPr lang="en-US" sz="2400" dirty="0"/>
+          </a:p>
+        </p:txBody>
+      </p:sp>
+      <p:sp>
+        <p:nvSpPr>
+          <p:cNvPr id="5" name="Slide Number Placeholder 4">
+            <a:extLst>
+              <a:ext uri="{FF2B5EF4-FFF2-40B4-BE49-F238E27FC236}">
+                <a16:creationId xmlns:a16="http://schemas.microsoft.com/office/drawing/2014/main" id="{C55D7D00-DD19-4CF5-8452-8C0D5029EB9F}"/>
               </a:ext>
             </a:extLst>
           </p:cNvPr>
@@ -9126,7 +9484,7 @@
     </p:spTree>
     <p:extLst>
       <p:ext uri="{BB962C8B-B14F-4D97-AF65-F5344CB8AC3E}">
-        <p14:creationId xmlns:p14="http://schemas.microsoft.com/office/powerpoint/2010/main" val="2487132151"/>
+        <p14:creationId xmlns:p14="http://schemas.microsoft.com/office/powerpoint/2010/main" val="4102673430"/>
       </p:ext>
     </p:extLst>
   </p:cSld>
@@ -9158,7 +9516,7 @@
           <p:cNvPr id="2" name="Title 1">
             <a:extLst>
               <a:ext uri="{FF2B5EF4-FFF2-40B4-BE49-F238E27FC236}">
-                <a16:creationId xmlns:a16="http://schemas.microsoft.com/office/drawing/2014/main" id="{FCBFC5CE-BEBE-4178-A0B5-F030F3C46F4F}"/>
+                <a16:creationId xmlns:a16="http://schemas.microsoft.com/office/drawing/2014/main" id="{89A13C5A-3E4F-4B8F-97A5-15A77EB48721}"/>
               </a:ext>
             </a:extLst>
           </p:cNvPr>
@@ -9176,7 +9534,7 @@
           <a:p>
             <a:r>
               <a:rPr lang="en-US" dirty="0"/>
-              <a:t>Questions?</a:t>
+              <a:t>What about the variance term?</a:t>
             </a:r>
           </a:p>
         </p:txBody>
@@ -9186,7 +9544,7 @@
           <p:cNvPr id="3" name="Content Placeholder 2">
             <a:extLst>
               <a:ext uri="{FF2B5EF4-FFF2-40B4-BE49-F238E27FC236}">
-                <a16:creationId xmlns:a16="http://schemas.microsoft.com/office/drawing/2014/main" id="{0A016C73-5DDF-46EE-ACD4-1B95CD8285D4}"/>
+                <a16:creationId xmlns:a16="http://schemas.microsoft.com/office/drawing/2014/main" id="{B75669AA-3D09-47C5-AC5C-3456AD8B0916}"/>
               </a:ext>
             </a:extLst>
           </p:cNvPr>
@@ -9197,12 +9555,117 @@
             <p:ph idx="1"/>
           </p:nvPr>
         </p:nvSpPr>
-        <p:spPr/>
-        <p:txBody>
-          <a:bodyPr/>
+        <p:spPr>
+          <a:xfrm>
+            <a:off x="457200" y="1212112"/>
+            <a:ext cx="8229600" cy="4918813"/>
+          </a:xfrm>
+        </p:spPr>
+        <p:txBody>
+          <a:bodyPr>
+            <a:normAutofit fontScale="92500" lnSpcReduction="10000"/>
+          </a:bodyPr>
           <a:lstStyle/>
           <a:p>
-            <a:endParaRPr lang="en-US"/>
+            <a:r>
+              <a:rPr lang="en-US" dirty="0"/>
+              <a:t>R shows the variance estimate in the summary() </a:t>
+            </a:r>
+          </a:p>
+          <a:p>
+            <a:pPr marL="0" indent="0">
+              <a:buNone/>
+            </a:pPr>
+            <a:r>
+              <a:rPr lang="en-US" sz="2600" dirty="0">
+                <a:latin typeface="Courier New" panose="02070309020205020404" pitchFamily="49" charset="0"/>
+                <a:cs typeface="Courier New" panose="02070309020205020404" pitchFamily="49" charset="0"/>
+              </a:rPr>
+              <a:t>Residual standard error: 0.07255</a:t>
+            </a:r>
+          </a:p>
+          <a:p>
+            <a:r>
+              <a:rPr lang="en-US" dirty="0"/>
+              <a:t>Does this match our MLE?</a:t>
+            </a:r>
+          </a:p>
+          <a:p>
+            <a:pPr marL="0" indent="0">
+              <a:buNone/>
+            </a:pPr>
+            <a:r>
+              <a:rPr lang="fr-FR" sz="2600" dirty="0">
+                <a:latin typeface="Courier New" panose="02070309020205020404" pitchFamily="49" charset="0"/>
+                <a:cs typeface="Courier New" panose="02070309020205020404" pitchFamily="49" charset="0"/>
+              </a:rPr>
+              <a:t>&gt; </a:t>
+            </a:r>
+            <a:r>
+              <a:rPr lang="fr-FR" sz="2600" dirty="0" err="1">
+                <a:latin typeface="Courier New" panose="02070309020205020404" pitchFamily="49" charset="0"/>
+                <a:cs typeface="Courier New" panose="02070309020205020404" pitchFamily="49" charset="0"/>
+              </a:rPr>
+              <a:t>exp</a:t>
+            </a:r>
+            <a:r>
+              <a:rPr lang="fr-FR" sz="2600" dirty="0">
+                <a:latin typeface="Courier New" panose="02070309020205020404" pitchFamily="49" charset="0"/>
+                <a:cs typeface="Courier New" panose="02070309020205020404" pitchFamily="49" charset="0"/>
+              </a:rPr>
+              <a:t>(</a:t>
+            </a:r>
+            <a:r>
+              <a:rPr lang="fr-FR" sz="2600" dirty="0" err="1">
+                <a:latin typeface="Courier New" panose="02070309020205020404" pitchFamily="49" charset="0"/>
+                <a:cs typeface="Courier New" panose="02070309020205020404" pitchFamily="49" charset="0"/>
+              </a:rPr>
+              <a:t>fit.tmb$par</a:t>
+            </a:r>
+            <a:r>
+              <a:rPr lang="fr-FR" sz="2600" dirty="0">
+                <a:latin typeface="Courier New" panose="02070309020205020404" pitchFamily="49" charset="0"/>
+                <a:cs typeface="Courier New" panose="02070309020205020404" pitchFamily="49" charset="0"/>
+              </a:rPr>
+              <a:t>[3])  [1] 0.06488976</a:t>
+            </a:r>
+            <a:endParaRPr lang="en-US" sz="2600" dirty="0">
+              <a:latin typeface="Courier New" panose="02070309020205020404" pitchFamily="49" charset="0"/>
+              <a:cs typeface="Courier New" panose="02070309020205020404" pitchFamily="49" charset="0"/>
+            </a:endParaRPr>
+          </a:p>
+          <a:p>
+            <a:r>
+              <a:rPr lang="en-US" b="1" dirty="0"/>
+              <a:t>No</a:t>
+            </a:r>
+            <a:r>
+              <a:rPr lang="en-US" dirty="0"/>
+              <a:t>! </a:t>
+            </a:r>
+            <a:r>
+              <a:rPr lang="en-US" dirty="0" err="1">
+                <a:latin typeface="Courier New" panose="02070309020205020404" pitchFamily="49" charset="0"/>
+                <a:cs typeface="Courier New" panose="02070309020205020404" pitchFamily="49" charset="0"/>
+              </a:rPr>
+              <a:t>lm</a:t>
+            </a:r>
+            <a:r>
+              <a:rPr lang="en-US" dirty="0"/>
+              <a:t> does not use maximum likelihood to estimate the variance!!</a:t>
+            </a:r>
+          </a:p>
+          <a:p>
+            <a:r>
+              <a:rPr lang="en-US" dirty="0"/>
+              <a:t>It uses Restricted Maximum Likelihood (REML) which is better in this case (we will do this with TMB later)</a:t>
+            </a:r>
+          </a:p>
+          <a:p>
+            <a:r>
+              <a:rPr lang="en-US" dirty="0"/>
+              <a:t>Remember: MLEs can be biased (and are for variances)</a:t>
+            </a:r>
           </a:p>
         </p:txBody>
       </p:sp>
@@ -9211,7 +9674,7 @@
           <p:cNvPr id="4" name="Slide Number Placeholder 3">
             <a:extLst>
               <a:ext uri="{FF2B5EF4-FFF2-40B4-BE49-F238E27FC236}">
-                <a16:creationId xmlns:a16="http://schemas.microsoft.com/office/drawing/2014/main" id="{9EC15119-7A83-4B50-8E95-42B54138CF67}"/>
+                <a16:creationId xmlns:a16="http://schemas.microsoft.com/office/drawing/2014/main" id="{954DA3B1-45D2-4592-8577-48EEE565D42C}"/>
               </a:ext>
             </a:extLst>
           </p:cNvPr>
@@ -9238,7 +9701,7 @@
     </p:spTree>
     <p:extLst>
       <p:ext uri="{BB962C8B-B14F-4D97-AF65-F5344CB8AC3E}">
-        <p14:creationId xmlns:p14="http://schemas.microsoft.com/office/powerpoint/2010/main" val="4157158810"/>
+        <p14:creationId xmlns:p14="http://schemas.microsoft.com/office/powerpoint/2010/main" val="4050485165"/>
       </p:ext>
     </p:extLst>
   </p:cSld>
@@ -9412,6 +9875,299 @@
     <p:extLst>
       <p:ext uri="{BB962C8B-B14F-4D97-AF65-F5344CB8AC3E}">
         <p14:creationId xmlns:p14="http://schemas.microsoft.com/office/powerpoint/2010/main" val="914564670"/>
+      </p:ext>
+    </p:extLst>
+  </p:cSld>
+  <p:clrMapOvr>
+    <a:masterClrMapping/>
+  </p:clrMapOvr>
+</p:sld>
+</file>
+
+<file path=ppt/slides/slide20.xml><?xml version="1.0" encoding="utf-8"?>
+<p:sld xmlns:a="http://schemas.openxmlformats.org/drawingml/2006/main" xmlns:r="http://schemas.openxmlformats.org/officeDocument/2006/relationships" xmlns:p="http://schemas.openxmlformats.org/presentationml/2006/main">
+  <p:cSld>
+    <p:spTree>
+      <p:nvGrpSpPr>
+        <p:cNvPr id="1" name=""/>
+        <p:cNvGrpSpPr/>
+        <p:nvPr/>
+      </p:nvGrpSpPr>
+      <p:grpSpPr>
+        <a:xfrm>
+          <a:off x="0" y="0"/>
+          <a:ext cx="0" cy="0"/>
+          <a:chOff x="0" y="0"/>
+          <a:chExt cx="0" cy="0"/>
+        </a:xfrm>
+      </p:grpSpPr>
+      <p:sp>
+        <p:nvSpPr>
+          <p:cNvPr id="2" name="Title 1">
+            <a:extLst>
+              <a:ext uri="{FF2B5EF4-FFF2-40B4-BE49-F238E27FC236}">
+                <a16:creationId xmlns:a16="http://schemas.microsoft.com/office/drawing/2014/main" id="{8C2C8A96-85A4-4FC4-B33C-A44B37007557}"/>
+              </a:ext>
+            </a:extLst>
+          </p:cNvPr>
+          <p:cNvSpPr>
+            <a:spLocks noGrp="1"/>
+          </p:cNvSpPr>
+          <p:nvPr>
+            <p:ph type="title"/>
+          </p:nvPr>
+        </p:nvSpPr>
+        <p:spPr/>
+        <p:txBody>
+          <a:bodyPr/>
+          <a:lstStyle/>
+          <a:p>
+            <a:r>
+              <a:rPr lang="en-US" dirty="0"/>
+              <a:t>Review of key concepts</a:t>
+            </a:r>
+          </a:p>
+        </p:txBody>
+      </p:sp>
+      <p:sp>
+        <p:nvSpPr>
+          <p:cNvPr id="3" name="Content Placeholder 2">
+            <a:extLst>
+              <a:ext uri="{FF2B5EF4-FFF2-40B4-BE49-F238E27FC236}">
+                <a16:creationId xmlns:a16="http://schemas.microsoft.com/office/drawing/2014/main" id="{8AE79BED-0639-40D3-8E92-030D2742C4EC}"/>
+              </a:ext>
+            </a:extLst>
+          </p:cNvPr>
+          <p:cNvSpPr>
+            <a:spLocks noGrp="1"/>
+          </p:cNvSpPr>
+          <p:nvPr>
+            <p:ph idx="1"/>
+          </p:nvPr>
+        </p:nvSpPr>
+        <p:spPr>
+          <a:xfrm>
+            <a:off x="457200" y="1417638"/>
+            <a:ext cx="8229600" cy="4530725"/>
+          </a:xfrm>
+        </p:spPr>
+        <p:txBody>
+          <a:bodyPr/>
+          <a:lstStyle/>
+          <a:p>
+            <a:r>
+              <a:rPr lang="en-US" dirty="0" smtClean="0"/>
+              <a:t>Given data and a model expectation, can calculate likelihoods </a:t>
+            </a:r>
+            <a:endParaRPr lang="en-US" dirty="0" smtClean="0"/>
+          </a:p>
+          <a:p>
+            <a:r>
+              <a:rPr lang="en-US" dirty="0" smtClean="0"/>
+              <a:t>To </a:t>
+            </a:r>
+            <a:r>
+              <a:rPr lang="en-US" dirty="0"/>
+              <a:t>“fit” statistical models we </a:t>
+            </a:r>
+            <a:r>
+              <a:rPr lang="en-US" dirty="0" smtClean="0"/>
+              <a:t>numerically optimize the –log-likelihood </a:t>
+            </a:r>
+            <a:r>
+              <a:rPr lang="en-US" dirty="0"/>
+              <a:t>to find the </a:t>
+            </a:r>
+            <a:r>
+              <a:rPr lang="en-US" dirty="0" smtClean="0"/>
+              <a:t>MLE</a:t>
+            </a:r>
+          </a:p>
+          <a:p>
+            <a:pPr lvl="1"/>
+            <a:r>
+              <a:rPr lang="en-US" dirty="0" smtClean="0"/>
+              <a:t>Same as maximizing the likelihood</a:t>
+            </a:r>
+            <a:endParaRPr lang="en-US" dirty="0"/>
+          </a:p>
+          <a:p>
+            <a:r>
+              <a:rPr lang="en-US" dirty="0" smtClean="0"/>
+              <a:t>Optimization </a:t>
+            </a:r>
+            <a:r>
+              <a:rPr lang="en-US" dirty="0"/>
+              <a:t>is better with gradients, and TMB calculates those easily</a:t>
+            </a:r>
+          </a:p>
+          <a:p>
+            <a:r>
+              <a:rPr lang="en-US" dirty="0"/>
+              <a:t>We use </a:t>
+            </a:r>
+            <a:r>
+              <a:rPr lang="en-US" dirty="0" err="1"/>
+              <a:t>exp</a:t>
+            </a:r>
+            <a:r>
+              <a:rPr lang="en-US" dirty="0"/>
+              <a:t>() to keep parameters positive</a:t>
+            </a:r>
+          </a:p>
+          <a:p>
+            <a:r>
+              <a:rPr lang="en-US" dirty="0"/>
+              <a:t>The MLE variance is biased</a:t>
+            </a:r>
+          </a:p>
+        </p:txBody>
+      </p:sp>
+      <p:sp>
+        <p:nvSpPr>
+          <p:cNvPr id="4" name="Slide Number Placeholder 3">
+            <a:extLst>
+              <a:ext uri="{FF2B5EF4-FFF2-40B4-BE49-F238E27FC236}">
+                <a16:creationId xmlns:a16="http://schemas.microsoft.com/office/drawing/2014/main" id="{E6A8618B-B9B1-4A31-9BEE-0CC8E029A095}"/>
+              </a:ext>
+            </a:extLst>
+          </p:cNvPr>
+          <p:cNvSpPr>
+            <a:spLocks noGrp="1"/>
+          </p:cNvSpPr>
+          <p:nvPr>
+            <p:ph type="sldNum" sz="quarter" idx="12"/>
+          </p:nvPr>
+        </p:nvSpPr>
+        <p:spPr/>
+        <p:txBody>
+          <a:bodyPr/>
+          <a:lstStyle/>
+          <a:p>
+            <a:fld id="{A90099C9-4CB8-9A40-B745-9AB270505907}" type="slidenum">
+              <a:rPr lang="en-US" smtClean="0"/>
+              <a:t>20</a:t>
+            </a:fld>
+            <a:endParaRPr lang="en-US"/>
+          </a:p>
+        </p:txBody>
+      </p:sp>
+    </p:spTree>
+    <p:extLst>
+      <p:ext uri="{BB962C8B-B14F-4D97-AF65-F5344CB8AC3E}">
+        <p14:creationId xmlns:p14="http://schemas.microsoft.com/office/powerpoint/2010/main" val="2487132151"/>
+      </p:ext>
+    </p:extLst>
+  </p:cSld>
+  <p:clrMapOvr>
+    <a:masterClrMapping/>
+  </p:clrMapOvr>
+</p:sld>
+</file>
+
+<file path=ppt/slides/slide21.xml><?xml version="1.0" encoding="utf-8"?>
+<p:sld xmlns:a="http://schemas.openxmlformats.org/drawingml/2006/main" xmlns:r="http://schemas.openxmlformats.org/officeDocument/2006/relationships" xmlns:p="http://schemas.openxmlformats.org/presentationml/2006/main">
+  <p:cSld>
+    <p:spTree>
+      <p:nvGrpSpPr>
+        <p:cNvPr id="1" name=""/>
+        <p:cNvGrpSpPr/>
+        <p:nvPr/>
+      </p:nvGrpSpPr>
+      <p:grpSpPr>
+        <a:xfrm>
+          <a:off x="0" y="0"/>
+          <a:ext cx="0" cy="0"/>
+          <a:chOff x="0" y="0"/>
+          <a:chExt cx="0" cy="0"/>
+        </a:xfrm>
+      </p:grpSpPr>
+      <p:sp>
+        <p:nvSpPr>
+          <p:cNvPr id="2" name="Title 1">
+            <a:extLst>
+              <a:ext uri="{FF2B5EF4-FFF2-40B4-BE49-F238E27FC236}">
+                <a16:creationId xmlns:a16="http://schemas.microsoft.com/office/drawing/2014/main" id="{FCBFC5CE-BEBE-4178-A0B5-F030F3C46F4F}"/>
+              </a:ext>
+            </a:extLst>
+          </p:cNvPr>
+          <p:cNvSpPr>
+            <a:spLocks noGrp="1"/>
+          </p:cNvSpPr>
+          <p:nvPr>
+            <p:ph type="title"/>
+          </p:nvPr>
+        </p:nvSpPr>
+        <p:spPr/>
+        <p:txBody>
+          <a:bodyPr/>
+          <a:lstStyle/>
+          <a:p>
+            <a:r>
+              <a:rPr lang="en-US" dirty="0"/>
+              <a:t>Questions?</a:t>
+            </a:r>
+          </a:p>
+        </p:txBody>
+      </p:sp>
+      <p:sp>
+        <p:nvSpPr>
+          <p:cNvPr id="3" name="Content Placeholder 2">
+            <a:extLst>
+              <a:ext uri="{FF2B5EF4-FFF2-40B4-BE49-F238E27FC236}">
+                <a16:creationId xmlns:a16="http://schemas.microsoft.com/office/drawing/2014/main" id="{0A016C73-5DDF-46EE-ACD4-1B95CD8285D4}"/>
+              </a:ext>
+            </a:extLst>
+          </p:cNvPr>
+          <p:cNvSpPr>
+            <a:spLocks noGrp="1"/>
+          </p:cNvSpPr>
+          <p:nvPr>
+            <p:ph idx="1"/>
+          </p:nvPr>
+        </p:nvSpPr>
+        <p:spPr/>
+        <p:txBody>
+          <a:bodyPr/>
+          <a:lstStyle/>
+          <a:p>
+            <a:endParaRPr lang="en-US"/>
+          </a:p>
+        </p:txBody>
+      </p:sp>
+      <p:sp>
+        <p:nvSpPr>
+          <p:cNvPr id="4" name="Slide Number Placeholder 3">
+            <a:extLst>
+              <a:ext uri="{FF2B5EF4-FFF2-40B4-BE49-F238E27FC236}">
+                <a16:creationId xmlns:a16="http://schemas.microsoft.com/office/drawing/2014/main" id="{9EC15119-7A83-4B50-8E95-42B54138CF67}"/>
+              </a:ext>
+            </a:extLst>
+          </p:cNvPr>
+          <p:cNvSpPr>
+            <a:spLocks noGrp="1"/>
+          </p:cNvSpPr>
+          <p:nvPr>
+            <p:ph type="sldNum" sz="quarter" idx="12"/>
+          </p:nvPr>
+        </p:nvSpPr>
+        <p:spPr/>
+        <p:txBody>
+          <a:bodyPr/>
+          <a:lstStyle/>
+          <a:p>
+            <a:fld id="{A90099C9-4CB8-9A40-B745-9AB270505907}" type="slidenum">
+              <a:rPr lang="en-US" smtClean="0"/>
+              <a:t>21</a:t>
+            </a:fld>
+            <a:endParaRPr lang="en-US"/>
+          </a:p>
+        </p:txBody>
+      </p:sp>
+    </p:spTree>
+    <p:extLst>
+      <p:ext uri="{BB962C8B-B14F-4D97-AF65-F5344CB8AC3E}">
+        <p14:creationId xmlns:p14="http://schemas.microsoft.com/office/powerpoint/2010/main" val="4157158810"/>
       </p:ext>
     </p:extLst>
   </p:cSld>
@@ -10483,6 +11239,1543 @@
       </p:grpSpPr>
       <p:sp>
         <p:nvSpPr>
+          <p:cNvPr id="2" name="Title 1"/>
+          <p:cNvSpPr>
+            <a:spLocks noGrp="1"/>
+          </p:cNvSpPr>
+          <p:nvPr>
+            <p:ph type="title"/>
+          </p:nvPr>
+        </p:nvSpPr>
+        <p:spPr/>
+        <p:txBody>
+          <a:bodyPr/>
+          <a:lstStyle/>
+          <a:p>
+            <a:r>
+              <a:rPr lang="en-US" dirty="0" smtClean="0"/>
+              <a:t>Probabilities vs likelihoods</a:t>
+            </a:r>
+            <a:endParaRPr lang="en-US" dirty="0"/>
+          </a:p>
+        </p:txBody>
+      </p:sp>
+      <p:sp>
+        <p:nvSpPr>
+          <p:cNvPr id="3" name="Content Placeholder 2"/>
+          <p:cNvSpPr>
+            <a:spLocks noGrp="1"/>
+          </p:cNvSpPr>
+          <p:nvPr>
+            <p:ph idx="1"/>
+          </p:nvPr>
+        </p:nvSpPr>
+        <p:spPr>
+          <a:xfrm>
+            <a:off x="448235" y="1233201"/>
+            <a:ext cx="7171765" cy="4530725"/>
+          </a:xfrm>
+        </p:spPr>
+        <p:txBody>
+          <a:bodyPr/>
+          <a:lstStyle/>
+          <a:p>
+            <a:pPr marL="0" indent="0">
+              <a:buNone/>
+            </a:pPr>
+            <a:r>
+              <a:rPr lang="en-US" dirty="0" smtClean="0"/>
+              <a:t>Simple example:</a:t>
+            </a:r>
+          </a:p>
+          <a:p>
+            <a:r>
+              <a:rPr lang="en-US" dirty="0" smtClean="0"/>
+              <a:t>We flip a fair coin 50 </a:t>
+            </a:r>
+            <a:br>
+              <a:rPr lang="en-US" dirty="0" smtClean="0"/>
+            </a:br>
+            <a:r>
+              <a:rPr lang="en-US" dirty="0" smtClean="0"/>
+              <a:t>times</a:t>
+            </a:r>
+          </a:p>
+          <a:p>
+            <a:r>
+              <a:rPr lang="en-US" dirty="0" err="1" smtClean="0"/>
+              <a:t>Pr</a:t>
+            </a:r>
+            <a:r>
+              <a:rPr lang="en-US" dirty="0" smtClean="0"/>
+              <a:t>(heads)=p=0.5</a:t>
+            </a:r>
+          </a:p>
+          <a:p>
+            <a:r>
+              <a:rPr lang="en-US" dirty="0" smtClean="0"/>
+              <a:t>What is the probability</a:t>
+            </a:r>
+            <a:br>
+              <a:rPr lang="en-US" dirty="0" smtClean="0"/>
+            </a:br>
+            <a:r>
+              <a:rPr lang="en-US" dirty="0" smtClean="0"/>
+              <a:t>of getting x=# heads={0,1,..50}?</a:t>
+            </a:r>
+          </a:p>
+          <a:p>
+            <a:pPr marL="0" indent="0">
+              <a:buNone/>
+            </a:pPr>
+            <a:r>
+              <a:rPr lang="en-US" sz="2400" dirty="0" smtClean="0">
+                <a:latin typeface="Courier New" panose="02070309020205020404" pitchFamily="49" charset="0"/>
+                <a:cs typeface="Courier New" panose="02070309020205020404" pitchFamily="49" charset="0"/>
+              </a:rPr>
+              <a:t>probabilities=</a:t>
+            </a:r>
+          </a:p>
+          <a:p>
+            <a:pPr marL="0" indent="0">
+              <a:buNone/>
+            </a:pPr>
+            <a:r>
+              <a:rPr lang="en-US" sz="2400" dirty="0">
+                <a:latin typeface="Courier New" panose="02070309020205020404" pitchFamily="49" charset="0"/>
+                <a:cs typeface="Courier New" panose="02070309020205020404" pitchFamily="49" charset="0"/>
+              </a:rPr>
+              <a:t> </a:t>
+            </a:r>
+            <a:r>
+              <a:rPr lang="en-US" sz="2400" dirty="0" smtClean="0">
+                <a:latin typeface="Courier New" panose="02070309020205020404" pitchFamily="49" charset="0"/>
+                <a:cs typeface="Courier New" panose="02070309020205020404" pitchFamily="49" charset="0"/>
+              </a:rPr>
+              <a:t>  choose(50,x)*0.5^x</a:t>
+            </a:r>
+            <a:r>
+              <a:rPr lang="en-US" sz="2400" dirty="0">
+                <a:latin typeface="Courier New" panose="02070309020205020404" pitchFamily="49" charset="0"/>
+                <a:cs typeface="Courier New" panose="02070309020205020404" pitchFamily="49" charset="0"/>
+              </a:rPr>
+              <a:t>*(</a:t>
+            </a:r>
+            <a:r>
+              <a:rPr lang="en-US" sz="2400" dirty="0" smtClean="0">
+                <a:latin typeface="Courier New" panose="02070309020205020404" pitchFamily="49" charset="0"/>
+                <a:cs typeface="Courier New" panose="02070309020205020404" pitchFamily="49" charset="0"/>
+              </a:rPr>
+              <a:t>1-0.5)^(</a:t>
+            </a:r>
+            <a:r>
+              <a:rPr lang="en-US" sz="2400" dirty="0">
+                <a:latin typeface="Courier New" panose="02070309020205020404" pitchFamily="49" charset="0"/>
+                <a:cs typeface="Courier New" panose="02070309020205020404" pitchFamily="49" charset="0"/>
+              </a:rPr>
+              <a:t>50-x</a:t>
+            </a:r>
+            <a:r>
+              <a:rPr lang="en-US" sz="2400" dirty="0" smtClean="0">
+                <a:latin typeface="Courier New" panose="02070309020205020404" pitchFamily="49" charset="0"/>
+                <a:cs typeface="Courier New" panose="02070309020205020404" pitchFamily="49" charset="0"/>
+              </a:rPr>
+              <a:t>)</a:t>
+            </a:r>
+            <a:endParaRPr lang="en-US" dirty="0" smtClean="0">
+              <a:latin typeface="Courier New" panose="02070309020205020404" pitchFamily="49" charset="0"/>
+              <a:cs typeface="Courier New" panose="02070309020205020404" pitchFamily="49" charset="0"/>
+            </a:endParaRPr>
+          </a:p>
+        </p:txBody>
+      </p:sp>
+      <p:sp>
+        <p:nvSpPr>
+          <p:cNvPr id="4" name="Slide Number Placeholder 3"/>
+          <p:cNvSpPr>
+            <a:spLocks noGrp="1"/>
+          </p:cNvSpPr>
+          <p:nvPr>
+            <p:ph type="sldNum" sz="quarter" idx="12"/>
+          </p:nvPr>
+        </p:nvSpPr>
+        <p:spPr/>
+        <p:txBody>
+          <a:bodyPr/>
+          <a:lstStyle/>
+          <a:p>
+            <a:fld id="{A90099C9-4CB8-9A40-B745-9AB270505907}" type="slidenum">
+              <a:rPr lang="en-US" smtClean="0"/>
+              <a:t>4</a:t>
+            </a:fld>
+            <a:endParaRPr lang="en-US"/>
+          </a:p>
+        </p:txBody>
+      </p:sp>
+      <p:sp>
+        <p:nvSpPr>
+          <p:cNvPr id="8" name="Rectangle 7">
+            <a:extLst>
+              <a:ext uri="{FF2B5EF4-FFF2-40B4-BE49-F238E27FC236}">
+                <a16:creationId xmlns:a16="http://schemas.microsoft.com/office/drawing/2014/main" id="{AC747C75-3A06-4AB2-A3F2-02C29E0F34E5}"/>
+              </a:ext>
+            </a:extLst>
+          </p:cNvPr>
+          <p:cNvSpPr/>
+          <p:nvPr/>
+        </p:nvSpPr>
+        <p:spPr>
+          <a:xfrm>
+            <a:off x="2779564" y="5534391"/>
+            <a:ext cx="1272481" cy="354486"/>
+          </a:xfrm>
+          <a:prstGeom prst="rect">
+            <a:avLst/>
+          </a:prstGeom>
+          <a:noFill/>
+          <a:ln>
+            <a:solidFill>
+              <a:schemeClr val="tx1"/>
+            </a:solidFill>
+          </a:ln>
+        </p:spPr>
+        <p:style>
+          <a:lnRef idx="2">
+            <a:schemeClr val="accent1">
+              <a:shade val="50000"/>
+            </a:schemeClr>
+          </a:lnRef>
+          <a:fillRef idx="1">
+            <a:schemeClr val="accent1"/>
+          </a:fillRef>
+          <a:effectRef idx="0">
+            <a:schemeClr val="accent1"/>
+          </a:effectRef>
+          <a:fontRef idx="minor">
+            <a:schemeClr val="lt1"/>
+          </a:fontRef>
+        </p:style>
+        <p:txBody>
+          <a:bodyPr rtlCol="0" anchor="ctr"/>
+          <a:lstStyle/>
+          <a:p>
+            <a:pPr algn="ctr"/>
+            <a:r>
+              <a:rPr lang="en-US" sz="2000" dirty="0">
+                <a:solidFill>
+                  <a:srgbClr val="FF0000"/>
+                </a:solidFill>
+              </a:rPr>
+              <a:t>x</a:t>
+            </a:r>
+            <a:r>
+              <a:rPr lang="en-US" sz="2000" dirty="0" smtClean="0">
+                <a:solidFill>
+                  <a:srgbClr val="FF0000"/>
+                </a:solidFill>
+              </a:rPr>
+              <a:t> heads</a:t>
+            </a:r>
+            <a:endParaRPr lang="en-US" sz="2000" dirty="0">
+              <a:solidFill>
+                <a:srgbClr val="FF0000"/>
+              </a:solidFill>
+            </a:endParaRPr>
+          </a:p>
+        </p:txBody>
+      </p:sp>
+      <p:cxnSp>
+        <p:nvCxnSpPr>
+          <p:cNvPr id="9" name="Straight Arrow Connector 8">
+            <a:extLst>
+              <a:ext uri="{FF2B5EF4-FFF2-40B4-BE49-F238E27FC236}">
+                <a16:creationId xmlns:a16="http://schemas.microsoft.com/office/drawing/2014/main" id="{2D16D4BF-5BDF-419E-9F42-7457D8857007}"/>
+              </a:ext>
+            </a:extLst>
+          </p:cNvPr>
+          <p:cNvCxnSpPr>
+            <a:stCxn id="8" idx="0"/>
+          </p:cNvCxnSpPr>
+          <p:nvPr/>
+        </p:nvCxnSpPr>
+        <p:spPr>
+          <a:xfrm flipV="1">
+            <a:off x="3415805" y="5286214"/>
+            <a:ext cx="161113" cy="248177"/>
+          </a:xfrm>
+          <a:prstGeom prst="straightConnector1">
+            <a:avLst/>
+          </a:prstGeom>
+          <a:ln>
+            <a:tailEnd type="triangle"/>
+          </a:ln>
+        </p:spPr>
+        <p:style>
+          <a:lnRef idx="3">
+            <a:schemeClr val="dk1"/>
+          </a:lnRef>
+          <a:fillRef idx="0">
+            <a:schemeClr val="dk1"/>
+          </a:fillRef>
+          <a:effectRef idx="2">
+            <a:schemeClr val="dk1"/>
+          </a:effectRef>
+          <a:fontRef idx="minor">
+            <a:schemeClr val="tx1"/>
+          </a:fontRef>
+        </p:style>
+      </p:cxnSp>
+      <p:sp>
+        <p:nvSpPr>
+          <p:cNvPr id="12" name="Rectangle 11">
+            <a:extLst>
+              <a:ext uri="{FF2B5EF4-FFF2-40B4-BE49-F238E27FC236}">
+                <a16:creationId xmlns:a16="http://schemas.microsoft.com/office/drawing/2014/main" id="{AC747C75-3A06-4AB2-A3F2-02C29E0F34E5}"/>
+              </a:ext>
+            </a:extLst>
+          </p:cNvPr>
+          <p:cNvSpPr/>
+          <p:nvPr/>
+        </p:nvSpPr>
+        <p:spPr>
+          <a:xfrm>
+            <a:off x="4230191" y="5522693"/>
+            <a:ext cx="2484374" cy="573225"/>
+          </a:xfrm>
+          <a:prstGeom prst="rect">
+            <a:avLst/>
+          </a:prstGeom>
+          <a:noFill/>
+          <a:ln>
+            <a:solidFill>
+              <a:schemeClr val="tx1"/>
+            </a:solidFill>
+          </a:ln>
+        </p:spPr>
+        <p:style>
+          <a:lnRef idx="2">
+            <a:schemeClr val="accent1">
+              <a:shade val="50000"/>
+            </a:schemeClr>
+          </a:lnRef>
+          <a:fillRef idx="1">
+            <a:schemeClr val="accent1"/>
+          </a:fillRef>
+          <a:effectRef idx="0">
+            <a:schemeClr val="accent1"/>
+          </a:effectRef>
+          <a:fontRef idx="minor">
+            <a:schemeClr val="lt1"/>
+          </a:fontRef>
+        </p:style>
+        <p:txBody>
+          <a:bodyPr rtlCol="0" anchor="ctr"/>
+          <a:lstStyle/>
+          <a:p>
+            <a:pPr algn="ctr"/>
+            <a:r>
+              <a:rPr lang="en-US" sz="2000" dirty="0" smtClean="0">
+                <a:solidFill>
+                  <a:srgbClr val="FF0000"/>
+                </a:solidFill>
+              </a:rPr>
+              <a:t>50-x not heads (tails)</a:t>
+            </a:r>
+            <a:endParaRPr lang="en-US" sz="2000" dirty="0">
+              <a:solidFill>
+                <a:srgbClr val="FF0000"/>
+              </a:solidFill>
+            </a:endParaRPr>
+          </a:p>
+        </p:txBody>
+      </p:sp>
+      <p:cxnSp>
+        <p:nvCxnSpPr>
+          <p:cNvPr id="13" name="Straight Arrow Connector 12">
+            <a:extLst>
+              <a:ext uri="{FF2B5EF4-FFF2-40B4-BE49-F238E27FC236}">
+                <a16:creationId xmlns:a16="http://schemas.microsoft.com/office/drawing/2014/main" id="{2D16D4BF-5BDF-419E-9F42-7457D8857007}"/>
+              </a:ext>
+            </a:extLst>
+          </p:cNvPr>
+          <p:cNvCxnSpPr>
+            <a:stCxn id="12" idx="0"/>
+          </p:cNvCxnSpPr>
+          <p:nvPr/>
+        </p:nvCxnSpPr>
+        <p:spPr>
+          <a:xfrm flipV="1">
+            <a:off x="5472378" y="5286215"/>
+            <a:ext cx="3654" cy="236478"/>
+          </a:xfrm>
+          <a:prstGeom prst="straightConnector1">
+            <a:avLst/>
+          </a:prstGeom>
+          <a:ln>
+            <a:tailEnd type="triangle"/>
+          </a:ln>
+        </p:spPr>
+        <p:style>
+          <a:lnRef idx="3">
+            <a:schemeClr val="dk1"/>
+          </a:lnRef>
+          <a:fillRef idx="0">
+            <a:schemeClr val="dk1"/>
+          </a:fillRef>
+          <a:effectRef idx="2">
+            <a:schemeClr val="dk1"/>
+          </a:effectRef>
+          <a:fontRef idx="minor">
+            <a:schemeClr val="tx1"/>
+          </a:fontRef>
+        </p:style>
+      </p:cxnSp>
+      <p:sp>
+        <p:nvSpPr>
+          <p:cNvPr id="17" name="Rectangle 16">
+            <a:extLst>
+              <a:ext uri="{FF2B5EF4-FFF2-40B4-BE49-F238E27FC236}">
+                <a16:creationId xmlns:a16="http://schemas.microsoft.com/office/drawing/2014/main" id="{AC747C75-3A06-4AB2-A3F2-02C29E0F34E5}"/>
+              </a:ext>
+            </a:extLst>
+          </p:cNvPr>
+          <p:cNvSpPr/>
+          <p:nvPr/>
+        </p:nvSpPr>
+        <p:spPr>
+          <a:xfrm>
+            <a:off x="884104" y="5540610"/>
+            <a:ext cx="1757782" cy="555308"/>
+          </a:xfrm>
+          <a:prstGeom prst="rect">
+            <a:avLst/>
+          </a:prstGeom>
+          <a:noFill/>
+          <a:ln>
+            <a:solidFill>
+              <a:schemeClr val="tx1"/>
+            </a:solidFill>
+          </a:ln>
+        </p:spPr>
+        <p:style>
+          <a:lnRef idx="2">
+            <a:schemeClr val="accent1">
+              <a:shade val="50000"/>
+            </a:schemeClr>
+          </a:lnRef>
+          <a:fillRef idx="1">
+            <a:schemeClr val="accent1"/>
+          </a:fillRef>
+          <a:effectRef idx="0">
+            <a:schemeClr val="accent1"/>
+          </a:effectRef>
+          <a:fontRef idx="minor">
+            <a:schemeClr val="lt1"/>
+          </a:fontRef>
+        </p:style>
+        <p:txBody>
+          <a:bodyPr rtlCol="0" anchor="ctr"/>
+          <a:lstStyle/>
+          <a:p>
+            <a:pPr algn="ctr"/>
+            <a:r>
+              <a:rPr lang="en-US" sz="2000" dirty="0" smtClean="0">
+                <a:solidFill>
+                  <a:srgbClr val="FF0000"/>
+                </a:solidFill>
+              </a:rPr>
+              <a:t>Important constant</a:t>
+            </a:r>
+            <a:endParaRPr lang="en-US" sz="2000" dirty="0">
+              <a:solidFill>
+                <a:srgbClr val="FF0000"/>
+              </a:solidFill>
+            </a:endParaRPr>
+          </a:p>
+        </p:txBody>
+      </p:sp>
+      <p:cxnSp>
+        <p:nvCxnSpPr>
+          <p:cNvPr id="18" name="Straight Arrow Connector 17">
+            <a:extLst>
+              <a:ext uri="{FF2B5EF4-FFF2-40B4-BE49-F238E27FC236}">
+                <a16:creationId xmlns:a16="http://schemas.microsoft.com/office/drawing/2014/main" id="{2D16D4BF-5BDF-419E-9F42-7457D8857007}"/>
+              </a:ext>
+            </a:extLst>
+          </p:cNvPr>
+          <p:cNvCxnSpPr>
+            <a:stCxn id="17" idx="0"/>
+          </p:cNvCxnSpPr>
+          <p:nvPr/>
+        </p:nvCxnSpPr>
+        <p:spPr>
+          <a:xfrm flipV="1">
+            <a:off x="1762995" y="5292434"/>
+            <a:ext cx="48489" cy="248176"/>
+          </a:xfrm>
+          <a:prstGeom prst="straightConnector1">
+            <a:avLst/>
+          </a:prstGeom>
+          <a:ln>
+            <a:tailEnd type="triangle"/>
+          </a:ln>
+        </p:spPr>
+        <p:style>
+          <a:lnRef idx="3">
+            <a:schemeClr val="dk1"/>
+          </a:lnRef>
+          <a:fillRef idx="0">
+            <a:schemeClr val="dk1"/>
+          </a:fillRef>
+          <a:effectRef idx="2">
+            <a:schemeClr val="dk1"/>
+          </a:effectRef>
+          <a:fontRef idx="minor">
+            <a:schemeClr val="tx1"/>
+          </a:fontRef>
+        </p:style>
+      </p:cxnSp>
+      <p:pic>
+        <p:nvPicPr>
+          <p:cNvPr id="22" name="Picture 21"/>
+          <p:cNvPicPr>
+            <a:picLocks noChangeAspect="1"/>
+          </p:cNvPicPr>
+          <p:nvPr/>
+        </p:nvPicPr>
+        <p:blipFill>
+          <a:blip r:embed="rId2"/>
+          <a:stretch>
+            <a:fillRect/>
+          </a:stretch>
+        </p:blipFill>
+        <p:spPr>
+          <a:xfrm>
+            <a:off x="5409743" y="901208"/>
+            <a:ext cx="3277057" cy="2943636"/>
+          </a:xfrm>
+          <a:prstGeom prst="rect">
+            <a:avLst/>
+          </a:prstGeom>
+        </p:spPr>
+      </p:pic>
+      <p:sp>
+        <p:nvSpPr>
+          <p:cNvPr id="27" name="Rectangle 26">
+            <a:extLst>
+              <a:ext uri="{FF2B5EF4-FFF2-40B4-BE49-F238E27FC236}">
+                <a16:creationId xmlns:a16="http://schemas.microsoft.com/office/drawing/2014/main" id="{AC747C75-3A06-4AB2-A3F2-02C29E0F34E5}"/>
+              </a:ext>
+            </a:extLst>
+          </p:cNvPr>
+          <p:cNvSpPr/>
+          <p:nvPr/>
+        </p:nvSpPr>
+        <p:spPr>
+          <a:xfrm>
+            <a:off x="6553200" y="3844844"/>
+            <a:ext cx="2321858" cy="623395"/>
+          </a:xfrm>
+          <a:prstGeom prst="rect">
+            <a:avLst/>
+          </a:prstGeom>
+          <a:noFill/>
+          <a:ln>
+            <a:solidFill>
+              <a:schemeClr val="tx1"/>
+            </a:solidFill>
+          </a:ln>
+        </p:spPr>
+        <p:style>
+          <a:lnRef idx="2">
+            <a:schemeClr val="accent1">
+              <a:shade val="50000"/>
+            </a:schemeClr>
+          </a:lnRef>
+          <a:fillRef idx="1">
+            <a:schemeClr val="accent1"/>
+          </a:fillRef>
+          <a:effectRef idx="0">
+            <a:schemeClr val="accent1"/>
+          </a:effectRef>
+          <a:fontRef idx="minor">
+            <a:schemeClr val="lt1"/>
+          </a:fontRef>
+        </p:style>
+        <p:txBody>
+          <a:bodyPr rtlCol="0" anchor="ctr"/>
+          <a:lstStyle/>
+          <a:p>
+            <a:pPr algn="ctr"/>
+            <a:r>
+              <a:rPr lang="en-US" dirty="0" smtClean="0">
+                <a:solidFill>
+                  <a:srgbClr val="FF0000"/>
+                </a:solidFill>
+              </a:rPr>
+              <a:t>sum(probabilities)=1</a:t>
+            </a:r>
+          </a:p>
+          <a:p>
+            <a:pPr algn="ctr"/>
+            <a:r>
+              <a:rPr lang="en-US" dirty="0" smtClean="0">
+                <a:solidFill>
+                  <a:srgbClr val="FF0000"/>
+                </a:solidFill>
+              </a:rPr>
+              <a:t>Why???</a:t>
+            </a:r>
+            <a:endParaRPr lang="en-US" dirty="0" smtClean="0">
+              <a:solidFill>
+                <a:srgbClr val="FF0000"/>
+              </a:solidFill>
+            </a:endParaRPr>
+          </a:p>
+        </p:txBody>
+      </p:sp>
+      <p:cxnSp>
+        <p:nvCxnSpPr>
+          <p:cNvPr id="28" name="Straight Arrow Connector 27">
+            <a:extLst>
+              <a:ext uri="{FF2B5EF4-FFF2-40B4-BE49-F238E27FC236}">
+                <a16:creationId xmlns:a16="http://schemas.microsoft.com/office/drawing/2014/main" id="{2D16D4BF-5BDF-419E-9F42-7457D8857007}"/>
+              </a:ext>
+            </a:extLst>
+          </p:cNvPr>
+          <p:cNvCxnSpPr>
+            <a:stCxn id="27" idx="0"/>
+          </p:cNvCxnSpPr>
+          <p:nvPr/>
+        </p:nvCxnSpPr>
+        <p:spPr>
+          <a:xfrm flipH="1" flipV="1">
+            <a:off x="7528955" y="3608366"/>
+            <a:ext cx="185174" cy="236478"/>
+          </a:xfrm>
+          <a:prstGeom prst="straightConnector1">
+            <a:avLst/>
+          </a:prstGeom>
+          <a:ln>
+            <a:tailEnd type="triangle"/>
+          </a:ln>
+        </p:spPr>
+        <p:style>
+          <a:lnRef idx="3">
+            <a:schemeClr val="dk1"/>
+          </a:lnRef>
+          <a:fillRef idx="0">
+            <a:schemeClr val="dk1"/>
+          </a:fillRef>
+          <a:effectRef idx="2">
+            <a:schemeClr val="dk1"/>
+          </a:effectRef>
+          <a:fontRef idx="minor">
+            <a:schemeClr val="tx1"/>
+          </a:fontRef>
+        </p:style>
+      </p:cxnSp>
+    </p:spTree>
+    <p:extLst>
+      <p:ext uri="{BB962C8B-B14F-4D97-AF65-F5344CB8AC3E}">
+        <p14:creationId xmlns:p14="http://schemas.microsoft.com/office/powerpoint/2010/main" val="3753902146"/>
+      </p:ext>
+    </p:extLst>
+  </p:cSld>
+  <p:clrMapOvr>
+    <a:masterClrMapping/>
+  </p:clrMapOvr>
+</p:sld>
+</file>
+
+<file path=ppt/slides/slide5.xml><?xml version="1.0" encoding="utf-8"?>
+<p:sld xmlns:a="http://schemas.openxmlformats.org/drawingml/2006/main" xmlns:r="http://schemas.openxmlformats.org/officeDocument/2006/relationships" xmlns:p="http://schemas.openxmlformats.org/presentationml/2006/main">
+  <p:cSld>
+    <p:spTree>
+      <p:nvGrpSpPr>
+        <p:cNvPr id="1" name=""/>
+        <p:cNvGrpSpPr/>
+        <p:nvPr/>
+      </p:nvGrpSpPr>
+      <p:grpSpPr>
+        <a:xfrm>
+          <a:off x="0" y="0"/>
+          <a:ext cx="0" cy="0"/>
+          <a:chOff x="0" y="0"/>
+          <a:chExt cx="0" cy="0"/>
+        </a:xfrm>
+      </p:grpSpPr>
+      <p:pic>
+        <p:nvPicPr>
+          <p:cNvPr id="6" name="Picture 5"/>
+          <p:cNvPicPr>
+            <a:picLocks noChangeAspect="1"/>
+          </p:cNvPicPr>
+          <p:nvPr/>
+        </p:nvPicPr>
+        <p:blipFill>
+          <a:blip r:embed="rId2"/>
+          <a:stretch>
+            <a:fillRect/>
+          </a:stretch>
+        </p:blipFill>
+        <p:spPr>
+          <a:xfrm>
+            <a:off x="5350526" y="994047"/>
+            <a:ext cx="3415211" cy="3090422"/>
+          </a:xfrm>
+          <a:prstGeom prst="rect">
+            <a:avLst/>
+          </a:prstGeom>
+        </p:spPr>
+      </p:pic>
+      <p:sp>
+        <p:nvSpPr>
+          <p:cNvPr id="2" name="Title 1"/>
+          <p:cNvSpPr>
+            <a:spLocks noGrp="1"/>
+          </p:cNvSpPr>
+          <p:nvPr>
+            <p:ph type="title"/>
+          </p:nvPr>
+        </p:nvSpPr>
+        <p:spPr/>
+        <p:txBody>
+          <a:bodyPr/>
+          <a:lstStyle/>
+          <a:p>
+            <a:r>
+              <a:rPr lang="en-US" dirty="0" smtClean="0"/>
+              <a:t>Probabilities vs likelihoods</a:t>
+            </a:r>
+            <a:endParaRPr lang="en-US" dirty="0"/>
+          </a:p>
+        </p:txBody>
+      </p:sp>
+      <p:sp>
+        <p:nvSpPr>
+          <p:cNvPr id="3" name="Content Placeholder 2"/>
+          <p:cNvSpPr>
+            <a:spLocks noGrp="1"/>
+          </p:cNvSpPr>
+          <p:nvPr>
+            <p:ph idx="1"/>
+          </p:nvPr>
+        </p:nvSpPr>
+        <p:spPr>
+          <a:xfrm>
+            <a:off x="448235" y="1233201"/>
+            <a:ext cx="7171765" cy="4530725"/>
+          </a:xfrm>
+        </p:spPr>
+        <p:txBody>
+          <a:bodyPr/>
+          <a:lstStyle/>
+          <a:p>
+            <a:pPr marL="0" indent="0">
+              <a:buNone/>
+            </a:pPr>
+            <a:r>
+              <a:rPr lang="en-US" dirty="0" smtClean="0"/>
+              <a:t>Simple example:</a:t>
+            </a:r>
+          </a:p>
+          <a:p>
+            <a:r>
+              <a:rPr lang="en-US" dirty="0" smtClean="0"/>
+              <a:t>We observe 50 coin</a:t>
+            </a:r>
+            <a:br>
+              <a:rPr lang="en-US" dirty="0" smtClean="0"/>
+            </a:br>
+            <a:r>
+              <a:rPr lang="en-US" dirty="0" smtClean="0"/>
+              <a:t>flips: x=45 heads, 5 tails</a:t>
+            </a:r>
+          </a:p>
+          <a:p>
+            <a:r>
+              <a:rPr lang="en-US" dirty="0" smtClean="0"/>
+              <a:t>[Do you think p=0.5)?]</a:t>
+            </a:r>
+          </a:p>
+          <a:p>
+            <a:r>
+              <a:rPr lang="en-US" dirty="0" smtClean="0"/>
+              <a:t>Likelihood of p, given</a:t>
+            </a:r>
+            <a:br>
+              <a:rPr lang="en-US" dirty="0" smtClean="0"/>
+            </a:br>
+            <a:r>
+              <a:rPr lang="en-US" dirty="0" smtClean="0"/>
+              <a:t>observed data</a:t>
+            </a:r>
+          </a:p>
+          <a:p>
+            <a:pPr marL="0" indent="0">
+              <a:buNone/>
+            </a:pPr>
+            <a:r>
+              <a:rPr lang="en-US" sz="2400" dirty="0" smtClean="0">
+                <a:latin typeface="Courier New" panose="02070309020205020404" pitchFamily="49" charset="0"/>
+                <a:cs typeface="Courier New" panose="02070309020205020404" pitchFamily="49" charset="0"/>
+              </a:rPr>
+              <a:t>likelihoods=</a:t>
+            </a:r>
+          </a:p>
+          <a:p>
+            <a:pPr marL="0" indent="0">
+              <a:buNone/>
+            </a:pPr>
+            <a:r>
+              <a:rPr lang="en-US" sz="2400" dirty="0" smtClean="0">
+                <a:latin typeface="Courier New" panose="02070309020205020404" pitchFamily="49" charset="0"/>
+                <a:cs typeface="Courier New" panose="02070309020205020404" pitchFamily="49" charset="0"/>
+              </a:rPr>
+              <a:t>  choose(50,45) * p^45 * (</a:t>
+            </a:r>
+            <a:r>
+              <a:rPr lang="en-US" sz="2400" dirty="0">
+                <a:latin typeface="Courier New" panose="02070309020205020404" pitchFamily="49" charset="0"/>
+                <a:cs typeface="Courier New" panose="02070309020205020404" pitchFamily="49" charset="0"/>
+              </a:rPr>
+              <a:t>1-p)^</a:t>
+            </a:r>
+            <a:r>
+              <a:rPr lang="en-US" sz="2400" dirty="0" smtClean="0">
+                <a:latin typeface="Courier New" panose="02070309020205020404" pitchFamily="49" charset="0"/>
+                <a:cs typeface="Courier New" panose="02070309020205020404" pitchFamily="49" charset="0"/>
+              </a:rPr>
+              <a:t>5</a:t>
+            </a:r>
+            <a:endParaRPr lang="en-US" dirty="0" smtClean="0">
+              <a:latin typeface="Courier New" panose="02070309020205020404" pitchFamily="49" charset="0"/>
+              <a:cs typeface="Courier New" panose="02070309020205020404" pitchFamily="49" charset="0"/>
+            </a:endParaRPr>
+          </a:p>
+        </p:txBody>
+      </p:sp>
+      <p:sp>
+        <p:nvSpPr>
+          <p:cNvPr id="4" name="Slide Number Placeholder 3"/>
+          <p:cNvSpPr>
+            <a:spLocks noGrp="1"/>
+          </p:cNvSpPr>
+          <p:nvPr>
+            <p:ph type="sldNum" sz="quarter" idx="12"/>
+          </p:nvPr>
+        </p:nvSpPr>
+        <p:spPr/>
+        <p:txBody>
+          <a:bodyPr/>
+          <a:lstStyle/>
+          <a:p>
+            <a:fld id="{A90099C9-4CB8-9A40-B745-9AB270505907}" type="slidenum">
+              <a:rPr lang="en-US" smtClean="0"/>
+              <a:t>5</a:t>
+            </a:fld>
+            <a:endParaRPr lang="en-US"/>
+          </a:p>
+        </p:txBody>
+      </p:sp>
+      <p:sp>
+        <p:nvSpPr>
+          <p:cNvPr id="8" name="Rectangle 7">
+            <a:extLst>
+              <a:ext uri="{FF2B5EF4-FFF2-40B4-BE49-F238E27FC236}">
+                <a16:creationId xmlns:a16="http://schemas.microsoft.com/office/drawing/2014/main" id="{AC747C75-3A06-4AB2-A3F2-02C29E0F34E5}"/>
+              </a:ext>
+            </a:extLst>
+          </p:cNvPr>
+          <p:cNvSpPr/>
+          <p:nvPr/>
+        </p:nvSpPr>
+        <p:spPr>
+          <a:xfrm>
+            <a:off x="2779564" y="5534391"/>
+            <a:ext cx="1272481" cy="354486"/>
+          </a:xfrm>
+          <a:prstGeom prst="rect">
+            <a:avLst/>
+          </a:prstGeom>
+          <a:noFill/>
+          <a:ln>
+            <a:solidFill>
+              <a:schemeClr val="tx1"/>
+            </a:solidFill>
+          </a:ln>
+        </p:spPr>
+        <p:style>
+          <a:lnRef idx="2">
+            <a:schemeClr val="accent1">
+              <a:shade val="50000"/>
+            </a:schemeClr>
+          </a:lnRef>
+          <a:fillRef idx="1">
+            <a:schemeClr val="accent1"/>
+          </a:fillRef>
+          <a:effectRef idx="0">
+            <a:schemeClr val="accent1"/>
+          </a:effectRef>
+          <a:fontRef idx="minor">
+            <a:schemeClr val="lt1"/>
+          </a:fontRef>
+        </p:style>
+        <p:txBody>
+          <a:bodyPr rtlCol="0" anchor="ctr"/>
+          <a:lstStyle/>
+          <a:p>
+            <a:pPr algn="ctr"/>
+            <a:r>
+              <a:rPr lang="en-US" sz="2000" dirty="0" smtClean="0">
+                <a:solidFill>
+                  <a:srgbClr val="FF0000"/>
+                </a:solidFill>
+              </a:rPr>
+              <a:t>45 heads</a:t>
+            </a:r>
+            <a:endParaRPr lang="en-US" sz="2000" dirty="0">
+              <a:solidFill>
+                <a:srgbClr val="FF0000"/>
+              </a:solidFill>
+            </a:endParaRPr>
+          </a:p>
+        </p:txBody>
+      </p:sp>
+      <p:cxnSp>
+        <p:nvCxnSpPr>
+          <p:cNvPr id="9" name="Straight Arrow Connector 8">
+            <a:extLst>
+              <a:ext uri="{FF2B5EF4-FFF2-40B4-BE49-F238E27FC236}">
+                <a16:creationId xmlns:a16="http://schemas.microsoft.com/office/drawing/2014/main" id="{2D16D4BF-5BDF-419E-9F42-7457D8857007}"/>
+              </a:ext>
+            </a:extLst>
+          </p:cNvPr>
+          <p:cNvCxnSpPr>
+            <a:stCxn id="8" idx="0"/>
+          </p:cNvCxnSpPr>
+          <p:nvPr/>
+        </p:nvCxnSpPr>
+        <p:spPr>
+          <a:xfrm flipV="1">
+            <a:off x="3415805" y="5286214"/>
+            <a:ext cx="161113" cy="248177"/>
+          </a:xfrm>
+          <a:prstGeom prst="straightConnector1">
+            <a:avLst/>
+          </a:prstGeom>
+          <a:ln>
+            <a:tailEnd type="triangle"/>
+          </a:ln>
+        </p:spPr>
+        <p:style>
+          <a:lnRef idx="3">
+            <a:schemeClr val="dk1"/>
+          </a:lnRef>
+          <a:fillRef idx="0">
+            <a:schemeClr val="dk1"/>
+          </a:fillRef>
+          <a:effectRef idx="2">
+            <a:schemeClr val="dk1"/>
+          </a:effectRef>
+          <a:fontRef idx="minor">
+            <a:schemeClr val="tx1"/>
+          </a:fontRef>
+        </p:style>
+      </p:cxnSp>
+      <p:sp>
+        <p:nvSpPr>
+          <p:cNvPr id="12" name="Rectangle 11">
+            <a:extLst>
+              <a:ext uri="{FF2B5EF4-FFF2-40B4-BE49-F238E27FC236}">
+                <a16:creationId xmlns:a16="http://schemas.microsoft.com/office/drawing/2014/main" id="{AC747C75-3A06-4AB2-A3F2-02C29E0F34E5}"/>
+              </a:ext>
+            </a:extLst>
+          </p:cNvPr>
+          <p:cNvSpPr/>
+          <p:nvPr/>
+        </p:nvSpPr>
+        <p:spPr>
+          <a:xfrm>
+            <a:off x="4230191" y="5522693"/>
+            <a:ext cx="1928562" cy="582271"/>
+          </a:xfrm>
+          <a:prstGeom prst="rect">
+            <a:avLst/>
+          </a:prstGeom>
+          <a:noFill/>
+          <a:ln>
+            <a:solidFill>
+              <a:schemeClr val="tx1"/>
+            </a:solidFill>
+          </a:ln>
+        </p:spPr>
+        <p:style>
+          <a:lnRef idx="2">
+            <a:schemeClr val="accent1">
+              <a:shade val="50000"/>
+            </a:schemeClr>
+          </a:lnRef>
+          <a:fillRef idx="1">
+            <a:schemeClr val="accent1"/>
+          </a:fillRef>
+          <a:effectRef idx="0">
+            <a:schemeClr val="accent1"/>
+          </a:effectRef>
+          <a:fontRef idx="minor">
+            <a:schemeClr val="lt1"/>
+          </a:fontRef>
+        </p:style>
+        <p:txBody>
+          <a:bodyPr rtlCol="0" anchor="ctr"/>
+          <a:lstStyle/>
+          <a:p>
+            <a:pPr algn="ctr"/>
+            <a:r>
+              <a:rPr lang="en-US" sz="2000" dirty="0" smtClean="0">
+                <a:solidFill>
+                  <a:srgbClr val="FF0000"/>
+                </a:solidFill>
+              </a:rPr>
+              <a:t>5 not heads (tails)</a:t>
+            </a:r>
+            <a:endParaRPr lang="en-US" sz="2000" dirty="0">
+              <a:solidFill>
+                <a:srgbClr val="FF0000"/>
+              </a:solidFill>
+            </a:endParaRPr>
+          </a:p>
+        </p:txBody>
+      </p:sp>
+      <p:cxnSp>
+        <p:nvCxnSpPr>
+          <p:cNvPr id="13" name="Straight Arrow Connector 12">
+            <a:extLst>
+              <a:ext uri="{FF2B5EF4-FFF2-40B4-BE49-F238E27FC236}">
+                <a16:creationId xmlns:a16="http://schemas.microsoft.com/office/drawing/2014/main" id="{2D16D4BF-5BDF-419E-9F42-7457D8857007}"/>
+              </a:ext>
+            </a:extLst>
+          </p:cNvPr>
+          <p:cNvCxnSpPr>
+            <a:stCxn id="12" idx="0"/>
+          </p:cNvCxnSpPr>
+          <p:nvPr/>
+        </p:nvCxnSpPr>
+        <p:spPr>
+          <a:xfrm flipV="1">
+            <a:off x="5476032" y="5286214"/>
+            <a:ext cx="0" cy="236480"/>
+          </a:xfrm>
+          <a:prstGeom prst="straightConnector1">
+            <a:avLst/>
+          </a:prstGeom>
+          <a:ln>
+            <a:tailEnd type="triangle"/>
+          </a:ln>
+        </p:spPr>
+        <p:style>
+          <a:lnRef idx="3">
+            <a:schemeClr val="dk1"/>
+          </a:lnRef>
+          <a:fillRef idx="0">
+            <a:schemeClr val="dk1"/>
+          </a:fillRef>
+          <a:effectRef idx="2">
+            <a:schemeClr val="dk1"/>
+          </a:effectRef>
+          <a:fontRef idx="minor">
+            <a:schemeClr val="tx1"/>
+          </a:fontRef>
+        </p:style>
+      </p:cxnSp>
+      <p:sp>
+        <p:nvSpPr>
+          <p:cNvPr id="17" name="Rectangle 16">
+            <a:extLst>
+              <a:ext uri="{FF2B5EF4-FFF2-40B4-BE49-F238E27FC236}">
+                <a16:creationId xmlns:a16="http://schemas.microsoft.com/office/drawing/2014/main" id="{AC747C75-3A06-4AB2-A3F2-02C29E0F34E5}"/>
+              </a:ext>
+            </a:extLst>
+          </p:cNvPr>
+          <p:cNvSpPr/>
+          <p:nvPr/>
+        </p:nvSpPr>
+        <p:spPr>
+          <a:xfrm>
+            <a:off x="880450" y="5537443"/>
+            <a:ext cx="1245841" cy="567522"/>
+          </a:xfrm>
+          <a:prstGeom prst="rect">
+            <a:avLst/>
+          </a:prstGeom>
+          <a:noFill/>
+          <a:ln>
+            <a:solidFill>
+              <a:schemeClr val="tx1"/>
+            </a:solidFill>
+          </a:ln>
+        </p:spPr>
+        <p:style>
+          <a:lnRef idx="2">
+            <a:schemeClr val="accent1">
+              <a:shade val="50000"/>
+            </a:schemeClr>
+          </a:lnRef>
+          <a:fillRef idx="1">
+            <a:schemeClr val="accent1"/>
+          </a:fillRef>
+          <a:effectRef idx="0">
+            <a:schemeClr val="accent1"/>
+          </a:effectRef>
+          <a:fontRef idx="minor">
+            <a:schemeClr val="lt1"/>
+          </a:fontRef>
+        </p:style>
+        <p:txBody>
+          <a:bodyPr rtlCol="0" anchor="ctr"/>
+          <a:lstStyle/>
+          <a:p>
+            <a:pPr algn="ctr"/>
+            <a:r>
+              <a:rPr lang="en-US" sz="2000" dirty="0" smtClean="0">
+                <a:solidFill>
+                  <a:srgbClr val="FF0000"/>
+                </a:solidFill>
+              </a:rPr>
+              <a:t>Constant (ignore)</a:t>
+            </a:r>
+            <a:endParaRPr lang="en-US" sz="2000" dirty="0">
+              <a:solidFill>
+                <a:srgbClr val="FF0000"/>
+              </a:solidFill>
+            </a:endParaRPr>
+          </a:p>
+        </p:txBody>
+      </p:sp>
+      <p:cxnSp>
+        <p:nvCxnSpPr>
+          <p:cNvPr id="18" name="Straight Arrow Connector 17">
+            <a:extLst>
+              <a:ext uri="{FF2B5EF4-FFF2-40B4-BE49-F238E27FC236}">
+                <a16:creationId xmlns:a16="http://schemas.microsoft.com/office/drawing/2014/main" id="{2D16D4BF-5BDF-419E-9F42-7457D8857007}"/>
+              </a:ext>
+            </a:extLst>
+          </p:cNvPr>
+          <p:cNvCxnSpPr>
+            <a:stCxn id="17" idx="0"/>
+          </p:cNvCxnSpPr>
+          <p:nvPr/>
+        </p:nvCxnSpPr>
+        <p:spPr>
+          <a:xfrm flipV="1">
+            <a:off x="1383519" y="5289267"/>
+            <a:ext cx="294793" cy="248176"/>
+          </a:xfrm>
+          <a:prstGeom prst="straightConnector1">
+            <a:avLst/>
+          </a:prstGeom>
+          <a:ln>
+            <a:tailEnd type="triangle"/>
+          </a:ln>
+        </p:spPr>
+        <p:style>
+          <a:lnRef idx="3">
+            <a:schemeClr val="dk1"/>
+          </a:lnRef>
+          <a:fillRef idx="0">
+            <a:schemeClr val="dk1"/>
+          </a:fillRef>
+          <a:effectRef idx="2">
+            <a:schemeClr val="dk1"/>
+          </a:effectRef>
+          <a:fontRef idx="minor">
+            <a:schemeClr val="tx1"/>
+          </a:fontRef>
+        </p:style>
+      </p:cxnSp>
+      <p:sp>
+        <p:nvSpPr>
+          <p:cNvPr id="14" name="Rectangle 13">
+            <a:extLst>
+              <a:ext uri="{FF2B5EF4-FFF2-40B4-BE49-F238E27FC236}">
+                <a16:creationId xmlns:a16="http://schemas.microsoft.com/office/drawing/2014/main" id="{AC747C75-3A06-4AB2-A3F2-02C29E0F34E5}"/>
+              </a:ext>
+            </a:extLst>
+          </p:cNvPr>
+          <p:cNvSpPr/>
+          <p:nvPr/>
+        </p:nvSpPr>
+        <p:spPr>
+          <a:xfrm>
+            <a:off x="6364942" y="4163705"/>
+            <a:ext cx="2321858" cy="623395"/>
+          </a:xfrm>
+          <a:prstGeom prst="rect">
+            <a:avLst/>
+          </a:prstGeom>
+          <a:noFill/>
+          <a:ln>
+            <a:solidFill>
+              <a:schemeClr val="tx1"/>
+            </a:solidFill>
+          </a:ln>
+        </p:spPr>
+        <p:style>
+          <a:lnRef idx="2">
+            <a:schemeClr val="accent1">
+              <a:shade val="50000"/>
+            </a:schemeClr>
+          </a:lnRef>
+          <a:fillRef idx="1">
+            <a:schemeClr val="accent1"/>
+          </a:fillRef>
+          <a:effectRef idx="0">
+            <a:schemeClr val="accent1"/>
+          </a:effectRef>
+          <a:fontRef idx="minor">
+            <a:schemeClr val="lt1"/>
+          </a:fontRef>
+        </p:style>
+        <p:txBody>
+          <a:bodyPr rtlCol="0" anchor="ctr"/>
+          <a:lstStyle/>
+          <a:p>
+            <a:pPr algn="ctr"/>
+            <a:r>
+              <a:rPr lang="en-US" dirty="0">
+                <a:solidFill>
+                  <a:srgbClr val="FF0000"/>
+                </a:solidFill>
+              </a:rPr>
+              <a:t>s</a:t>
+            </a:r>
+            <a:r>
+              <a:rPr lang="en-US" dirty="0" smtClean="0">
+                <a:solidFill>
+                  <a:srgbClr val="FF0000"/>
+                </a:solidFill>
+              </a:rPr>
+              <a:t>um(likelihoods</a:t>
+            </a:r>
+            <a:r>
+              <a:rPr lang="en-US" dirty="0" smtClean="0">
+                <a:solidFill>
+                  <a:srgbClr val="FF0000"/>
+                </a:solidFill>
+              </a:rPr>
+              <a:t>)!=1</a:t>
+            </a:r>
+          </a:p>
+          <a:p>
+            <a:pPr algn="ctr"/>
+            <a:r>
+              <a:rPr lang="en-US" dirty="0" smtClean="0">
+                <a:solidFill>
+                  <a:srgbClr val="FF0000"/>
+                </a:solidFill>
+              </a:rPr>
+              <a:t>Why???</a:t>
+            </a:r>
+            <a:endParaRPr lang="en-US" dirty="0" smtClean="0">
+              <a:solidFill>
+                <a:srgbClr val="FF0000"/>
+              </a:solidFill>
+            </a:endParaRPr>
+          </a:p>
+        </p:txBody>
+      </p:sp>
+      <p:cxnSp>
+        <p:nvCxnSpPr>
+          <p:cNvPr id="15" name="Straight Arrow Connector 14">
+            <a:extLst>
+              <a:ext uri="{FF2B5EF4-FFF2-40B4-BE49-F238E27FC236}">
+                <a16:creationId xmlns:a16="http://schemas.microsoft.com/office/drawing/2014/main" id="{2D16D4BF-5BDF-419E-9F42-7457D8857007}"/>
+              </a:ext>
+            </a:extLst>
+          </p:cNvPr>
+          <p:cNvCxnSpPr>
+            <a:stCxn id="14" idx="0"/>
+          </p:cNvCxnSpPr>
+          <p:nvPr/>
+        </p:nvCxnSpPr>
+        <p:spPr>
+          <a:xfrm flipV="1">
+            <a:off x="7525871" y="3711144"/>
+            <a:ext cx="0" cy="452561"/>
+          </a:xfrm>
+          <a:prstGeom prst="straightConnector1">
+            <a:avLst/>
+          </a:prstGeom>
+          <a:ln>
+            <a:tailEnd type="triangle"/>
+          </a:ln>
+        </p:spPr>
+        <p:style>
+          <a:lnRef idx="3">
+            <a:schemeClr val="dk1"/>
+          </a:lnRef>
+          <a:fillRef idx="0">
+            <a:schemeClr val="dk1"/>
+          </a:fillRef>
+          <a:effectRef idx="2">
+            <a:schemeClr val="dk1"/>
+          </a:effectRef>
+          <a:fontRef idx="minor">
+            <a:schemeClr val="tx1"/>
+          </a:fontRef>
+        </p:style>
+      </p:cxnSp>
+    </p:spTree>
+    <p:extLst>
+      <p:ext uri="{BB962C8B-B14F-4D97-AF65-F5344CB8AC3E}">
+        <p14:creationId xmlns:p14="http://schemas.microsoft.com/office/powerpoint/2010/main" val="2669590699"/>
+      </p:ext>
+    </p:extLst>
+  </p:cSld>
+  <p:clrMapOvr>
+    <a:masterClrMapping/>
+  </p:clrMapOvr>
+</p:sld>
+</file>
+
+<file path=ppt/slides/slide6.xml><?xml version="1.0" encoding="utf-8"?>
+<p:sld xmlns:a="http://schemas.openxmlformats.org/drawingml/2006/main" xmlns:r="http://schemas.openxmlformats.org/officeDocument/2006/relationships" xmlns:p="http://schemas.openxmlformats.org/presentationml/2006/main">
+  <p:cSld>
+    <p:spTree>
+      <p:nvGrpSpPr>
+        <p:cNvPr id="1" name=""/>
+        <p:cNvGrpSpPr/>
+        <p:nvPr/>
+      </p:nvGrpSpPr>
+      <p:grpSpPr>
+        <a:xfrm>
+          <a:off x="0" y="0"/>
+          <a:ext cx="0" cy="0"/>
+          <a:chOff x="0" y="0"/>
+          <a:chExt cx="0" cy="0"/>
+        </a:xfrm>
+      </p:grpSpPr>
+      <p:sp>
+        <p:nvSpPr>
+          <p:cNvPr id="2" name="Title 1"/>
+          <p:cNvSpPr>
+            <a:spLocks noGrp="1"/>
+          </p:cNvSpPr>
+          <p:nvPr>
+            <p:ph type="title"/>
+          </p:nvPr>
+        </p:nvSpPr>
+        <p:spPr/>
+        <p:txBody>
+          <a:bodyPr/>
+          <a:lstStyle/>
+          <a:p>
+            <a:r>
+              <a:rPr lang="en-US" dirty="0" smtClean="0"/>
+              <a:t>Probabilities vs likelihoods</a:t>
+            </a:r>
+            <a:endParaRPr lang="en-US" dirty="0"/>
+          </a:p>
+        </p:txBody>
+      </p:sp>
+      <p:sp>
+        <p:nvSpPr>
+          <p:cNvPr id="3" name="Content Placeholder 2"/>
+          <p:cNvSpPr>
+            <a:spLocks noGrp="1"/>
+          </p:cNvSpPr>
+          <p:nvPr>
+            <p:ph idx="1"/>
+          </p:nvPr>
+        </p:nvSpPr>
+        <p:spPr>
+          <a:xfrm>
+            <a:off x="457200" y="1080247"/>
+            <a:ext cx="8229600" cy="4530725"/>
+          </a:xfrm>
+        </p:spPr>
+        <p:txBody>
+          <a:bodyPr/>
+          <a:lstStyle/>
+          <a:p>
+            <a:r>
+              <a:rPr lang="en-US" sz="2400" dirty="0" smtClean="0"/>
+              <a:t>This distinction is </a:t>
+            </a:r>
+            <a:r>
+              <a:rPr lang="en-US" sz="2400" u="sng" dirty="0" smtClean="0"/>
+              <a:t>incredibly important </a:t>
+            </a:r>
+            <a:r>
+              <a:rPr lang="en-US" sz="2400" dirty="0" smtClean="0"/>
+              <a:t>and we will minimize likelihoods all week</a:t>
+            </a:r>
+          </a:p>
+          <a:p>
+            <a:r>
+              <a:rPr lang="en-US" sz="2400" dirty="0" smtClean="0"/>
+              <a:t>Probabilities:</a:t>
+            </a:r>
+          </a:p>
+          <a:p>
+            <a:pPr lvl="1"/>
+            <a:r>
+              <a:rPr lang="en-US" sz="2000" dirty="0" smtClean="0"/>
+              <a:t>Parameters/model known, data unknown </a:t>
+            </a:r>
+          </a:p>
+          <a:p>
+            <a:pPr lvl="1"/>
+            <a:r>
+              <a:rPr lang="en-US" sz="2000" dirty="0" smtClean="0"/>
+              <a:t>Sum over </a:t>
+            </a:r>
+            <a:r>
+              <a:rPr lang="en-US" sz="2000" dirty="0" err="1" smtClean="0"/>
+              <a:t>Pr</a:t>
+            </a:r>
+            <a:r>
+              <a:rPr lang="en-US" sz="2000" dirty="0" smtClean="0"/>
+              <a:t>(x)=1 by definition</a:t>
+            </a:r>
+          </a:p>
+          <a:p>
+            <a:r>
+              <a:rPr lang="en-US" sz="2400" dirty="0" smtClean="0"/>
+              <a:t>Likelihoods:</a:t>
+            </a:r>
+          </a:p>
+          <a:p>
+            <a:pPr lvl="1"/>
+            <a:r>
+              <a:rPr lang="en-US" sz="2000" dirty="0" smtClean="0"/>
+              <a:t>Data known, parameters/model unknown</a:t>
+            </a:r>
+          </a:p>
+          <a:p>
+            <a:pPr lvl="1"/>
+            <a:r>
+              <a:rPr lang="en-US" sz="2000" dirty="0" smtClean="0"/>
+              <a:t>Sum over </a:t>
+            </a:r>
+            <a:r>
+              <a:rPr lang="en-US" sz="2000" dirty="0" err="1" smtClean="0"/>
+              <a:t>Pr</a:t>
+            </a:r>
+            <a:r>
+              <a:rPr lang="en-US" sz="2000" dirty="0" smtClean="0"/>
+              <a:t>(p) != 1 and is not meaningful</a:t>
+            </a:r>
+          </a:p>
+          <a:p>
+            <a:pPr lvl="1"/>
+            <a:r>
+              <a:rPr lang="en-US" sz="2000" dirty="0" smtClean="0"/>
+              <a:t>We care about </a:t>
+            </a:r>
+            <a:r>
+              <a:rPr lang="en-US" sz="2000" b="1" dirty="0" smtClean="0"/>
+              <a:t>relative likelihoods</a:t>
+            </a:r>
+          </a:p>
+          <a:p>
+            <a:pPr lvl="1"/>
+            <a:r>
+              <a:rPr lang="en-US" sz="2000" dirty="0" smtClean="0"/>
+              <a:t>Likelihood(p=.9|x=45)/likelihood(p=.5|x=45)</a:t>
+            </a:r>
+          </a:p>
+          <a:p>
+            <a:pPr lvl="1"/>
+            <a:r>
+              <a:rPr lang="en-US" sz="2000" dirty="0" smtClean="0">
+                <a:latin typeface="Courier New" panose="02070309020205020404" pitchFamily="49" charset="0"/>
+                <a:cs typeface="Courier New" panose="02070309020205020404" pitchFamily="49" charset="0"/>
+              </a:rPr>
+              <a:t>=98,268,134</a:t>
+            </a:r>
+            <a:endParaRPr lang="en-US" sz="2000" dirty="0">
+              <a:latin typeface="Courier New" panose="02070309020205020404" pitchFamily="49" charset="0"/>
+              <a:cs typeface="Courier New" panose="02070309020205020404" pitchFamily="49" charset="0"/>
+            </a:endParaRPr>
+          </a:p>
+          <a:p>
+            <a:pPr lvl="1"/>
+            <a:r>
+              <a:rPr lang="en-US" sz="2000" dirty="0" smtClean="0"/>
+              <a:t>It is </a:t>
+            </a:r>
+            <a:r>
+              <a:rPr lang="en-US" sz="2000" b="1" dirty="0" smtClean="0"/>
+              <a:t>extremely unlikely the coin is fair</a:t>
+            </a:r>
+          </a:p>
+          <a:p>
+            <a:pPr lvl="1"/>
+            <a:r>
+              <a:rPr lang="en-US" sz="2000" u="sng" dirty="0" smtClean="0"/>
+              <a:t>What is the most likely value for p?</a:t>
+            </a:r>
+            <a:endParaRPr lang="en-US" sz="2000" u="sng" dirty="0"/>
+          </a:p>
+        </p:txBody>
+      </p:sp>
+      <p:sp>
+        <p:nvSpPr>
+          <p:cNvPr id="4" name="Slide Number Placeholder 3"/>
+          <p:cNvSpPr>
+            <a:spLocks noGrp="1"/>
+          </p:cNvSpPr>
+          <p:nvPr>
+            <p:ph type="sldNum" sz="quarter" idx="12"/>
+          </p:nvPr>
+        </p:nvSpPr>
+        <p:spPr/>
+        <p:txBody>
+          <a:bodyPr/>
+          <a:lstStyle/>
+          <a:p>
+            <a:fld id="{A90099C9-4CB8-9A40-B745-9AB270505907}" type="slidenum">
+              <a:rPr lang="en-US" smtClean="0"/>
+              <a:t>6</a:t>
+            </a:fld>
+            <a:endParaRPr lang="en-US"/>
+          </a:p>
+        </p:txBody>
+      </p:sp>
+    </p:spTree>
+    <p:extLst>
+      <p:ext uri="{BB962C8B-B14F-4D97-AF65-F5344CB8AC3E}">
+        <p14:creationId xmlns:p14="http://schemas.microsoft.com/office/powerpoint/2010/main" val="1316281814"/>
+      </p:ext>
+    </p:extLst>
+  </p:cSld>
+  <p:clrMapOvr>
+    <a:masterClrMapping/>
+  </p:clrMapOvr>
+</p:sld>
+</file>
+
+<file path=ppt/slides/slide7.xml><?xml version="1.0" encoding="utf-8"?>
+<p:sld xmlns:a="http://schemas.openxmlformats.org/drawingml/2006/main" xmlns:r="http://schemas.openxmlformats.org/officeDocument/2006/relationships" xmlns:p="http://schemas.openxmlformats.org/presentationml/2006/main">
+  <p:cSld>
+    <p:spTree>
+      <p:nvGrpSpPr>
+        <p:cNvPr id="1" name=""/>
+        <p:cNvGrpSpPr/>
+        <p:nvPr/>
+      </p:nvGrpSpPr>
+      <p:grpSpPr>
+        <a:xfrm>
+          <a:off x="0" y="0"/>
+          <a:ext cx="0" cy="0"/>
+          <a:chOff x="0" y="0"/>
+          <a:chExt cx="0" cy="0"/>
+        </a:xfrm>
+      </p:grpSpPr>
+      <p:sp>
+        <p:nvSpPr>
           <p:cNvPr id="2" name="Title 1">
             <a:extLst>
               <a:ext uri="{FF2B5EF4-FFF2-40B4-BE49-F238E27FC236}">
@@ -11356,7 +13649,7 @@
           <a:p>
             <a:fld id="{A90099C9-4CB8-9A40-B745-9AB270505907}" type="slidenum">
               <a:rPr lang="en-US" smtClean="0"/>
-              <a:t>4</a:t>
+              <a:t>7</a:t>
             </a:fld>
             <a:endParaRPr lang="en-US"/>
           </a:p>
@@ -11453,7 +13746,7 @@
 </p:sld>
 </file>
 
-<file path=ppt/slides/slide5.xml><?xml version="1.0" encoding="utf-8"?>
+<file path=ppt/slides/slide8.xml><?xml version="1.0" encoding="utf-8"?>
 <p:sld xmlns:a="http://schemas.openxmlformats.org/drawingml/2006/main" xmlns:r="http://schemas.openxmlformats.org/officeDocument/2006/relationships" xmlns:p="http://schemas.openxmlformats.org/presentationml/2006/main">
   <p:cSld>
     <p:spTree>
@@ -12400,7 +14693,7 @@
           <a:p>
             <a:fld id="{A90099C9-4CB8-9A40-B745-9AB270505907}" type="slidenum">
               <a:rPr lang="en-US" smtClean="0"/>
-              <a:t>5</a:t>
+              <a:t>8</a:t>
             </a:fld>
             <a:endParaRPr lang="en-US"/>
           </a:p>
@@ -12517,513 +14810,6 @@
 </p:sld>
 </file>
 
-<file path=ppt/slides/slide6.xml><?xml version="1.0" encoding="utf-8"?>
-<p:sld xmlns:a="http://schemas.openxmlformats.org/drawingml/2006/main" xmlns:r="http://schemas.openxmlformats.org/officeDocument/2006/relationships" xmlns:p="http://schemas.openxmlformats.org/presentationml/2006/main">
-  <p:cSld>
-    <p:spTree>
-      <p:nvGrpSpPr>
-        <p:cNvPr id="1" name=""/>
-        <p:cNvGrpSpPr/>
-        <p:nvPr/>
-      </p:nvGrpSpPr>
-      <p:grpSpPr>
-        <a:xfrm>
-          <a:off x="0" y="0"/>
-          <a:ext cx="0" cy="0"/>
-          <a:chOff x="0" y="0"/>
-          <a:chExt cx="0" cy="0"/>
-        </a:xfrm>
-      </p:grpSpPr>
-      <p:sp>
-        <p:nvSpPr>
-          <p:cNvPr id="2" name="Title 1">
-            <a:extLst>
-              <a:ext uri="{FF2B5EF4-FFF2-40B4-BE49-F238E27FC236}">
-                <a16:creationId xmlns:a16="http://schemas.microsoft.com/office/drawing/2014/main" id="{D5B27833-24EE-4811-9BAD-E223D5F6CFD6}"/>
-              </a:ext>
-            </a:extLst>
-          </p:cNvPr>
-          <p:cNvSpPr>
-            <a:spLocks noGrp="1"/>
-          </p:cNvSpPr>
-          <p:nvPr>
-            <p:ph type="title"/>
-          </p:nvPr>
-        </p:nvSpPr>
-        <p:spPr/>
-        <p:txBody>
-          <a:bodyPr/>
-          <a:lstStyle/>
-          <a:p>
-            <a:r>
-              <a:rPr lang="en-US" dirty="0"/>
-              <a:t>Example: Normal likelihood</a:t>
-            </a:r>
-          </a:p>
-        </p:txBody>
-      </p:sp>
-      <p:sp>
-        <p:nvSpPr>
-          <p:cNvPr id="3" name="Content Placeholder 2">
-            <a:extLst>
-              <a:ext uri="{FF2B5EF4-FFF2-40B4-BE49-F238E27FC236}">
-                <a16:creationId xmlns:a16="http://schemas.microsoft.com/office/drawing/2014/main" id="{B91AFA56-26DC-45FF-A58F-2884CE7FCAE3}"/>
-              </a:ext>
-            </a:extLst>
-          </p:cNvPr>
-          <p:cNvSpPr>
-            <a:spLocks noGrp="1"/>
-          </p:cNvSpPr>
-          <p:nvPr>
-            <p:ph idx="1"/>
-          </p:nvPr>
-        </p:nvSpPr>
-        <p:spPr/>
-        <p:txBody>
-          <a:bodyPr>
-            <a:normAutofit/>
-          </a:bodyPr>
-          <a:lstStyle/>
-          <a:p>
-            <a:r>
-              <a:rPr lang="el-GR" dirty="0"/>
-              <a:t>μ</a:t>
-            </a:r>
-            <a:r>
-              <a:rPr lang="en-US" dirty="0"/>
-              <a:t> is the </a:t>
-            </a:r>
-            <a:r>
-              <a:rPr lang="en-US" i="1" dirty="0"/>
-              <a:t>expected value</a:t>
-            </a:r>
-            <a:r>
-              <a:rPr lang="en-US" dirty="0"/>
-              <a:t>, a function of parameters </a:t>
-            </a:r>
-          </a:p>
-          <a:p>
-            <a:r>
-              <a:rPr lang="en-US" dirty="0"/>
-              <a:t>The “</a:t>
-            </a:r>
-            <a:r>
-              <a:rPr lang="en-US" b="1" u="sng" dirty="0"/>
-              <a:t>MLE</a:t>
-            </a:r>
-            <a:r>
-              <a:rPr lang="en-US" dirty="0"/>
-              <a:t>” is the set of parameters which maximize the likelihood of the data</a:t>
-            </a:r>
-          </a:p>
-          <a:p>
-            <a:r>
-              <a:rPr lang="en-US" dirty="0"/>
-              <a:t>Constants have no effect on optimization, but often best to leave them in</a:t>
-            </a:r>
-          </a:p>
-          <a:p>
-            <a:r>
-              <a:rPr lang="en-US" dirty="0"/>
-              <a:t>Same ideas for other likelihoods (Poisson, binomial, etc.)</a:t>
-            </a:r>
-          </a:p>
-        </p:txBody>
-      </p:sp>
-      <p:sp>
-        <p:nvSpPr>
-          <p:cNvPr id="4" name="Slide Number Placeholder 3">
-            <a:extLst>
-              <a:ext uri="{FF2B5EF4-FFF2-40B4-BE49-F238E27FC236}">
-                <a16:creationId xmlns:a16="http://schemas.microsoft.com/office/drawing/2014/main" id="{89804D25-4644-4FF3-88B6-23E3945C5052}"/>
-              </a:ext>
-            </a:extLst>
-          </p:cNvPr>
-          <p:cNvSpPr>
-            <a:spLocks noGrp="1"/>
-          </p:cNvSpPr>
-          <p:nvPr>
-            <p:ph type="sldNum" sz="quarter" idx="12"/>
-          </p:nvPr>
-        </p:nvSpPr>
-        <p:spPr/>
-        <p:txBody>
-          <a:bodyPr/>
-          <a:lstStyle/>
-          <a:p>
-            <a:fld id="{A90099C9-4CB8-9A40-B745-9AB270505907}" type="slidenum">
-              <a:rPr lang="en-US" smtClean="0"/>
-              <a:t>6</a:t>
-            </a:fld>
-            <a:endParaRPr lang="en-US"/>
-          </a:p>
-        </p:txBody>
-      </p:sp>
-    </p:spTree>
-    <p:extLst>
-      <p:ext uri="{BB962C8B-B14F-4D97-AF65-F5344CB8AC3E}">
-        <p14:creationId xmlns:p14="http://schemas.microsoft.com/office/powerpoint/2010/main" val="1841702262"/>
-      </p:ext>
-    </p:extLst>
-  </p:cSld>
-  <p:clrMapOvr>
-    <a:masterClrMapping/>
-  </p:clrMapOvr>
-</p:sld>
-</file>
-
-<file path=ppt/slides/slide7.xml><?xml version="1.0" encoding="utf-8"?>
-<p:sld xmlns:a="http://schemas.openxmlformats.org/drawingml/2006/main" xmlns:r="http://schemas.openxmlformats.org/officeDocument/2006/relationships" xmlns:p="http://schemas.openxmlformats.org/presentationml/2006/main">
-  <p:cSld>
-    <p:spTree>
-      <p:nvGrpSpPr>
-        <p:cNvPr id="1" name=""/>
-        <p:cNvGrpSpPr/>
-        <p:nvPr/>
-      </p:nvGrpSpPr>
-      <p:grpSpPr>
-        <a:xfrm>
-          <a:off x="0" y="0"/>
-          <a:ext cx="0" cy="0"/>
-          <a:chOff x="0" y="0"/>
-          <a:chExt cx="0" cy="0"/>
-        </a:xfrm>
-      </p:grpSpPr>
-      <p:sp>
-        <p:nvSpPr>
-          <p:cNvPr id="2" name="Title 1">
-            <a:extLst>
-              <a:ext uri="{FF2B5EF4-FFF2-40B4-BE49-F238E27FC236}">
-                <a16:creationId xmlns:a16="http://schemas.microsoft.com/office/drawing/2014/main" id="{53F4E9E2-215B-4FDA-AC26-4DFEB8C3C891}"/>
-              </a:ext>
-            </a:extLst>
-          </p:cNvPr>
-          <p:cNvSpPr>
-            <a:spLocks noGrp="1"/>
-          </p:cNvSpPr>
-          <p:nvPr>
-            <p:ph type="title"/>
-          </p:nvPr>
-        </p:nvSpPr>
-        <p:spPr/>
-        <p:txBody>
-          <a:bodyPr/>
-          <a:lstStyle/>
-          <a:p>
-            <a:r>
-              <a:rPr lang="en-US" b="1" dirty="0"/>
-              <a:t>Exercise</a:t>
-            </a:r>
-            <a:r>
-              <a:rPr lang="en-US" dirty="0"/>
-              <a:t>: Poisson likelihood</a:t>
-            </a:r>
-          </a:p>
-        </p:txBody>
-      </p:sp>
-      <p:sp>
-        <p:nvSpPr>
-          <p:cNvPr id="3" name="Content Placeholder 2">
-            <a:extLst>
-              <a:ext uri="{FF2B5EF4-FFF2-40B4-BE49-F238E27FC236}">
-                <a16:creationId xmlns:a16="http://schemas.microsoft.com/office/drawing/2014/main" id="{0AFEB333-F892-463D-8B20-F8254F61421E}"/>
-              </a:ext>
-            </a:extLst>
-          </p:cNvPr>
-          <p:cNvSpPr>
-            <a:spLocks noGrp="1"/>
-          </p:cNvSpPr>
-          <p:nvPr>
-            <p:ph idx="1"/>
-          </p:nvPr>
-        </p:nvSpPr>
-        <p:spPr>
-          <a:xfrm>
-            <a:off x="457200" y="1417638"/>
-            <a:ext cx="8229600" cy="4713287"/>
-          </a:xfrm>
-        </p:spPr>
-        <p:txBody>
-          <a:bodyPr/>
-          <a:lstStyle/>
-          <a:p>
-            <a:r>
-              <a:rPr lang="en-US" dirty="0"/>
-              <a:t>Look up the probability mass function (</a:t>
-            </a:r>
-            <a:r>
-              <a:rPr lang="en-US" dirty="0" err="1"/>
-              <a:t>pmf</a:t>
-            </a:r>
-            <a:r>
-              <a:rPr lang="en-US" dirty="0"/>
-              <a:t>)</a:t>
-            </a:r>
-          </a:p>
-          <a:p>
-            <a:r>
-              <a:rPr lang="en-US" dirty="0"/>
-              <a:t>Identify which terms are data and parameters</a:t>
-            </a:r>
-          </a:p>
-          <a:p>
-            <a:r>
-              <a:rPr lang="en-US" dirty="0"/>
-              <a:t>Take log by hand and write out R function to calculate log-likelihood for single data point</a:t>
-            </a:r>
-          </a:p>
-          <a:p>
-            <a:r>
-              <a:rPr lang="en-US" dirty="0"/>
-              <a:t>Evaluate for k=4 and lambda=5.5</a:t>
-            </a:r>
-          </a:p>
-          <a:p>
-            <a:r>
-              <a:rPr lang="en-US" dirty="0"/>
-              <a:t>Check answer with </a:t>
-            </a:r>
-            <a:r>
-              <a:rPr lang="en-US" sz="2400" dirty="0" err="1">
-                <a:latin typeface="Courier New" panose="02070309020205020404" pitchFamily="49" charset="0"/>
-                <a:cs typeface="Courier New" panose="02070309020205020404" pitchFamily="49" charset="0"/>
-              </a:rPr>
-              <a:t>dpois</a:t>
-            </a:r>
-            <a:r>
-              <a:rPr lang="en-US" sz="2400" dirty="0">
-                <a:latin typeface="Courier New" panose="02070309020205020404" pitchFamily="49" charset="0"/>
-                <a:cs typeface="Courier New" panose="02070309020205020404" pitchFamily="49" charset="0"/>
-              </a:rPr>
-              <a:t>(x, lambda, TRUE)</a:t>
-            </a:r>
-          </a:p>
-          <a:p>
-            <a:r>
-              <a:rPr lang="en-US" dirty="0"/>
-              <a:t>Plot NLL for lambda between 0 and 15</a:t>
-            </a:r>
-          </a:p>
-          <a:p>
-            <a:r>
-              <a:rPr lang="en-US" dirty="0"/>
-              <a:t>[Hint: Use </a:t>
-            </a:r>
-            <a:r>
-              <a:rPr lang="en-US" sz="2000" dirty="0">
-                <a:latin typeface="Courier New" panose="02070309020205020404" pitchFamily="49" charset="0"/>
-                <a:cs typeface="Courier New" panose="02070309020205020404" pitchFamily="49" charset="0"/>
-              </a:rPr>
-              <a:t>log(factorial(k)) </a:t>
-            </a:r>
-            <a:r>
-              <a:rPr lang="en-US" dirty="0"/>
-              <a:t>or </a:t>
-            </a:r>
-            <a:r>
-              <a:rPr lang="en-US" sz="2400" dirty="0" err="1">
-                <a:latin typeface="Courier New" panose="02070309020205020404" pitchFamily="49" charset="0"/>
-                <a:cs typeface="Courier New" panose="02070309020205020404" pitchFamily="49" charset="0"/>
-              </a:rPr>
-              <a:t>lgamma</a:t>
-            </a:r>
-            <a:r>
-              <a:rPr lang="en-US" sz="2400" dirty="0">
-                <a:latin typeface="Courier New" panose="02070309020205020404" pitchFamily="49" charset="0"/>
-                <a:cs typeface="Courier New" panose="02070309020205020404" pitchFamily="49" charset="0"/>
-              </a:rPr>
-              <a:t>(k+1)</a:t>
-            </a:r>
-            <a:r>
-              <a:rPr lang="en-US" dirty="0"/>
-              <a:t>]</a:t>
-            </a:r>
-          </a:p>
-        </p:txBody>
-      </p:sp>
-      <p:sp>
-        <p:nvSpPr>
-          <p:cNvPr id="4" name="Slide Number Placeholder 3">
-            <a:extLst>
-              <a:ext uri="{FF2B5EF4-FFF2-40B4-BE49-F238E27FC236}">
-                <a16:creationId xmlns:a16="http://schemas.microsoft.com/office/drawing/2014/main" id="{81952C18-3419-432E-9A33-FC9543399DCE}"/>
-              </a:ext>
-            </a:extLst>
-          </p:cNvPr>
-          <p:cNvSpPr>
-            <a:spLocks noGrp="1"/>
-          </p:cNvSpPr>
-          <p:nvPr>
-            <p:ph type="sldNum" sz="quarter" idx="12"/>
-          </p:nvPr>
-        </p:nvSpPr>
-        <p:spPr/>
-        <p:txBody>
-          <a:bodyPr/>
-          <a:lstStyle/>
-          <a:p>
-            <a:fld id="{A90099C9-4CB8-9A40-B745-9AB270505907}" type="slidenum">
-              <a:rPr lang="en-US" smtClean="0"/>
-              <a:t>7</a:t>
-            </a:fld>
-            <a:endParaRPr lang="en-US"/>
-          </a:p>
-        </p:txBody>
-      </p:sp>
-    </p:spTree>
-    <p:extLst>
-      <p:ext uri="{BB962C8B-B14F-4D97-AF65-F5344CB8AC3E}">
-        <p14:creationId xmlns:p14="http://schemas.microsoft.com/office/powerpoint/2010/main" val="3496906482"/>
-      </p:ext>
-    </p:extLst>
-  </p:cSld>
-  <p:clrMapOvr>
-    <a:masterClrMapping/>
-  </p:clrMapOvr>
-</p:sld>
-</file>
-
-<file path=ppt/slides/slide8.xml><?xml version="1.0" encoding="utf-8"?>
-<p:sld xmlns:a="http://schemas.openxmlformats.org/drawingml/2006/main" xmlns:r="http://schemas.openxmlformats.org/officeDocument/2006/relationships" xmlns:p="http://schemas.openxmlformats.org/presentationml/2006/main">
-  <p:cSld>
-    <p:spTree>
-      <p:nvGrpSpPr>
-        <p:cNvPr id="1" name=""/>
-        <p:cNvGrpSpPr/>
-        <p:nvPr/>
-      </p:nvGrpSpPr>
-      <p:grpSpPr>
-        <a:xfrm>
-          <a:off x="0" y="0"/>
-          <a:ext cx="0" cy="0"/>
-          <a:chOff x="0" y="0"/>
-          <a:chExt cx="0" cy="0"/>
-        </a:xfrm>
-      </p:grpSpPr>
-      <p:sp>
-        <p:nvSpPr>
-          <p:cNvPr id="2" name="Title 1">
-            <a:extLst>
-              <a:ext uri="{FF2B5EF4-FFF2-40B4-BE49-F238E27FC236}">
-                <a16:creationId xmlns:a16="http://schemas.microsoft.com/office/drawing/2014/main" id="{85912599-B709-4D2B-BFDD-22D698B61C4A}"/>
-              </a:ext>
-            </a:extLst>
-          </p:cNvPr>
-          <p:cNvSpPr>
-            <a:spLocks noGrp="1"/>
-          </p:cNvSpPr>
-          <p:nvPr>
-            <p:ph type="title"/>
-          </p:nvPr>
-        </p:nvSpPr>
-        <p:spPr/>
-        <p:txBody>
-          <a:bodyPr/>
-          <a:lstStyle/>
-          <a:p>
-            <a:r>
-              <a:rPr lang="en-US" dirty="0"/>
-              <a:t>Fitting MLE models: basics</a:t>
-            </a:r>
-          </a:p>
-        </p:txBody>
-      </p:sp>
-      <p:sp>
-        <p:nvSpPr>
-          <p:cNvPr id="3" name="Content Placeholder 2">
-            <a:extLst>
-              <a:ext uri="{FF2B5EF4-FFF2-40B4-BE49-F238E27FC236}">
-                <a16:creationId xmlns:a16="http://schemas.microsoft.com/office/drawing/2014/main" id="{FECCC0C2-4089-4F18-94F7-ED739588728C}"/>
-              </a:ext>
-            </a:extLst>
-          </p:cNvPr>
-          <p:cNvSpPr>
-            <a:spLocks noGrp="1"/>
-          </p:cNvSpPr>
-          <p:nvPr>
-            <p:ph idx="1"/>
-          </p:nvPr>
-        </p:nvSpPr>
-        <p:spPr/>
-        <p:txBody>
-          <a:bodyPr>
-            <a:normAutofit fontScale="92500"/>
-          </a:bodyPr>
-          <a:lstStyle/>
-          <a:p>
-            <a:r>
-              <a:rPr lang="en-US" dirty="0"/>
-              <a:t>Goal: find the parameters that minimize the NLL</a:t>
-            </a:r>
-          </a:p>
-          <a:p>
-            <a:r>
-              <a:rPr lang="en-US" dirty="0"/>
-              <a:t>Usually need to use numerical optimization</a:t>
-            </a:r>
-          </a:p>
-          <a:p>
-            <a:r>
-              <a:rPr lang="en-US" dirty="0"/>
-              <a:t>These algorithms try to move “down” until minimum is attained (gradients are zero)</a:t>
-            </a:r>
-          </a:p>
-          <a:p>
-            <a:r>
-              <a:rPr lang="en-US" dirty="0"/>
-              <a:t>Need to specify starting value that is reasonable</a:t>
-            </a:r>
-          </a:p>
-          <a:p>
-            <a:r>
-              <a:rPr lang="en-US" dirty="0"/>
-              <a:t>Need to be careful to constrain parameters appropriately (e.g., σ&gt;0; 0&lt;p&lt;1) with transformations</a:t>
-            </a:r>
-          </a:p>
-        </p:txBody>
-      </p:sp>
-      <p:sp>
-        <p:nvSpPr>
-          <p:cNvPr id="4" name="Slide Number Placeholder 3">
-            <a:extLst>
-              <a:ext uri="{FF2B5EF4-FFF2-40B4-BE49-F238E27FC236}">
-                <a16:creationId xmlns:a16="http://schemas.microsoft.com/office/drawing/2014/main" id="{6DCC37D5-C19C-405F-B23C-8EB90CB6ABED}"/>
-              </a:ext>
-            </a:extLst>
-          </p:cNvPr>
-          <p:cNvSpPr>
-            <a:spLocks noGrp="1"/>
-          </p:cNvSpPr>
-          <p:nvPr>
-            <p:ph type="sldNum" sz="quarter" idx="12"/>
-          </p:nvPr>
-        </p:nvSpPr>
-        <p:spPr/>
-        <p:txBody>
-          <a:bodyPr/>
-          <a:lstStyle/>
-          <a:p>
-            <a:fld id="{A90099C9-4CB8-9A40-B745-9AB270505907}" type="slidenum">
-              <a:rPr lang="en-US" smtClean="0"/>
-              <a:t>8</a:t>
-            </a:fld>
-            <a:endParaRPr lang="en-US"/>
-          </a:p>
-        </p:txBody>
-      </p:sp>
-    </p:spTree>
-    <p:extLst>
-      <p:ext uri="{BB962C8B-B14F-4D97-AF65-F5344CB8AC3E}">
-        <p14:creationId xmlns:p14="http://schemas.microsoft.com/office/powerpoint/2010/main" val="3472202667"/>
-      </p:ext>
-    </p:extLst>
-  </p:cSld>
-  <p:clrMapOvr>
-    <a:masterClrMapping/>
-  </p:clrMapOvr>
-</p:sld>
-</file>
-
 <file path=ppt/slides/slide9.xml><?xml version="1.0" encoding="utf-8"?>
 <p:sld xmlns:a="http://schemas.openxmlformats.org/drawingml/2006/main" xmlns:r="http://schemas.openxmlformats.org/officeDocument/2006/relationships" xmlns:p="http://schemas.openxmlformats.org/presentationml/2006/main">
   <p:cSld>
@@ -13046,7 +14832,7 @@
           <p:cNvPr id="2" name="Title 1">
             <a:extLst>
               <a:ext uri="{FF2B5EF4-FFF2-40B4-BE49-F238E27FC236}">
-                <a16:creationId xmlns:a16="http://schemas.microsoft.com/office/drawing/2014/main" id="{85912599-B709-4D2B-BFDD-22D698B61C4A}"/>
+                <a16:creationId xmlns:a16="http://schemas.microsoft.com/office/drawing/2014/main" id="{D5B27833-24EE-4811-9BAD-E223D5F6CFD6}"/>
               </a:ext>
             </a:extLst>
           </p:cNvPr>
@@ -13064,7 +14850,7 @@
           <a:p>
             <a:r>
               <a:rPr lang="en-US" dirty="0"/>
-              <a:t>Fitting MLE models: details</a:t>
+              <a:t>Example: Normal likelihood</a:t>
             </a:r>
           </a:p>
         </p:txBody>
@@ -13074,7 +14860,7 @@
           <p:cNvPr id="3" name="Content Placeholder 2">
             <a:extLst>
               <a:ext uri="{FF2B5EF4-FFF2-40B4-BE49-F238E27FC236}">
-                <a16:creationId xmlns:a16="http://schemas.microsoft.com/office/drawing/2014/main" id="{FECCC0C2-4089-4F18-94F7-ED739588728C}"/>
+                <a16:creationId xmlns:a16="http://schemas.microsoft.com/office/drawing/2014/main" id="{B91AFA56-26DC-45FF-A58F-2884CE7FCAE3}"/>
               </a:ext>
             </a:extLst>
           </p:cNvPr>
@@ -13088,64 +14874,52 @@
         <p:spPr/>
         <p:txBody>
           <a:bodyPr>
-            <a:normAutofit fontScale="92500"/>
+            <a:normAutofit/>
           </a:bodyPr>
           <a:lstStyle/>
           <a:p>
             <a:r>
+              <a:rPr lang="el-GR" dirty="0"/>
+              <a:t>μ</a:t>
+            </a:r>
+            <a:r>
               <a:rPr lang="en-US" dirty="0"/>
-              <a:t>Algorithm approaches minimum but may never achieve it</a:t>
-            </a:r>
-          </a:p>
-          <a:p>
+              <a:t> is the </a:t>
+            </a:r>
+            <a:r>
+              <a:rPr lang="en-US" i="1" dirty="0"/>
+              <a:t>expected value</a:t>
+            </a:r>
             <a:r>
               <a:rPr lang="en-US" dirty="0"/>
-              <a:t>Thus, “</a:t>
-            </a:r>
-            <a:r>
-              <a:rPr lang="en-US" b="1" dirty="0"/>
-              <a:t>convergence</a:t>
-            </a:r>
+              <a:t>, a function of parameters </a:t>
+            </a:r>
+          </a:p>
+          <a:p>
             <a:r>
               <a:rPr lang="en-US" dirty="0"/>
-              <a:t>” = sufficiently close to global minimum</a:t>
-            </a:r>
-          </a:p>
-          <a:p>
+              <a:t>The “</a:t>
+            </a:r>
+            <a:r>
+              <a:rPr lang="en-US" b="1" u="sng" dirty="0"/>
+              <a:t>MLE</a:t>
+            </a:r>
             <a:r>
               <a:rPr lang="en-US" dirty="0"/>
-              <a:t>Typically when maximum gradient is &lt;0.0001</a:t>
+              <a:t>” is the set of parameters which maximize the likelihood of the data</a:t>
             </a:r>
           </a:p>
           <a:p>
             <a:r>
               <a:rPr lang="en-US" dirty="0"/>
-              <a:t>Warning: Can get “stuck” in local minima (bad!)</a:t>
+              <a:t>Constants have no effect on optimization, but often best to leave them in</a:t>
             </a:r>
           </a:p>
           <a:p>
             <a:r>
               <a:rPr lang="en-US" dirty="0"/>
-              <a:t>Test: multiple initializations arrive at same MLE</a:t>
-            </a:r>
-          </a:p>
-          <a:p>
-            <a:r>
-              <a:rPr lang="en-US" u="sng" dirty="0"/>
-              <a:t>You are responsible for assuring convergence!</a:t>
-            </a:r>
-          </a:p>
-          <a:p>
-            <a:endParaRPr lang="en-US" dirty="0"/>
-          </a:p>
-          <a:p>
-            <a:endParaRPr lang="en-US" dirty="0"/>
-          </a:p>
-          <a:p>
-            <a:endParaRPr lang="en-US" dirty="0"/>
-          </a:p>
-          <a:p>
-            <a:endParaRPr lang="en-US" dirty="0"/>
+              <a:t>Same ideas for other likelihoods (Poisson, binomial, etc.)</a:t>
+            </a:r>
           </a:p>
         </p:txBody>
       </p:sp>
@@ -13154,7 +14928,7 @@
           <p:cNvPr id="4" name="Slide Number Placeholder 3">
             <a:extLst>
               <a:ext uri="{FF2B5EF4-FFF2-40B4-BE49-F238E27FC236}">
-                <a16:creationId xmlns:a16="http://schemas.microsoft.com/office/drawing/2014/main" id="{9755EF4A-EE1C-400F-8DCB-065EB4CBCE1C}"/>
+                <a16:creationId xmlns:a16="http://schemas.microsoft.com/office/drawing/2014/main" id="{89804D25-4644-4FF3-88B6-23E3945C5052}"/>
               </a:ext>
             </a:extLst>
           </p:cNvPr>
@@ -13181,7 +14955,7 @@
     </p:spTree>
     <p:extLst>
       <p:ext uri="{BB962C8B-B14F-4D97-AF65-F5344CB8AC3E}">
-        <p14:creationId xmlns:p14="http://schemas.microsoft.com/office/powerpoint/2010/main" val="919505044"/>
+        <p14:creationId xmlns:p14="http://schemas.microsoft.com/office/powerpoint/2010/main" val="1841702262"/>
       </p:ext>
     </p:extLst>
   </p:cSld>
